--- a/Final Project Data Analyst Program Hebrew University of Jerusalem.pptx
+++ b/Final Project Data Analyst Program Hebrew University of Jerusalem.pptx
@@ -5,7 +5,7 @@
     <p:sldMasterId id="2147483648" r:id="rId1"/>
   </p:sldMasterIdLst>
   <p:notesMasterIdLst>
-    <p:notesMasterId r:id="rId18"/>
+    <p:notesMasterId r:id="rId21"/>
   </p:notesMasterIdLst>
   <p:sldIdLst>
     <p:sldId id="274" r:id="rId2"/>
@@ -16,14 +16,17 @@
     <p:sldId id="276" r:id="rId7"/>
     <p:sldId id="272" r:id="rId8"/>
     <p:sldId id="277" r:id="rId9"/>
-    <p:sldId id="278" r:id="rId10"/>
-    <p:sldId id="279" r:id="rId11"/>
-    <p:sldId id="283" r:id="rId12"/>
-    <p:sldId id="280" r:id="rId13"/>
-    <p:sldId id="281" r:id="rId14"/>
-    <p:sldId id="282" r:id="rId15"/>
-    <p:sldId id="267" r:id="rId16"/>
-    <p:sldId id="269" r:id="rId17"/>
+    <p:sldId id="284" r:id="rId10"/>
+    <p:sldId id="285" r:id="rId11"/>
+    <p:sldId id="278" r:id="rId12"/>
+    <p:sldId id="279" r:id="rId13"/>
+    <p:sldId id="286" r:id="rId14"/>
+    <p:sldId id="283" r:id="rId15"/>
+    <p:sldId id="281" r:id="rId16"/>
+    <p:sldId id="280" r:id="rId17"/>
+    <p:sldId id="282" r:id="rId18"/>
+    <p:sldId id="267" r:id="rId19"/>
+    <p:sldId id="269" r:id="rId20"/>
   </p:sldIdLst>
   <p:sldSz cx="12192000" cy="6858000"/>
   <p:notesSz cx="6858000" cy="9144000"/>
@@ -133,7 +136,7 @@
 <file path=ppt/revisionInfo.xml><?xml version="1.0" encoding="utf-8"?>
 <p1510:revInfo xmlns:a="http://schemas.openxmlformats.org/drawingml/2006/main" xmlns:r="http://schemas.openxmlformats.org/officeDocument/2006/relationships" xmlns:p1510="http://schemas.microsoft.com/office/powerpoint/2015/10/main">
   <p1510:revLst>
-    <p1510:client id="{5D952ADB-1579-4CB5-A5D8-2E248B0950CA}" v="12" dt="2023-12-02T17:31:10.228"/>
+    <p1510:client id="{CC9D7999-7F6C-4730-81E2-C1BD979E1575}" v="7" dt="2023-12-04T10:23:28.094"/>
   </p1510:revLst>
 </p1510:revInfo>
 </file>
@@ -141,74 +144,123 @@
 <file path=ppt/changesInfos/changesInfo1.xml><?xml version="1.0" encoding="utf-8"?>
 <pc:chgInfo xmlns:a="http://schemas.openxmlformats.org/drawingml/2006/main" xmlns:r="http://schemas.openxmlformats.org/officeDocument/2006/relationships" xmlns:ac="http://schemas.microsoft.com/office/drawing/2013/main/command" xmlns:pc="http://schemas.microsoft.com/office/powerpoint/2013/main/command">
   <pc:docChgLst>
-    <pc:chgData name="שיר וולץ" userId="aefb9a7725becb63" providerId="LiveId" clId="{5D952ADB-1579-4CB5-A5D8-2E248B0950CA}"/>
+    <pc:chgData name="שיר וולץ" userId="aefb9a7725becb63" providerId="LiveId" clId="{CC9D7999-7F6C-4730-81E2-C1BD979E1575}"/>
     <pc:docChg chg="undo custSel modSld">
-      <pc:chgData name="שיר וולץ" userId="aefb9a7725becb63" providerId="LiveId" clId="{5D952ADB-1579-4CB5-A5D8-2E248B0950CA}" dt="2023-12-02T17:32:24.782" v="220" actId="14100"/>
+      <pc:chgData name="שיר וולץ" userId="aefb9a7725becb63" providerId="LiveId" clId="{CC9D7999-7F6C-4730-81E2-C1BD979E1575}" dt="2023-12-04T10:39:09.962" v="173" actId="6549"/>
       <pc:docMkLst>
         <pc:docMk/>
       </pc:docMkLst>
       <pc:sldChg chg="addSp modSp mod modAnim">
-        <pc:chgData name="שיר וולץ" userId="aefb9a7725becb63" providerId="LiveId" clId="{5D952ADB-1579-4CB5-A5D8-2E248B0950CA}" dt="2023-12-02T14:05:28.119" v="17"/>
+        <pc:chgData name="שיר וולץ" userId="aefb9a7725becb63" providerId="LiveId" clId="{CC9D7999-7F6C-4730-81E2-C1BD979E1575}" dt="2023-12-04T10:17:08.900" v="46"/>
         <pc:sldMkLst>
           <pc:docMk/>
           <pc:sldMk cId="3979115751" sldId="271"/>
         </pc:sldMkLst>
         <pc:spChg chg="add mod">
-          <ac:chgData name="שיר וולץ" userId="aefb9a7725becb63" providerId="LiveId" clId="{5D952ADB-1579-4CB5-A5D8-2E248B0950CA}" dt="2023-12-02T14:03:41.021" v="7" actId="1076"/>
+          <ac:chgData name="שיר וולץ" userId="aefb9a7725becb63" providerId="LiveId" clId="{CC9D7999-7F6C-4730-81E2-C1BD979E1575}" dt="2023-12-04T10:17:04.745" v="45" actId="164"/>
+          <ac:spMkLst>
+            <pc:docMk/>
+            <pc:sldMk cId="3979115751" sldId="271"/>
+            <ac:spMk id="3" creationId="{ED0E6D13-D701-D94B-4060-BF3BBFBE1648}"/>
+          </ac:spMkLst>
+        </pc:spChg>
+        <pc:spChg chg="mod">
+          <ac:chgData name="שיר וולץ" userId="aefb9a7725becb63" providerId="LiveId" clId="{CC9D7999-7F6C-4730-81E2-C1BD979E1575}" dt="2023-12-04T10:17:04.745" v="45" actId="164"/>
           <ac:spMkLst>
             <pc:docMk/>
             <pc:sldMk cId="3979115751" sldId="271"/>
             <ac:spMk id="4" creationId="{BA6DED7E-03A3-44FA-0A99-97940350ACBD}"/>
           </ac:spMkLst>
         </pc:spChg>
-        <pc:spChg chg="add mod">
-          <ac:chgData name="שיר וולץ" userId="aefb9a7725becb63" providerId="LiveId" clId="{5D952ADB-1579-4CB5-A5D8-2E248B0950CA}" dt="2023-12-02T14:05:21.010" v="16" actId="164"/>
+        <pc:spChg chg="mod">
+          <ac:chgData name="שיר וולץ" userId="aefb9a7725becb63" providerId="LiveId" clId="{CC9D7999-7F6C-4730-81E2-C1BD979E1575}" dt="2023-12-04T10:15:42.124" v="28" actId="782"/>
           <ac:spMkLst>
             <pc:docMk/>
             <pc:sldMk cId="3979115751" sldId="271"/>
             <ac:spMk id="6" creationId="{4E46FCE6-3013-F356-E566-EA730F64D1ED}"/>
           </ac:spMkLst>
         </pc:spChg>
+        <pc:spChg chg="add mod">
+          <ac:chgData name="שיר וולץ" userId="aefb9a7725becb63" providerId="LiveId" clId="{CC9D7999-7F6C-4730-81E2-C1BD979E1575}" dt="2023-12-04T10:17:04.745" v="45" actId="164"/>
+          <ac:spMkLst>
+            <pc:docMk/>
+            <pc:sldMk cId="3979115751" sldId="271"/>
+            <ac:spMk id="7" creationId="{F554222E-09AE-B684-380E-B0A11176FE33}"/>
+          </ac:spMkLst>
+        </pc:spChg>
+        <pc:spChg chg="mod">
+          <ac:chgData name="שיר וולץ" userId="aefb9a7725becb63" providerId="LiveId" clId="{CC9D7999-7F6C-4730-81E2-C1BD979E1575}" dt="2023-12-04T10:17:04.745" v="45" actId="164"/>
+          <ac:spMkLst>
+            <pc:docMk/>
+            <pc:sldMk cId="3979115751" sldId="271"/>
+            <ac:spMk id="14" creationId="{199A8AC6-66FD-1018-50DF-B697223D7836}"/>
+          </ac:spMkLst>
+        </pc:spChg>
+        <pc:spChg chg="add mod">
+          <ac:chgData name="שיר וולץ" userId="aefb9a7725becb63" providerId="LiveId" clId="{CC9D7999-7F6C-4730-81E2-C1BD979E1575}" dt="2023-12-04T10:16:46.733" v="44" actId="164"/>
+          <ac:spMkLst>
+            <pc:docMk/>
+            <pc:sldMk cId="3979115751" sldId="271"/>
+            <ac:spMk id="15" creationId="{8476E89B-8B16-72F6-1B3A-3A68DB8553D6}"/>
+          </ac:spMkLst>
+        </pc:spChg>
         <pc:grpChg chg="mod">
-          <ac:chgData name="שיר וולץ" userId="aefb9a7725becb63" providerId="LiveId" clId="{5D952ADB-1579-4CB5-A5D8-2E248B0950CA}" dt="2023-12-02T14:05:21.010" v="16" actId="164"/>
+          <ac:chgData name="שיר וולץ" userId="aefb9a7725becb63" providerId="LiveId" clId="{CC9D7999-7F6C-4730-81E2-C1BD979E1575}" dt="2023-12-04T10:16:46.733" v="44" actId="164"/>
           <ac:grpSpMkLst>
             <pc:docMk/>
             <pc:sldMk cId="3979115751" sldId="271"/>
-            <ac:grpSpMk id="3" creationId="{F4A32983-DF18-2EF9-CD96-0A7A12E0578C}"/>
+            <ac:grpSpMk id="12" creationId="{D30F4022-5328-F1E8-E72D-A4F175E58314}"/>
           </ac:grpSpMkLst>
         </pc:grpChg>
         <pc:grpChg chg="add mod">
-          <ac:chgData name="שיר וולץ" userId="aefb9a7725becb63" providerId="LiveId" clId="{5D952ADB-1579-4CB5-A5D8-2E248B0950CA}" dt="2023-12-02T14:05:21.010" v="16" actId="164"/>
+          <ac:chgData name="שיר וולץ" userId="aefb9a7725becb63" providerId="LiveId" clId="{CC9D7999-7F6C-4730-81E2-C1BD979E1575}" dt="2023-12-04T10:16:46.733" v="44" actId="164"/>
           <ac:grpSpMkLst>
             <pc:docMk/>
             <pc:sldMk cId="3979115751" sldId="271"/>
-            <ac:grpSpMk id="7" creationId="{8210F35F-7C60-9FB9-2771-AA9D492A7F43}"/>
+            <ac:grpSpMk id="18" creationId="{691D3CA2-E4C5-8AD0-F6C5-3672858D4BE0}"/>
           </ac:grpSpMkLst>
         </pc:grpChg>
+        <pc:grpChg chg="add mod">
+          <ac:chgData name="שיר וולץ" userId="aefb9a7725becb63" providerId="LiveId" clId="{CC9D7999-7F6C-4730-81E2-C1BD979E1575}" dt="2023-12-04T10:17:04.745" v="45" actId="164"/>
+          <ac:grpSpMkLst>
+            <pc:docMk/>
+            <pc:sldMk cId="3979115751" sldId="271"/>
+            <ac:grpSpMk id="20" creationId="{511CE4BF-E636-D491-215B-F2F2D6E88F98}"/>
+          </ac:grpSpMkLst>
+        </pc:grpChg>
+        <pc:picChg chg="mod">
+          <ac:chgData name="שיר וולץ" userId="aefb9a7725becb63" providerId="LiveId" clId="{CC9D7999-7F6C-4730-81E2-C1BD979E1575}" dt="2023-12-04T10:16:20.908" v="33" actId="1076"/>
+          <ac:picMkLst>
+            <pc:docMk/>
+            <pc:sldMk cId="3979115751" sldId="271"/>
+            <ac:picMk id="9" creationId="{60FE019A-7D46-E958-642D-7E38A7347BD0}"/>
+          </ac:picMkLst>
+        </pc:picChg>
+        <pc:picChg chg="mod">
+          <ac:chgData name="שיר וולץ" userId="aefb9a7725becb63" providerId="LiveId" clId="{CC9D7999-7F6C-4730-81E2-C1BD979E1575}" dt="2023-12-04T10:17:04.745" v="45" actId="164"/>
+          <ac:picMkLst>
+            <pc:docMk/>
+            <pc:sldMk cId="3979115751" sldId="271"/>
+            <ac:picMk id="11" creationId="{3C36CA63-E0FF-D349-741F-3D5612B1DFE9}"/>
+          </ac:picMkLst>
+        </pc:picChg>
+        <pc:picChg chg="mod">
+          <ac:chgData name="שיר וולץ" userId="aefb9a7725becb63" providerId="LiveId" clId="{CC9D7999-7F6C-4730-81E2-C1BD979E1575}" dt="2023-12-04T10:17:04.745" v="45" actId="164"/>
+          <ac:picMkLst>
+            <pc:docMk/>
+            <pc:sldMk cId="3979115751" sldId="271"/>
+            <ac:picMk id="13" creationId="{EEC44B3F-D26F-444C-97ED-D394691B143C}"/>
+          </ac:picMkLst>
+        </pc:picChg>
       </pc:sldChg>
-      <pc:sldChg chg="modSp mod">
-        <pc:chgData name="שיר וולץ" userId="aefb9a7725becb63" providerId="LiveId" clId="{5D952ADB-1579-4CB5-A5D8-2E248B0950CA}" dt="2023-12-02T14:54:14.738" v="63" actId="1076"/>
-        <pc:sldMkLst>
-          <pc:docMk/>
-          <pc:sldMk cId="632009448" sldId="272"/>
-        </pc:sldMkLst>
-        <pc:spChg chg="mod">
-          <ac:chgData name="שיר וולץ" userId="aefb9a7725becb63" providerId="LiveId" clId="{5D952ADB-1579-4CB5-A5D8-2E248B0950CA}" dt="2023-12-02T14:54:14.738" v="63" actId="1076"/>
-          <ac:spMkLst>
-            <pc:docMk/>
-            <pc:sldMk cId="632009448" sldId="272"/>
-            <ac:spMk id="4" creationId="{18C13FE4-332D-2C92-6AF2-2F31660F39AF}"/>
-          </ac:spMkLst>
-        </pc:spChg>
-      </pc:sldChg>
-      <pc:sldChg chg="modSp mod">
-        <pc:chgData name="שיר וולץ" userId="aefb9a7725becb63" providerId="LiveId" clId="{5D952ADB-1579-4CB5-A5D8-2E248B0950CA}" dt="2023-12-02T14:55:03.843" v="81" actId="20577"/>
+      <pc:sldChg chg="modSp mod modNotesTx">
+        <pc:chgData name="שיר וולץ" userId="aefb9a7725becb63" providerId="LiveId" clId="{CC9D7999-7F6C-4730-81E2-C1BD979E1575}" dt="2023-12-04T10:37:09.269" v="93" actId="20577"/>
         <pc:sldMkLst>
           <pc:docMk/>
           <pc:sldMk cId="2396002602" sldId="277"/>
         </pc:sldMkLst>
         <pc:spChg chg="mod">
-          <ac:chgData name="שיר וולץ" userId="aefb9a7725becb63" providerId="LiveId" clId="{5D952ADB-1579-4CB5-A5D8-2E248B0950CA}" dt="2023-12-02T14:55:03.843" v="81" actId="20577"/>
+          <ac:chgData name="שיר וולץ" userId="aefb9a7725becb63" providerId="LiveId" clId="{CC9D7999-7F6C-4730-81E2-C1BD979E1575}" dt="2023-12-04T10:25:06.806" v="63" actId="207"/>
           <ac:spMkLst>
             <pc:docMk/>
             <pc:sldMk cId="2396002602" sldId="277"/>
@@ -217,174 +269,70 @@
         </pc:spChg>
       </pc:sldChg>
       <pc:sldChg chg="modSp mod">
-        <pc:chgData name="שיר וולץ" userId="aefb9a7725becb63" providerId="LiveId" clId="{5D952ADB-1579-4CB5-A5D8-2E248B0950CA}" dt="2023-12-02T14:59:53.946" v="210" actId="20577"/>
+        <pc:chgData name="שיר וולץ" userId="aefb9a7725becb63" providerId="LiveId" clId="{CC9D7999-7F6C-4730-81E2-C1BD979E1575}" dt="2023-12-04T10:23:36.647" v="55" actId="20577"/>
         <pc:sldMkLst>
           <pc:docMk/>
           <pc:sldMk cId="2889183720" sldId="278"/>
         </pc:sldMkLst>
+        <pc:graphicFrameChg chg="mod modGraphic">
+          <ac:chgData name="שיר וולץ" userId="aefb9a7725becb63" providerId="LiveId" clId="{CC9D7999-7F6C-4730-81E2-C1BD979E1575}" dt="2023-12-04T10:23:36.647" v="55" actId="20577"/>
+          <ac:graphicFrameMkLst>
+            <pc:docMk/>
+            <pc:sldMk cId="2889183720" sldId="278"/>
+            <ac:graphicFrameMk id="6" creationId="{A1688815-74C7-03C3-DDE2-45AA286597BE}"/>
+          </ac:graphicFrameMkLst>
+        </pc:graphicFrameChg>
+      </pc:sldChg>
+      <pc:sldChg chg="modNotesTx">
+        <pc:chgData name="שיר וולץ" userId="aefb9a7725becb63" providerId="LiveId" clId="{CC9D7999-7F6C-4730-81E2-C1BD979E1575}" dt="2023-12-04T10:37:49.199" v="141" actId="20577"/>
+        <pc:sldMkLst>
+          <pc:docMk/>
+          <pc:sldMk cId="3112131851" sldId="279"/>
+        </pc:sldMkLst>
+      </pc:sldChg>
+      <pc:sldChg chg="modNotesTx">
+        <pc:chgData name="שיר וולץ" userId="aefb9a7725becb63" providerId="LiveId" clId="{CC9D7999-7F6C-4730-81E2-C1BD979E1575}" dt="2023-12-04T10:38:43.716" v="170" actId="20577"/>
+        <pc:sldMkLst>
+          <pc:docMk/>
+          <pc:sldMk cId="558379904" sldId="281"/>
+        </pc:sldMkLst>
+      </pc:sldChg>
+      <pc:sldChg chg="modNotesTx">
+        <pc:chgData name="שיר וולץ" userId="aefb9a7725becb63" providerId="LiveId" clId="{CC9D7999-7F6C-4730-81E2-C1BD979E1575}" dt="2023-12-04T10:38:53.164" v="171" actId="6549"/>
+        <pc:sldMkLst>
+          <pc:docMk/>
+          <pc:sldMk cId="2365412575" sldId="283"/>
+        </pc:sldMkLst>
+      </pc:sldChg>
+      <pc:sldChg chg="modSp mod modNotesTx">
+        <pc:chgData name="שיר וולץ" userId="aefb9a7725becb63" providerId="LiveId" clId="{CC9D7999-7F6C-4730-81E2-C1BD979E1575}" dt="2023-12-04T10:39:05.298" v="172" actId="6549"/>
+        <pc:sldMkLst>
+          <pc:docMk/>
+          <pc:sldMk cId="1438901795" sldId="284"/>
+        </pc:sldMkLst>
         <pc:spChg chg="mod">
-          <ac:chgData name="שיר וולץ" userId="aefb9a7725becb63" providerId="LiveId" clId="{5D952ADB-1579-4CB5-A5D8-2E248B0950CA}" dt="2023-12-02T14:59:53.946" v="210" actId="20577"/>
+          <ac:chgData name="שיר וולץ" userId="aefb9a7725becb63" providerId="LiveId" clId="{CC9D7999-7F6C-4730-81E2-C1BD979E1575}" dt="2023-12-04T10:25:41.495" v="81" actId="207"/>
           <ac:spMkLst>
             <pc:docMk/>
-            <pc:sldMk cId="2889183720" sldId="278"/>
+            <pc:sldMk cId="1438901795" sldId="284"/>
             <ac:spMk id="4" creationId="{18C13FE4-332D-2C92-6AF2-2F31660F39AF}"/>
           </ac:spMkLst>
         </pc:spChg>
       </pc:sldChg>
-      <pc:sldChg chg="modSp mod">
-        <pc:chgData name="שיר וולץ" userId="aefb9a7725becb63" providerId="LiveId" clId="{5D952ADB-1579-4CB5-A5D8-2E248B0950CA}" dt="2023-12-02T17:32:24.782" v="220" actId="14100"/>
+      <pc:sldChg chg="modSp mod modNotesTx">
+        <pc:chgData name="שיר וולץ" userId="aefb9a7725becb63" providerId="LiveId" clId="{CC9D7999-7F6C-4730-81E2-C1BD979E1575}" dt="2023-12-04T10:39:09.962" v="173" actId="6549"/>
         <pc:sldMkLst>
           <pc:docMk/>
-          <pc:sldMk cId="3112131851" sldId="279"/>
+          <pc:sldMk cId="4086002149" sldId="285"/>
         </pc:sldMkLst>
         <pc:spChg chg="mod">
-          <ac:chgData name="שיר וולץ" userId="aefb9a7725becb63" providerId="LiveId" clId="{5D952ADB-1579-4CB5-A5D8-2E248B0950CA}" dt="2023-12-02T14:56:26.720" v="100" actId="1076"/>
+          <ac:chgData name="שיר וולץ" userId="aefb9a7725becb63" providerId="LiveId" clId="{CC9D7999-7F6C-4730-81E2-C1BD979E1575}" dt="2023-12-04T10:24:26.972" v="61" actId="207"/>
           <ac:spMkLst>
             <pc:docMk/>
-            <pc:sldMk cId="3112131851" sldId="279"/>
+            <pc:sldMk cId="4086002149" sldId="285"/>
             <ac:spMk id="4" creationId="{18C13FE4-332D-2C92-6AF2-2F31660F39AF}"/>
           </ac:spMkLst>
         </pc:spChg>
-        <pc:spChg chg="mod">
-          <ac:chgData name="שיר וולץ" userId="aefb9a7725becb63" providerId="LiveId" clId="{5D952ADB-1579-4CB5-A5D8-2E248B0950CA}" dt="2023-12-02T17:32:24.782" v="220" actId="14100"/>
-          <ac:spMkLst>
-            <pc:docMk/>
-            <pc:sldMk cId="3112131851" sldId="279"/>
-            <ac:spMk id="9" creationId="{31C22BAA-1001-479E-9971-E279C3CE9891}"/>
-          </ac:spMkLst>
-        </pc:spChg>
-        <pc:picChg chg="mod">
-          <ac:chgData name="שיר וולץ" userId="aefb9a7725becb63" providerId="LiveId" clId="{5D952ADB-1579-4CB5-A5D8-2E248B0950CA}" dt="2023-12-02T14:56:09.605" v="98" actId="14100"/>
-          <ac:picMkLst>
-            <pc:docMk/>
-            <pc:sldMk cId="3112131851" sldId="279"/>
-            <ac:picMk id="1026" creationId="{3B51BC27-0F12-1C9A-811D-60AC218BB492}"/>
-          </ac:picMkLst>
-        </pc:picChg>
-      </pc:sldChg>
-      <pc:sldChg chg="modSp mod">
-        <pc:chgData name="שיר וולץ" userId="aefb9a7725becb63" providerId="LiveId" clId="{5D952ADB-1579-4CB5-A5D8-2E248B0950CA}" dt="2023-12-02T17:31:01.381" v="215" actId="1076"/>
-        <pc:sldMkLst>
-          <pc:docMk/>
-          <pc:sldMk cId="2080365302" sldId="280"/>
-        </pc:sldMkLst>
-        <pc:spChg chg="mod">
-          <ac:chgData name="שיר וולץ" userId="aefb9a7725becb63" providerId="LiveId" clId="{5D952ADB-1579-4CB5-A5D8-2E248B0950CA}" dt="2023-12-02T14:57:46.657" v="128" actId="1076"/>
-          <ac:spMkLst>
-            <pc:docMk/>
-            <pc:sldMk cId="2080365302" sldId="280"/>
-            <ac:spMk id="4" creationId="{18C13FE4-332D-2C92-6AF2-2F31660F39AF}"/>
-          </ac:spMkLst>
-        </pc:spChg>
-        <pc:spChg chg="mod">
-          <ac:chgData name="שיר וולץ" userId="aefb9a7725becb63" providerId="LiveId" clId="{5D952ADB-1579-4CB5-A5D8-2E248B0950CA}" dt="2023-12-02T17:31:01.381" v="215" actId="1076"/>
-          <ac:spMkLst>
-            <pc:docMk/>
-            <pc:sldMk cId="2080365302" sldId="280"/>
-            <ac:spMk id="9" creationId="{5F348188-86CF-27E6-C696-D57827BF0F69}"/>
-          </ac:spMkLst>
-        </pc:spChg>
-        <pc:picChg chg="mod">
-          <ac:chgData name="שיר וולץ" userId="aefb9a7725becb63" providerId="LiveId" clId="{5D952ADB-1579-4CB5-A5D8-2E248B0950CA}" dt="2023-12-02T14:57:41.345" v="127" actId="14100"/>
-          <ac:picMkLst>
-            <pc:docMk/>
-            <pc:sldMk cId="2080365302" sldId="280"/>
-            <ac:picMk id="2052" creationId="{8DDE973D-CEAF-E37B-D725-DBC20190DD89}"/>
-          </ac:picMkLst>
-        </pc:picChg>
-      </pc:sldChg>
-      <pc:sldChg chg="modSp mod">
-        <pc:chgData name="שיר וולץ" userId="aefb9a7725becb63" providerId="LiveId" clId="{5D952ADB-1579-4CB5-A5D8-2E248B0950CA}" dt="2023-12-02T17:30:54.327" v="214" actId="1076"/>
-        <pc:sldMkLst>
-          <pc:docMk/>
-          <pc:sldMk cId="558379904" sldId="281"/>
-        </pc:sldMkLst>
-        <pc:spChg chg="mod">
-          <ac:chgData name="שיר וולץ" userId="aefb9a7725becb63" providerId="LiveId" clId="{5D952ADB-1579-4CB5-A5D8-2E248B0950CA}" dt="2023-12-02T14:59:10.186" v="160" actId="1076"/>
-          <ac:spMkLst>
-            <pc:docMk/>
-            <pc:sldMk cId="558379904" sldId="281"/>
-            <ac:spMk id="4" creationId="{18C13FE4-332D-2C92-6AF2-2F31660F39AF}"/>
-          </ac:spMkLst>
-        </pc:spChg>
-        <pc:spChg chg="mod">
-          <ac:chgData name="שיר וולץ" userId="aefb9a7725becb63" providerId="LiveId" clId="{5D952ADB-1579-4CB5-A5D8-2E248B0950CA}" dt="2023-12-02T17:30:54.327" v="214" actId="1076"/>
-          <ac:spMkLst>
-            <pc:docMk/>
-            <pc:sldMk cId="558379904" sldId="281"/>
-            <ac:spMk id="9" creationId="{5F348188-86CF-27E6-C696-D57827BF0F69}"/>
-          </ac:spMkLst>
-        </pc:spChg>
-        <pc:picChg chg="mod">
-          <ac:chgData name="שיר וולץ" userId="aefb9a7725becb63" providerId="LiveId" clId="{5D952ADB-1579-4CB5-A5D8-2E248B0950CA}" dt="2023-12-02T14:59:11.888" v="161" actId="14100"/>
-          <ac:picMkLst>
-            <pc:docMk/>
-            <pc:sldMk cId="558379904" sldId="281"/>
-            <ac:picMk id="3076" creationId="{76B932F3-0FBD-7C2B-D098-E3E489090A93}"/>
-          </ac:picMkLst>
-        </pc:picChg>
-      </pc:sldChg>
-      <pc:sldChg chg="modSp mod">
-        <pc:chgData name="שיר וולץ" userId="aefb9a7725becb63" providerId="LiveId" clId="{5D952ADB-1579-4CB5-A5D8-2E248B0950CA}" dt="2023-12-02T17:30:48.480" v="213" actId="1076"/>
-        <pc:sldMkLst>
-          <pc:docMk/>
-          <pc:sldMk cId="3560181366" sldId="282"/>
-        </pc:sldMkLst>
-        <pc:spChg chg="mod">
-          <ac:chgData name="שיר וולץ" userId="aefb9a7725becb63" providerId="LiveId" clId="{5D952ADB-1579-4CB5-A5D8-2E248B0950CA}" dt="2023-12-02T15:00:26.245" v="212" actId="6549"/>
-          <ac:spMkLst>
-            <pc:docMk/>
-            <pc:sldMk cId="3560181366" sldId="282"/>
-            <ac:spMk id="4" creationId="{18C13FE4-332D-2C92-6AF2-2F31660F39AF}"/>
-          </ac:spMkLst>
-        </pc:spChg>
-        <pc:spChg chg="mod">
-          <ac:chgData name="שיר וולץ" userId="aefb9a7725becb63" providerId="LiveId" clId="{5D952ADB-1579-4CB5-A5D8-2E248B0950CA}" dt="2023-12-02T17:30:48.480" v="213" actId="1076"/>
-          <ac:spMkLst>
-            <pc:docMk/>
-            <pc:sldMk cId="3560181366" sldId="282"/>
-            <ac:spMk id="9" creationId="{5F348188-86CF-27E6-C696-D57827BF0F69}"/>
-          </ac:spMkLst>
-        </pc:spChg>
-        <pc:picChg chg="mod">
-          <ac:chgData name="שיר וולץ" userId="aefb9a7725becb63" providerId="LiveId" clId="{5D952ADB-1579-4CB5-A5D8-2E248B0950CA}" dt="2023-12-02T14:58:30.507" v="143" actId="14100"/>
-          <ac:picMkLst>
-            <pc:docMk/>
-            <pc:sldMk cId="3560181366" sldId="282"/>
-            <ac:picMk id="4100" creationId="{9FB6DDFE-D9FF-269F-DF80-14FC5C24221E}"/>
-          </ac:picMkLst>
-        </pc:picChg>
-      </pc:sldChg>
-      <pc:sldChg chg="modSp mod">
-        <pc:chgData name="שיר וולץ" userId="aefb9a7725becb63" providerId="LiveId" clId="{5D952ADB-1579-4CB5-A5D8-2E248B0950CA}" dt="2023-12-02T17:31:14.678" v="218" actId="1076"/>
-        <pc:sldMkLst>
-          <pc:docMk/>
-          <pc:sldMk cId="2365412575" sldId="283"/>
-        </pc:sldMkLst>
-        <pc:spChg chg="mod">
-          <ac:chgData name="שיר וולץ" userId="aefb9a7725becb63" providerId="LiveId" clId="{5D952ADB-1579-4CB5-A5D8-2E248B0950CA}" dt="2023-12-02T14:57:09.876" v="114" actId="20577"/>
-          <ac:spMkLst>
-            <pc:docMk/>
-            <pc:sldMk cId="2365412575" sldId="283"/>
-            <ac:spMk id="4" creationId="{18C13FE4-332D-2C92-6AF2-2F31660F39AF}"/>
-          </ac:spMkLst>
-        </pc:spChg>
-        <pc:spChg chg="mod">
-          <ac:chgData name="שיר וולץ" userId="aefb9a7725becb63" providerId="LiveId" clId="{5D952ADB-1579-4CB5-A5D8-2E248B0950CA}" dt="2023-12-02T17:31:14.678" v="218" actId="1076"/>
-          <ac:spMkLst>
-            <pc:docMk/>
-            <pc:sldMk cId="2365412575" sldId="283"/>
-            <ac:spMk id="9" creationId="{31C22BAA-1001-479E-9971-E279C3CE9891}"/>
-          </ac:spMkLst>
-        </pc:spChg>
-        <pc:picChg chg="mod">
-          <ac:chgData name="שיר וולץ" userId="aefb9a7725becb63" providerId="LiveId" clId="{5D952ADB-1579-4CB5-A5D8-2E248B0950CA}" dt="2023-12-02T17:31:10.228" v="217" actId="1076"/>
-          <ac:picMkLst>
-            <pc:docMk/>
-            <pc:sldMk cId="2365412575" sldId="283"/>
-            <ac:picMk id="5122" creationId="{394EB2A7-200B-C81C-9330-4A377C022766}"/>
-          </ac:picMkLst>
-        </pc:picChg>
       </pc:sldChg>
     </pc:docChg>
   </pc:docChgLst>
@@ -473,7 +421,7 @@
           <a:p>
             <a:fld id="{27F2CB4F-678B-4847-BCA7-E4F55087CAE7}" type="datetimeFigureOut">
               <a:rPr lang="en-IL" smtClean="0"/>
-              <a:t>12/02/2023</a:t>
+              <a:t>12/04/2023</a:t>
             </a:fld>
             <a:endParaRPr lang="en-IL"/>
           </a:p>
@@ -890,7 +838,7 @@
           <a:p>
             <a:fld id="{E41CC7CA-F85B-FC46-9096-A03C9849DA1E}" type="slidenum">
               <a:rPr lang="en-IL" smtClean="0"/>
-              <a:t>14</a:t>
+              <a:t>13</a:t>
             </a:fld>
             <a:endParaRPr lang="en-IL"/>
           </a:p>
@@ -899,7 +847,7 @@
     </p:spTree>
     <p:extLst>
       <p:ext uri="{BB962C8B-B14F-4D97-AF65-F5344CB8AC3E}">
-        <p14:creationId xmlns:p14="http://schemas.microsoft.com/office/powerpoint/2010/main" val="2187810288"/>
+        <p14:creationId xmlns:p14="http://schemas.microsoft.com/office/powerpoint/2010/main" val="815429057"/>
       </p:ext>
     </p:extLst>
   </p:cSld>
@@ -974,7 +922,343 @@
           <a:p>
             <a:fld id="{E41CC7CA-F85B-FC46-9096-A03C9849DA1E}" type="slidenum">
               <a:rPr lang="en-IL" smtClean="0"/>
+              <a:t>14</a:t>
+            </a:fld>
+            <a:endParaRPr lang="en-IL"/>
+          </a:p>
+        </p:txBody>
+      </p:sp>
+    </p:spTree>
+    <p:extLst>
+      <p:ext uri="{BB962C8B-B14F-4D97-AF65-F5344CB8AC3E}">
+        <p14:creationId xmlns:p14="http://schemas.microsoft.com/office/powerpoint/2010/main" val="3249672909"/>
+      </p:ext>
+    </p:extLst>
+  </p:cSld>
+  <p:clrMapOvr>
+    <a:masterClrMapping/>
+  </p:clrMapOvr>
+</p:notes>
+</file>
+
+<file path=ppt/notesSlides/notesSlide12.xml><?xml version="1.0" encoding="utf-8"?>
+<p:notes xmlns:a="http://schemas.openxmlformats.org/drawingml/2006/main" xmlns:r="http://schemas.openxmlformats.org/officeDocument/2006/relationships" xmlns:p="http://schemas.openxmlformats.org/presentationml/2006/main">
+  <p:cSld>
+    <p:spTree>
+      <p:nvGrpSpPr>
+        <p:cNvPr id="1" name=""/>
+        <p:cNvGrpSpPr/>
+        <p:nvPr/>
+      </p:nvGrpSpPr>
+      <p:grpSpPr>
+        <a:xfrm>
+          <a:off x="0" y="0"/>
+          <a:ext cx="0" cy="0"/>
+          <a:chOff x="0" y="0"/>
+          <a:chExt cx="0" cy="0"/>
+        </a:xfrm>
+      </p:grpSpPr>
+      <p:sp>
+        <p:nvSpPr>
+          <p:cNvPr id="2" name="Slide Image Placeholder 1"/>
+          <p:cNvSpPr>
+            <a:spLocks noGrp="1" noRot="1" noChangeAspect="1"/>
+          </p:cNvSpPr>
+          <p:nvPr>
+            <p:ph type="sldImg"/>
+          </p:nvPr>
+        </p:nvSpPr>
+        <p:spPr/>
+      </p:sp>
+      <p:sp>
+        <p:nvSpPr>
+          <p:cNvPr id="3" name="Notes Placeholder 2"/>
+          <p:cNvSpPr>
+            <a:spLocks noGrp="1"/>
+          </p:cNvSpPr>
+          <p:nvPr>
+            <p:ph type="body" idx="1"/>
+          </p:nvPr>
+        </p:nvSpPr>
+        <p:spPr/>
+        <p:txBody>
+          <a:bodyPr/>
+          <a:lstStyle/>
+          <a:p>
+            <a:endParaRPr lang="en-US" dirty="0"/>
+          </a:p>
+        </p:txBody>
+      </p:sp>
+      <p:sp>
+        <p:nvSpPr>
+          <p:cNvPr id="4" name="Slide Number Placeholder 3"/>
+          <p:cNvSpPr>
+            <a:spLocks noGrp="1"/>
+          </p:cNvSpPr>
+          <p:nvPr>
+            <p:ph type="sldNum" sz="quarter" idx="5"/>
+          </p:nvPr>
+        </p:nvSpPr>
+        <p:spPr/>
+        <p:txBody>
+          <a:bodyPr/>
+          <a:lstStyle/>
+          <a:p>
+            <a:fld id="{E41CC7CA-F85B-FC46-9096-A03C9849DA1E}" type="slidenum">
+              <a:rPr lang="en-IL" smtClean="0"/>
               <a:t>15</a:t>
+            </a:fld>
+            <a:endParaRPr lang="en-IL"/>
+          </a:p>
+        </p:txBody>
+      </p:sp>
+    </p:spTree>
+    <p:extLst>
+      <p:ext uri="{BB962C8B-B14F-4D97-AF65-F5344CB8AC3E}">
+        <p14:creationId xmlns:p14="http://schemas.microsoft.com/office/powerpoint/2010/main" val="122449399"/>
+      </p:ext>
+    </p:extLst>
+  </p:cSld>
+  <p:clrMapOvr>
+    <a:masterClrMapping/>
+  </p:clrMapOvr>
+</p:notes>
+</file>
+
+<file path=ppt/notesSlides/notesSlide13.xml><?xml version="1.0" encoding="utf-8"?>
+<p:notes xmlns:a="http://schemas.openxmlformats.org/drawingml/2006/main" xmlns:r="http://schemas.openxmlformats.org/officeDocument/2006/relationships" xmlns:p="http://schemas.openxmlformats.org/presentationml/2006/main">
+  <p:cSld>
+    <p:spTree>
+      <p:nvGrpSpPr>
+        <p:cNvPr id="1" name=""/>
+        <p:cNvGrpSpPr/>
+        <p:nvPr/>
+      </p:nvGrpSpPr>
+      <p:grpSpPr>
+        <a:xfrm>
+          <a:off x="0" y="0"/>
+          <a:ext cx="0" cy="0"/>
+          <a:chOff x="0" y="0"/>
+          <a:chExt cx="0" cy="0"/>
+        </a:xfrm>
+      </p:grpSpPr>
+      <p:sp>
+        <p:nvSpPr>
+          <p:cNvPr id="2" name="Slide Image Placeholder 1"/>
+          <p:cNvSpPr>
+            <a:spLocks noGrp="1" noRot="1" noChangeAspect="1"/>
+          </p:cNvSpPr>
+          <p:nvPr>
+            <p:ph type="sldImg"/>
+          </p:nvPr>
+        </p:nvSpPr>
+        <p:spPr/>
+      </p:sp>
+      <p:sp>
+        <p:nvSpPr>
+          <p:cNvPr id="3" name="Notes Placeholder 2"/>
+          <p:cNvSpPr>
+            <a:spLocks noGrp="1"/>
+          </p:cNvSpPr>
+          <p:nvPr>
+            <p:ph type="body" idx="1"/>
+          </p:nvPr>
+        </p:nvSpPr>
+        <p:spPr/>
+        <p:txBody>
+          <a:bodyPr/>
+          <a:lstStyle/>
+          <a:p>
+            <a:endParaRPr lang="en-US" dirty="0"/>
+          </a:p>
+        </p:txBody>
+      </p:sp>
+      <p:sp>
+        <p:nvSpPr>
+          <p:cNvPr id="4" name="Slide Number Placeholder 3"/>
+          <p:cNvSpPr>
+            <a:spLocks noGrp="1"/>
+          </p:cNvSpPr>
+          <p:nvPr>
+            <p:ph type="sldNum" sz="quarter" idx="5"/>
+          </p:nvPr>
+        </p:nvSpPr>
+        <p:spPr/>
+        <p:txBody>
+          <a:bodyPr/>
+          <a:lstStyle/>
+          <a:p>
+            <a:fld id="{E41CC7CA-F85B-FC46-9096-A03C9849DA1E}" type="slidenum">
+              <a:rPr lang="en-IL" smtClean="0"/>
+              <a:t>16</a:t>
+            </a:fld>
+            <a:endParaRPr lang="en-IL"/>
+          </a:p>
+        </p:txBody>
+      </p:sp>
+    </p:spTree>
+    <p:extLst>
+      <p:ext uri="{BB962C8B-B14F-4D97-AF65-F5344CB8AC3E}">
+        <p14:creationId xmlns:p14="http://schemas.microsoft.com/office/powerpoint/2010/main" val="3309846017"/>
+      </p:ext>
+    </p:extLst>
+  </p:cSld>
+  <p:clrMapOvr>
+    <a:masterClrMapping/>
+  </p:clrMapOvr>
+</p:notes>
+</file>
+
+<file path=ppt/notesSlides/notesSlide14.xml><?xml version="1.0" encoding="utf-8"?>
+<p:notes xmlns:a="http://schemas.openxmlformats.org/drawingml/2006/main" xmlns:r="http://schemas.openxmlformats.org/officeDocument/2006/relationships" xmlns:p="http://schemas.openxmlformats.org/presentationml/2006/main">
+  <p:cSld>
+    <p:spTree>
+      <p:nvGrpSpPr>
+        <p:cNvPr id="1" name=""/>
+        <p:cNvGrpSpPr/>
+        <p:nvPr/>
+      </p:nvGrpSpPr>
+      <p:grpSpPr>
+        <a:xfrm>
+          <a:off x="0" y="0"/>
+          <a:ext cx="0" cy="0"/>
+          <a:chOff x="0" y="0"/>
+          <a:chExt cx="0" cy="0"/>
+        </a:xfrm>
+      </p:grpSpPr>
+      <p:sp>
+        <p:nvSpPr>
+          <p:cNvPr id="2" name="Slide Image Placeholder 1"/>
+          <p:cNvSpPr>
+            <a:spLocks noGrp="1" noRot="1" noChangeAspect="1"/>
+          </p:cNvSpPr>
+          <p:nvPr>
+            <p:ph type="sldImg"/>
+          </p:nvPr>
+        </p:nvSpPr>
+        <p:spPr/>
+      </p:sp>
+      <p:sp>
+        <p:nvSpPr>
+          <p:cNvPr id="3" name="Notes Placeholder 2"/>
+          <p:cNvSpPr>
+            <a:spLocks noGrp="1"/>
+          </p:cNvSpPr>
+          <p:nvPr>
+            <p:ph type="body" idx="1"/>
+          </p:nvPr>
+        </p:nvSpPr>
+        <p:spPr/>
+        <p:txBody>
+          <a:bodyPr/>
+          <a:lstStyle/>
+          <a:p>
+            <a:endParaRPr lang="en-US" dirty="0"/>
+          </a:p>
+        </p:txBody>
+      </p:sp>
+      <p:sp>
+        <p:nvSpPr>
+          <p:cNvPr id="4" name="Slide Number Placeholder 3"/>
+          <p:cNvSpPr>
+            <a:spLocks noGrp="1"/>
+          </p:cNvSpPr>
+          <p:nvPr>
+            <p:ph type="sldNum" sz="quarter" idx="5"/>
+          </p:nvPr>
+        </p:nvSpPr>
+        <p:spPr/>
+        <p:txBody>
+          <a:bodyPr/>
+          <a:lstStyle/>
+          <a:p>
+            <a:fld id="{E41CC7CA-F85B-FC46-9096-A03C9849DA1E}" type="slidenum">
+              <a:rPr lang="en-IL" smtClean="0"/>
+              <a:t>17</a:t>
+            </a:fld>
+            <a:endParaRPr lang="en-IL"/>
+          </a:p>
+        </p:txBody>
+      </p:sp>
+    </p:spTree>
+    <p:extLst>
+      <p:ext uri="{BB962C8B-B14F-4D97-AF65-F5344CB8AC3E}">
+        <p14:creationId xmlns:p14="http://schemas.microsoft.com/office/powerpoint/2010/main" val="2187810288"/>
+      </p:ext>
+    </p:extLst>
+  </p:cSld>
+  <p:clrMapOvr>
+    <a:masterClrMapping/>
+  </p:clrMapOvr>
+</p:notes>
+</file>
+
+<file path=ppt/notesSlides/notesSlide15.xml><?xml version="1.0" encoding="utf-8"?>
+<p:notes xmlns:a="http://schemas.openxmlformats.org/drawingml/2006/main" xmlns:r="http://schemas.openxmlformats.org/officeDocument/2006/relationships" xmlns:p="http://schemas.openxmlformats.org/presentationml/2006/main">
+  <p:cSld>
+    <p:spTree>
+      <p:nvGrpSpPr>
+        <p:cNvPr id="1" name=""/>
+        <p:cNvGrpSpPr/>
+        <p:nvPr/>
+      </p:nvGrpSpPr>
+      <p:grpSpPr>
+        <a:xfrm>
+          <a:off x="0" y="0"/>
+          <a:ext cx="0" cy="0"/>
+          <a:chOff x="0" y="0"/>
+          <a:chExt cx="0" cy="0"/>
+        </a:xfrm>
+      </p:grpSpPr>
+      <p:sp>
+        <p:nvSpPr>
+          <p:cNvPr id="2" name="Slide Image Placeholder 1"/>
+          <p:cNvSpPr>
+            <a:spLocks noGrp="1" noRot="1" noChangeAspect="1"/>
+          </p:cNvSpPr>
+          <p:nvPr>
+            <p:ph type="sldImg"/>
+          </p:nvPr>
+        </p:nvSpPr>
+        <p:spPr/>
+      </p:sp>
+      <p:sp>
+        <p:nvSpPr>
+          <p:cNvPr id="3" name="Notes Placeholder 2"/>
+          <p:cNvSpPr>
+            <a:spLocks noGrp="1"/>
+          </p:cNvSpPr>
+          <p:nvPr>
+            <p:ph type="body" idx="1"/>
+          </p:nvPr>
+        </p:nvSpPr>
+        <p:spPr/>
+        <p:txBody>
+          <a:bodyPr/>
+          <a:lstStyle/>
+          <a:p>
+            <a:endParaRPr lang="en-US" dirty="0"/>
+          </a:p>
+        </p:txBody>
+      </p:sp>
+      <p:sp>
+        <p:nvSpPr>
+          <p:cNvPr id="4" name="Slide Number Placeholder 3"/>
+          <p:cNvSpPr>
+            <a:spLocks noGrp="1"/>
+          </p:cNvSpPr>
+          <p:nvPr>
+            <p:ph type="sldNum" sz="quarter" idx="5"/>
+          </p:nvPr>
+        </p:nvSpPr>
+        <p:spPr/>
+        <p:txBody>
+          <a:bodyPr/>
+          <a:lstStyle/>
+          <a:p>
+            <a:fld id="{E41CC7CA-F85B-FC46-9096-A03C9849DA1E}" type="slidenum">
+              <a:rPr lang="en-IL" smtClean="0"/>
+              <a:t>18</a:t>
             </a:fld>
             <a:endParaRPr lang="en-IL"/>
           </a:p>
@@ -1142,7 +1426,7 @@
           <a:p>
             <a:fld id="{E41CC7CA-F85B-FC46-9096-A03C9849DA1E}" type="slidenum">
               <a:rPr lang="en-IL" smtClean="0"/>
-              <a:t>7</a:t>
+              <a:t>6</a:t>
             </a:fld>
             <a:endParaRPr lang="en-IL"/>
           </a:p>
@@ -1151,7 +1435,7 @@
     </p:spTree>
     <p:extLst>
       <p:ext uri="{BB962C8B-B14F-4D97-AF65-F5344CB8AC3E}">
-        <p14:creationId xmlns:p14="http://schemas.microsoft.com/office/powerpoint/2010/main" val="595603892"/>
+        <p14:creationId xmlns:p14="http://schemas.microsoft.com/office/powerpoint/2010/main" val="3672321220"/>
       </p:ext>
     </p:extLst>
   </p:cSld>
@@ -1226,7 +1510,7 @@
           <a:p>
             <a:fld id="{E41CC7CA-F85B-FC46-9096-A03C9849DA1E}" type="slidenum">
               <a:rPr lang="en-IL" smtClean="0"/>
-              <a:t>8</a:t>
+              <a:t>7</a:t>
             </a:fld>
             <a:endParaRPr lang="en-IL"/>
           </a:p>
@@ -1235,7 +1519,7 @@
     </p:spTree>
     <p:extLst>
       <p:ext uri="{BB962C8B-B14F-4D97-AF65-F5344CB8AC3E}">
-        <p14:creationId xmlns:p14="http://schemas.microsoft.com/office/powerpoint/2010/main" val="3133382793"/>
+        <p14:creationId xmlns:p14="http://schemas.microsoft.com/office/powerpoint/2010/main" val="595603892"/>
       </p:ext>
     </p:extLst>
   </p:cSld>
@@ -1289,7 +1573,10 @@
           <a:bodyPr/>
           <a:lstStyle/>
           <a:p>
-            <a:endParaRPr lang="en-US" dirty="0"/>
+            <a:r>
+              <a:rPr lang="en-US" dirty="0"/>
+              <a:t>Bar charts</a:t>
+            </a:r>
           </a:p>
         </p:txBody>
       </p:sp>
@@ -1310,7 +1597,7 @@
           <a:p>
             <a:fld id="{E41CC7CA-F85B-FC46-9096-A03C9849DA1E}" type="slidenum">
               <a:rPr lang="en-IL" smtClean="0"/>
-              <a:t>9</a:t>
+              <a:t>8</a:t>
             </a:fld>
             <a:endParaRPr lang="en-IL"/>
           </a:p>
@@ -1319,7 +1606,7 @@
     </p:spTree>
     <p:extLst>
       <p:ext uri="{BB962C8B-B14F-4D97-AF65-F5344CB8AC3E}">
-        <p14:creationId xmlns:p14="http://schemas.microsoft.com/office/powerpoint/2010/main" val="1454446652"/>
+        <p14:creationId xmlns:p14="http://schemas.microsoft.com/office/powerpoint/2010/main" val="3133382793"/>
       </p:ext>
     </p:extLst>
   </p:cSld>
@@ -1394,7 +1681,7 @@
           <a:p>
             <a:fld id="{E41CC7CA-F85B-FC46-9096-A03C9849DA1E}" type="slidenum">
               <a:rPr lang="en-IL" smtClean="0"/>
-              <a:t>10</a:t>
+              <a:t>9</a:t>
             </a:fld>
             <a:endParaRPr lang="en-IL"/>
           </a:p>
@@ -1403,7 +1690,7 @@
     </p:spTree>
     <p:extLst>
       <p:ext uri="{BB962C8B-B14F-4D97-AF65-F5344CB8AC3E}">
-        <p14:creationId xmlns:p14="http://schemas.microsoft.com/office/powerpoint/2010/main" val="1779396678"/>
+        <p14:creationId xmlns:p14="http://schemas.microsoft.com/office/powerpoint/2010/main" val="2945401599"/>
       </p:ext>
     </p:extLst>
   </p:cSld>
@@ -1478,7 +1765,7 @@
           <a:p>
             <a:fld id="{E41CC7CA-F85B-FC46-9096-A03C9849DA1E}" type="slidenum">
               <a:rPr lang="en-IL" smtClean="0"/>
-              <a:t>11</a:t>
+              <a:t>10</a:t>
             </a:fld>
             <a:endParaRPr lang="en-IL"/>
           </a:p>
@@ -1487,7 +1774,7 @@
     </p:spTree>
     <p:extLst>
       <p:ext uri="{BB962C8B-B14F-4D97-AF65-F5344CB8AC3E}">
-        <p14:creationId xmlns:p14="http://schemas.microsoft.com/office/powerpoint/2010/main" val="3249672909"/>
+        <p14:creationId xmlns:p14="http://schemas.microsoft.com/office/powerpoint/2010/main" val="2284154709"/>
       </p:ext>
     </p:extLst>
   </p:cSld>
@@ -1562,7 +1849,7 @@
           <a:p>
             <a:fld id="{E41CC7CA-F85B-FC46-9096-A03C9849DA1E}" type="slidenum">
               <a:rPr lang="en-IL" smtClean="0"/>
-              <a:t>12</a:t>
+              <a:t>11</a:t>
             </a:fld>
             <a:endParaRPr lang="en-IL"/>
           </a:p>
@@ -1571,7 +1858,7 @@
     </p:spTree>
     <p:extLst>
       <p:ext uri="{BB962C8B-B14F-4D97-AF65-F5344CB8AC3E}">
-        <p14:creationId xmlns:p14="http://schemas.microsoft.com/office/powerpoint/2010/main" val="3309846017"/>
+        <p14:creationId xmlns:p14="http://schemas.microsoft.com/office/powerpoint/2010/main" val="1454446652"/>
       </p:ext>
     </p:extLst>
   </p:cSld>
@@ -1625,7 +1912,10 @@
           <a:bodyPr/>
           <a:lstStyle/>
           <a:p>
-            <a:endParaRPr lang="en-US" dirty="0"/>
+            <a:r>
+              <a:rPr lang="en-US" dirty="0"/>
+              <a:t>Scatter chart</a:t>
+            </a:r>
           </a:p>
         </p:txBody>
       </p:sp>
@@ -1646,7 +1936,7 @@
           <a:p>
             <a:fld id="{E41CC7CA-F85B-FC46-9096-A03C9849DA1E}" type="slidenum">
               <a:rPr lang="en-IL" smtClean="0"/>
-              <a:t>13</a:t>
+              <a:t>12</a:t>
             </a:fld>
             <a:endParaRPr lang="en-IL"/>
           </a:p>
@@ -1655,7 +1945,7 @@
     </p:spTree>
     <p:extLst>
       <p:ext uri="{BB962C8B-B14F-4D97-AF65-F5344CB8AC3E}">
-        <p14:creationId xmlns:p14="http://schemas.microsoft.com/office/powerpoint/2010/main" val="122449399"/>
+        <p14:creationId xmlns:p14="http://schemas.microsoft.com/office/powerpoint/2010/main" val="1779396678"/>
       </p:ext>
     </p:extLst>
   </p:cSld>
@@ -1796,7 +2086,7 @@
           <a:p>
             <a:fld id="{B7A24698-AE2D-43E6-BD25-8D09F11DD6B8}" type="datetimeFigureOut">
               <a:rPr lang="en-US" smtClean="0"/>
-              <a:t>12/2/2023</a:t>
+              <a:t>12/4/2023</a:t>
             </a:fld>
             <a:endParaRPr lang="en-US"/>
           </a:p>
@@ -1966,7 +2256,7 @@
           <a:p>
             <a:fld id="{B7A24698-AE2D-43E6-BD25-8D09F11DD6B8}" type="datetimeFigureOut">
               <a:rPr lang="en-US" smtClean="0"/>
-              <a:t>12/2/2023</a:t>
+              <a:t>12/4/2023</a:t>
             </a:fld>
             <a:endParaRPr lang="en-US"/>
           </a:p>
@@ -2146,7 +2436,7 @@
           <a:p>
             <a:fld id="{B7A24698-AE2D-43E6-BD25-8D09F11DD6B8}" type="datetimeFigureOut">
               <a:rPr lang="en-US" smtClean="0"/>
-              <a:t>12/2/2023</a:t>
+              <a:t>12/4/2023</a:t>
             </a:fld>
             <a:endParaRPr lang="en-US"/>
           </a:p>
@@ -2316,7 +2606,7 @@
           <a:p>
             <a:fld id="{B7A24698-AE2D-43E6-BD25-8D09F11DD6B8}" type="datetimeFigureOut">
               <a:rPr lang="en-US" smtClean="0"/>
-              <a:t>12/2/2023</a:t>
+              <a:t>12/4/2023</a:t>
             </a:fld>
             <a:endParaRPr lang="en-US"/>
           </a:p>
@@ -2562,7 +2852,7 @@
           <a:p>
             <a:fld id="{B7A24698-AE2D-43E6-BD25-8D09F11DD6B8}" type="datetimeFigureOut">
               <a:rPr lang="en-US" smtClean="0"/>
-              <a:t>12/2/2023</a:t>
+              <a:t>12/4/2023</a:t>
             </a:fld>
             <a:endParaRPr lang="en-US"/>
           </a:p>
@@ -2794,7 +3084,7 @@
           <a:p>
             <a:fld id="{B7A24698-AE2D-43E6-BD25-8D09F11DD6B8}" type="datetimeFigureOut">
               <a:rPr lang="en-US" smtClean="0"/>
-              <a:t>12/2/2023</a:t>
+              <a:t>12/4/2023</a:t>
             </a:fld>
             <a:endParaRPr lang="en-US"/>
           </a:p>
@@ -3161,7 +3451,7 @@
           <a:p>
             <a:fld id="{B7A24698-AE2D-43E6-BD25-8D09F11DD6B8}" type="datetimeFigureOut">
               <a:rPr lang="en-US" smtClean="0"/>
-              <a:t>12/2/2023</a:t>
+              <a:t>12/4/2023</a:t>
             </a:fld>
             <a:endParaRPr lang="en-US"/>
           </a:p>
@@ -3279,7 +3569,7 @@
           <a:p>
             <a:fld id="{B7A24698-AE2D-43E6-BD25-8D09F11DD6B8}" type="datetimeFigureOut">
               <a:rPr lang="en-US" smtClean="0"/>
-              <a:t>12/2/2023</a:t>
+              <a:t>12/4/2023</a:t>
             </a:fld>
             <a:endParaRPr lang="en-US"/>
           </a:p>
@@ -3374,7 +3664,7 @@
           <a:p>
             <a:fld id="{B7A24698-AE2D-43E6-BD25-8D09F11DD6B8}" type="datetimeFigureOut">
               <a:rPr lang="en-US" smtClean="0"/>
-              <a:t>12/2/2023</a:t>
+              <a:t>12/4/2023</a:t>
             </a:fld>
             <a:endParaRPr lang="en-US"/>
           </a:p>
@@ -3651,7 +3941,7 @@
           <a:p>
             <a:fld id="{B7A24698-AE2D-43E6-BD25-8D09F11DD6B8}" type="datetimeFigureOut">
               <a:rPr lang="en-US" smtClean="0"/>
-              <a:t>12/2/2023</a:t>
+              <a:t>12/4/2023</a:t>
             </a:fld>
             <a:endParaRPr lang="en-US"/>
           </a:p>
@@ -3904,7 +4194,7 @@
           <a:p>
             <a:fld id="{B7A24698-AE2D-43E6-BD25-8D09F11DD6B8}" type="datetimeFigureOut">
               <a:rPr lang="en-US" smtClean="0"/>
-              <a:t>12/2/2023</a:t>
+              <a:t>12/4/2023</a:t>
             </a:fld>
             <a:endParaRPr lang="en-US"/>
           </a:p>
@@ -4117,7 +4407,7 @@
           <a:p>
             <a:fld id="{B7A24698-AE2D-43E6-BD25-8D09F11DD6B8}" type="datetimeFigureOut">
               <a:rPr lang="en-US" smtClean="0"/>
-              <a:t>12/2/2023</a:t>
+              <a:t>12/4/2023</a:t>
             </a:fld>
             <a:endParaRPr lang="en-US"/>
           </a:p>
@@ -4703,38 +4993,6 @@
           <a:chExt cx="0" cy="0"/>
         </a:xfrm>
       </p:grpSpPr>
-      <p:sp>
-        <p:nvSpPr>
-          <p:cNvPr id="2" name="כותרת 1"/>
-          <p:cNvSpPr>
-            <a:spLocks noGrp="1"/>
-          </p:cNvSpPr>
-          <p:nvPr>
-            <p:ph type="title"/>
-          </p:nvPr>
-        </p:nvSpPr>
-        <p:spPr>
-          <a:xfrm>
-            <a:off x="1334812" y="748962"/>
-            <a:ext cx="3846787" cy="788916"/>
-          </a:xfrm>
-        </p:spPr>
-        <p:txBody>
-          <a:bodyPr>
-            <a:noAutofit/>
-          </a:bodyPr>
-          <a:lstStyle/>
-          <a:p>
-            <a:pPr algn="l" rtl="0"/>
-            <a:r>
-              <a:rPr lang="en-US" sz="5100" b="1" dirty="0">
-                <a:cs typeface="+mn-cs"/>
-              </a:rPr>
-              <a:t>Data Analysis:</a:t>
-            </a:r>
-          </a:p>
-        </p:txBody>
-      </p:sp>
       <p:pic>
         <p:nvPicPr>
           <p:cNvPr id="8" name="Picture 8" descr="File:Hebrew University Logo.svg - Wikimedia Commons"/>
@@ -5000,7 +5258,7 @@
         </p:nvSpPr>
         <p:spPr>
           <a:xfrm>
-            <a:off x="1382108" y="1750304"/>
+            <a:off x="1334812" y="1977787"/>
             <a:ext cx="10131974" cy="788916"/>
           </a:xfrm>
           <a:prstGeom prst="rect">
@@ -5031,140 +5289,313 @@
             </a:lvl1pPr>
           </a:lstStyle>
           <a:p>
+            <a:pPr algn="just" rtl="0"/>
+            <a:r>
+              <a:rPr lang="en-US" sz="2800" b="1" dirty="0">
+                <a:cs typeface="+mn-cs"/>
+              </a:rPr>
+              <a:t>Route A: </a:t>
+            </a:r>
+          </a:p>
+          <a:p>
+            <a:pPr algn="just" rtl="0"/>
+            <a:r>
+              <a:rPr lang="en-US" sz="2800" b="1" dirty="0">
+                <a:cs typeface="+mn-cs"/>
+              </a:rPr>
+              <a:t>The most common </a:t>
+            </a:r>
+            <a:r>
+              <a:rPr lang="en-US" sz="2800" b="1" dirty="0">
+                <a:solidFill>
+                  <a:srgbClr val="FF0000"/>
+                </a:solidFill>
+                <a:cs typeface="+mn-cs"/>
+              </a:rPr>
+              <a:t>Number of Accommodates</a:t>
+            </a:r>
+            <a:r>
+              <a:rPr lang="en-US" sz="2800" b="1" dirty="0">
+                <a:cs typeface="+mn-cs"/>
+              </a:rPr>
+              <a:t> in Q1, Q2 is 6, while in Q3 it is 4 → Non-Discriminative! </a:t>
+            </a:r>
+          </a:p>
+          <a:p>
             <a:pPr algn="l" rtl="0"/>
-            <a:r>
-              <a:rPr lang="en-US" sz="2900" b="1" dirty="0">
-                <a:cs typeface="+mn-cs"/>
-              </a:rPr>
-              <a:t>Route B: </a:t>
-            </a:r>
-          </a:p>
-          <a:p>
-            <a:pPr algn="l" rtl="0"/>
-            <a:r>
-              <a:rPr lang="en-US" sz="2900" b="1" dirty="0">
-                <a:cs typeface="+mn-cs"/>
-              </a:rPr>
-              <a:t>Analyzing the entire filtered Properties’ population</a:t>
-            </a:r>
-          </a:p>
-          <a:p>
-            <a:pPr algn="l" rtl="0"/>
-            <a:r>
-              <a:rPr lang="en-US" sz="2900" b="1" u="sng" dirty="0">
-                <a:cs typeface="+mn-cs"/>
-              </a:rPr>
-              <a:t>Remark</a:t>
-            </a:r>
-            <a:r>
-              <a:rPr lang="en-US" sz="2900" b="1" dirty="0">
-                <a:cs typeface="+mn-cs"/>
-              </a:rPr>
-              <a:t>: The depended variable on the x-axis for convenience </a:t>
-            </a:r>
-          </a:p>
-        </p:txBody>
-      </p:sp>
-      <p:pic>
-        <p:nvPicPr>
-          <p:cNvPr id="1026" name="Picture 2">
+            <a:endParaRPr lang="en-US" sz="2800" b="1" dirty="0">
+              <a:cs typeface="+mn-cs"/>
+            </a:endParaRPr>
+          </a:p>
+        </p:txBody>
+      </p:sp>
+      <p:grpSp>
+        <p:nvGrpSpPr>
+          <p:cNvPr id="9" name="Group 8">
             <a:extLst>
               <a:ext uri="{FF2B5EF4-FFF2-40B4-BE49-F238E27FC236}">
-                <a16:creationId xmlns:a16="http://schemas.microsoft.com/office/drawing/2014/main" id="{3B51BC27-0F12-1C9A-811D-60AC218BB492}"/>
+                <a16:creationId xmlns:a16="http://schemas.microsoft.com/office/drawing/2014/main" id="{D5B8A231-DCE6-615E-E769-ADDD5EEEC8E7}"/>
               </a:ext>
             </a:extLst>
           </p:cNvPr>
-          <p:cNvPicPr>
-            <a:picLocks noChangeAspect="1" noChangeArrowheads="1"/>
-          </p:cNvPicPr>
+          <p:cNvGrpSpPr/>
           <p:nvPr/>
-        </p:nvPicPr>
-        <p:blipFill>
-          <a:blip r:embed="rId4">
-            <a:extLst>
-              <a:ext uri="{28A0092B-C50C-407E-A947-70E740481C1C}">
-                <a14:useLocalDpi xmlns:a14="http://schemas.microsoft.com/office/drawing/2010/main" val="0"/>
-              </a:ext>
-            </a:extLst>
-          </a:blip>
-          <a:srcRect/>
-          <a:stretch>
-            <a:fillRect/>
-          </a:stretch>
-        </p:blipFill>
-        <p:spPr bwMode="auto">
+        </p:nvGrpSpPr>
+        <p:grpSpPr>
           <a:xfrm>
-            <a:off x="2732313" y="2666282"/>
-            <a:ext cx="7004957" cy="3622890"/>
+            <a:off x="1817086" y="2766703"/>
+            <a:ext cx="3058509" cy="3569079"/>
+            <a:chOff x="1817086" y="2766703"/>
+            <a:chExt cx="3058509" cy="3569079"/>
           </a:xfrm>
-          <a:prstGeom prst="rect">
-            <a:avLst/>
-          </a:prstGeom>
-          <a:noFill/>
-          <a:extLst>
-            <a:ext uri="{909E8E84-426E-40DD-AFC4-6F175D3DCCD1}">
-              <a14:hiddenFill xmlns:a14="http://schemas.microsoft.com/office/drawing/2010/main">
-                <a:solidFill>
-                  <a:srgbClr val="FFFFFF"/>
-                </a:solidFill>
-              </a14:hiddenFill>
-            </a:ext>
-          </a:extLst>
-        </p:spPr>
-      </p:pic>
-      <p:cxnSp>
-        <p:nvCxnSpPr>
-          <p:cNvPr id="7" name="Straight Arrow Connector 6">
+        </p:grpSpPr>
+        <p:pic>
+          <p:nvPicPr>
+            <p:cNvPr id="6" name="Picture 5">
+              <a:extLst>
+                <a:ext uri="{FF2B5EF4-FFF2-40B4-BE49-F238E27FC236}">
+                  <a16:creationId xmlns:a16="http://schemas.microsoft.com/office/drawing/2014/main" id="{BC4A493E-94AC-63CF-7B96-0D6E8CC685B3}"/>
+                </a:ext>
+              </a:extLst>
+            </p:cNvPr>
+            <p:cNvPicPr>
+              <a:picLocks noChangeAspect="1"/>
+            </p:cNvPicPr>
+            <p:nvPr/>
+          </p:nvPicPr>
+          <p:blipFill>
+            <a:blip r:embed="rId4"/>
+            <a:stretch>
+              <a:fillRect/>
+            </a:stretch>
+          </p:blipFill>
+          <p:spPr>
+            <a:xfrm>
+              <a:off x="1817086" y="2766703"/>
+              <a:ext cx="3058509" cy="3569079"/>
+            </a:xfrm>
+            <a:prstGeom prst="rect">
+              <a:avLst/>
+            </a:prstGeom>
+          </p:spPr>
+        </p:pic>
+        <p:sp>
+          <p:nvSpPr>
+            <p:cNvPr id="7" name="TextBox 6">
+              <a:extLst>
+                <a:ext uri="{FF2B5EF4-FFF2-40B4-BE49-F238E27FC236}">
+                  <a16:creationId xmlns:a16="http://schemas.microsoft.com/office/drawing/2014/main" id="{1C2154FF-CD4E-BDA0-2FAF-AB83A2757579}"/>
+                </a:ext>
+              </a:extLst>
+            </p:cNvPr>
+            <p:cNvSpPr txBox="1"/>
+            <p:nvPr/>
+          </p:nvSpPr>
+          <p:spPr>
+            <a:xfrm>
+              <a:off x="3426537" y="3088709"/>
+              <a:ext cx="998001" cy="553456"/>
+            </a:xfrm>
+            <a:prstGeom prst="rect">
+              <a:avLst/>
+            </a:prstGeom>
+            <a:noFill/>
+          </p:spPr>
+          <p:txBody>
+            <a:bodyPr wrap="square" rtlCol="0">
+              <a:spAutoFit/>
+            </a:bodyPr>
+            <a:lstStyle/>
+            <a:p>
+              <a:pPr algn="ctr"/>
+              <a:r>
+                <a:rPr lang="en-US" sz="4000" dirty="0"/>
+                <a:t>Q1</a:t>
+              </a:r>
+            </a:p>
+          </p:txBody>
+        </p:sp>
+      </p:grpSp>
+      <p:grpSp>
+        <p:nvGrpSpPr>
+          <p:cNvPr id="13" name="Group 12">
             <a:extLst>
               <a:ext uri="{FF2B5EF4-FFF2-40B4-BE49-F238E27FC236}">
-                <a16:creationId xmlns:a16="http://schemas.microsoft.com/office/drawing/2014/main" id="{F6B3E1C9-0FBD-4307-24CB-C4885784657B}"/>
+                <a16:creationId xmlns:a16="http://schemas.microsoft.com/office/drawing/2014/main" id="{8C76DE86-0EDD-EE72-665D-4790A49E0B7A}"/>
               </a:ext>
             </a:extLst>
           </p:cNvPr>
-          <p:cNvCxnSpPr>
-            <a:cxnSpLocks/>
-          </p:cNvCxnSpPr>
+          <p:cNvGrpSpPr/>
           <p:nvPr/>
-        </p:nvCxnSpPr>
-        <p:spPr>
-          <a:xfrm flipV="1">
-            <a:off x="4550979" y="5797636"/>
-            <a:ext cx="119368" cy="311402"/>
+        </p:nvGrpSpPr>
+        <p:grpSpPr>
+          <a:xfrm>
+            <a:off x="4875596" y="2680664"/>
+            <a:ext cx="3459108" cy="3569079"/>
+            <a:chOff x="4875595" y="2680664"/>
+            <a:chExt cx="3606253" cy="3569079"/>
           </a:xfrm>
-          <a:prstGeom prst="straightConnector1">
-            <a:avLst/>
-          </a:prstGeom>
-          <a:ln w="9525" cap="flat" cmpd="sng" algn="ctr">
-            <a:solidFill>
-              <a:srgbClr val="FF0000"/>
-            </a:solidFill>
-            <a:prstDash val="solid"/>
-            <a:round/>
-            <a:headEnd type="none" w="med" len="med"/>
-            <a:tailEnd type="arrow" w="med" len="med"/>
-          </a:ln>
-        </p:spPr>
-        <p:style>
-          <a:lnRef idx="0">
-            <a:scrgbClr r="0" g="0" b="0"/>
-          </a:lnRef>
-          <a:fillRef idx="0">
-            <a:scrgbClr r="0" g="0" b="0"/>
-          </a:fillRef>
-          <a:effectRef idx="0">
-            <a:scrgbClr r="0" g="0" b="0"/>
-          </a:effectRef>
-          <a:fontRef idx="minor">
-            <a:schemeClr val="tx1"/>
-          </a:fontRef>
-        </p:style>
-      </p:cxnSp>
-      <p:sp>
-        <p:nvSpPr>
-          <p:cNvPr id="9" name="Oval 8">
+        </p:grpSpPr>
+        <p:pic>
+          <p:nvPicPr>
+            <p:cNvPr id="11" name="Picture 10">
+              <a:extLst>
+                <a:ext uri="{FF2B5EF4-FFF2-40B4-BE49-F238E27FC236}">
+                  <a16:creationId xmlns:a16="http://schemas.microsoft.com/office/drawing/2014/main" id="{B437A2A1-F486-262A-DE32-3A36031053BA}"/>
+                </a:ext>
+              </a:extLst>
+            </p:cNvPr>
+            <p:cNvPicPr>
+              <a:picLocks noChangeAspect="1"/>
+            </p:cNvPicPr>
+            <p:nvPr/>
+          </p:nvPicPr>
+          <p:blipFill>
+            <a:blip r:embed="rId5"/>
+            <a:stretch>
+              <a:fillRect/>
+            </a:stretch>
+          </p:blipFill>
+          <p:spPr>
+            <a:xfrm>
+              <a:off x="4875595" y="2680664"/>
+              <a:ext cx="3606253" cy="3569079"/>
+            </a:xfrm>
+            <a:prstGeom prst="rect">
+              <a:avLst/>
+            </a:prstGeom>
+          </p:spPr>
+        </p:pic>
+        <p:sp>
+          <p:nvSpPr>
+            <p:cNvPr id="12" name="TextBox 11">
+              <a:extLst>
+                <a:ext uri="{FF2B5EF4-FFF2-40B4-BE49-F238E27FC236}">
+                  <a16:creationId xmlns:a16="http://schemas.microsoft.com/office/drawing/2014/main" id="{86041F25-EF77-8D03-F198-F208567541D5}"/>
+                </a:ext>
+              </a:extLst>
+            </p:cNvPr>
+            <p:cNvSpPr txBox="1"/>
+            <p:nvPr/>
+          </p:nvSpPr>
+          <p:spPr>
+            <a:xfrm>
+              <a:off x="6984046" y="3088709"/>
+              <a:ext cx="998001" cy="707886"/>
+            </a:xfrm>
+            <a:prstGeom prst="rect">
+              <a:avLst/>
+            </a:prstGeom>
+            <a:noFill/>
+          </p:spPr>
+          <p:txBody>
+            <a:bodyPr wrap="square" rtlCol="0">
+              <a:spAutoFit/>
+            </a:bodyPr>
+            <a:lstStyle/>
+            <a:p>
+              <a:pPr algn="ctr"/>
+              <a:r>
+                <a:rPr lang="en-US" sz="4000" dirty="0"/>
+                <a:t>Q2</a:t>
+              </a:r>
+            </a:p>
+          </p:txBody>
+        </p:sp>
+      </p:grpSp>
+      <p:grpSp>
+        <p:nvGrpSpPr>
+          <p:cNvPr id="3" name="Group 2">
             <a:extLst>
               <a:ext uri="{FF2B5EF4-FFF2-40B4-BE49-F238E27FC236}">
-                <a16:creationId xmlns:a16="http://schemas.microsoft.com/office/drawing/2014/main" id="{31C22BAA-1001-479E-9971-E279C3CE9891}"/>
+                <a16:creationId xmlns:a16="http://schemas.microsoft.com/office/drawing/2014/main" id="{7A4811F4-1752-EA27-3589-B7E4DC344557}"/>
+              </a:ext>
+            </a:extLst>
+          </p:cNvPr>
+          <p:cNvGrpSpPr/>
+          <p:nvPr/>
+        </p:nvGrpSpPr>
+        <p:grpSpPr>
+          <a:xfrm>
+            <a:off x="8416379" y="2680664"/>
+            <a:ext cx="3078581" cy="3569079"/>
+            <a:chOff x="8416379" y="2680664"/>
+            <a:chExt cx="3078581" cy="3569079"/>
+          </a:xfrm>
+        </p:grpSpPr>
+        <p:pic>
+          <p:nvPicPr>
+            <p:cNvPr id="15" name="Picture 14">
+              <a:extLst>
+                <a:ext uri="{FF2B5EF4-FFF2-40B4-BE49-F238E27FC236}">
+                  <a16:creationId xmlns:a16="http://schemas.microsoft.com/office/drawing/2014/main" id="{62BCA609-AD47-6E6D-644A-69AEAB3827CA}"/>
+                </a:ext>
+              </a:extLst>
+            </p:cNvPr>
+            <p:cNvPicPr>
+              <a:picLocks noChangeAspect="1"/>
+            </p:cNvPicPr>
+            <p:nvPr/>
+          </p:nvPicPr>
+          <p:blipFill>
+            <a:blip r:embed="rId6"/>
+            <a:stretch>
+              <a:fillRect/>
+            </a:stretch>
+          </p:blipFill>
+          <p:spPr>
+            <a:xfrm>
+              <a:off x="8416379" y="2680664"/>
+              <a:ext cx="3078581" cy="3569079"/>
+            </a:xfrm>
+            <a:prstGeom prst="rect">
+              <a:avLst/>
+            </a:prstGeom>
+          </p:spPr>
+        </p:pic>
+        <p:sp>
+          <p:nvSpPr>
+            <p:cNvPr id="16" name="TextBox 15">
+              <a:extLst>
+                <a:ext uri="{FF2B5EF4-FFF2-40B4-BE49-F238E27FC236}">
+                  <a16:creationId xmlns:a16="http://schemas.microsoft.com/office/drawing/2014/main" id="{7526EB05-B761-18A1-BE89-2AECE1DF1B63}"/>
+                </a:ext>
+              </a:extLst>
+            </p:cNvPr>
+            <p:cNvSpPr txBox="1"/>
+            <p:nvPr/>
+          </p:nvSpPr>
+          <p:spPr>
+            <a:xfrm>
+              <a:off x="10192590" y="3075057"/>
+              <a:ext cx="957280" cy="707886"/>
+            </a:xfrm>
+            <a:prstGeom prst="rect">
+              <a:avLst/>
+            </a:prstGeom>
+            <a:noFill/>
+          </p:spPr>
+          <p:txBody>
+            <a:bodyPr wrap="square" rtlCol="0">
+              <a:spAutoFit/>
+            </a:bodyPr>
+            <a:lstStyle/>
+            <a:p>
+              <a:pPr algn="ctr"/>
+              <a:r>
+                <a:rPr lang="en-US" sz="4000" dirty="0"/>
+                <a:t>Q3</a:t>
+              </a:r>
+            </a:p>
+          </p:txBody>
+        </p:sp>
+      </p:grpSp>
+      <p:sp>
+        <p:nvSpPr>
+          <p:cNvPr id="17" name="Oval 16">
+            <a:extLst>
+              <a:ext uri="{FF2B5EF4-FFF2-40B4-BE49-F238E27FC236}">
+                <a16:creationId xmlns:a16="http://schemas.microsoft.com/office/drawing/2014/main" id="{C1ED1598-A2E4-2CDB-A3A8-A45CC7501F85}"/>
               </a:ext>
             </a:extLst>
           </p:cNvPr>
@@ -5173,8 +5604,8 @@
         </p:nvSpPr>
         <p:spPr>
           <a:xfrm>
-            <a:off x="2732313" y="3762702"/>
-            <a:ext cx="336708" cy="1145629"/>
+            <a:off x="2102069" y="5927834"/>
+            <a:ext cx="252248" cy="321909"/>
           </a:xfrm>
           <a:prstGeom prst="ellipse">
             <a:avLst/>
@@ -5188,18 +5619,16 @@
         </p:spPr>
         <p:style>
           <a:lnRef idx="2">
-            <a:schemeClr val="accent1">
-              <a:shade val="15000"/>
-            </a:schemeClr>
+            <a:schemeClr val="accent6"/>
           </a:lnRef>
           <a:fillRef idx="1">
-            <a:schemeClr val="accent1"/>
+            <a:schemeClr val="lt1"/>
           </a:fillRef>
           <a:effectRef idx="0">
-            <a:schemeClr val="accent1"/>
+            <a:schemeClr val="accent6"/>
           </a:effectRef>
           <a:fontRef idx="minor">
-            <a:schemeClr val="lt1"/>
+            <a:schemeClr val="dk1"/>
           </a:fontRef>
         </p:style>
         <p:txBody>
@@ -5213,10 +5642,10 @@
       </p:sp>
       <p:sp>
         <p:nvSpPr>
-          <p:cNvPr id="10" name="Oval 9">
+          <p:cNvPr id="18" name="Oval 17">
             <a:extLst>
               <a:ext uri="{FF2B5EF4-FFF2-40B4-BE49-F238E27FC236}">
-                <a16:creationId xmlns:a16="http://schemas.microsoft.com/office/drawing/2014/main" id="{5AB75C87-6127-6890-3E26-2A64E04F9D50}"/>
+                <a16:creationId xmlns:a16="http://schemas.microsoft.com/office/drawing/2014/main" id="{D1005E3B-969C-DF3A-78A5-6ADB2185C8B1}"/>
               </a:ext>
             </a:extLst>
           </p:cNvPr>
@@ -5225,8 +5654,8 @@
         </p:nvSpPr>
         <p:spPr>
           <a:xfrm>
-            <a:off x="9307287" y="5465379"/>
-            <a:ext cx="304800" cy="332257"/>
+            <a:off x="5357869" y="5871983"/>
+            <a:ext cx="252248" cy="321909"/>
           </a:xfrm>
           <a:prstGeom prst="ellipse">
             <a:avLst/>
@@ -5240,18 +5669,16 @@
         </p:spPr>
         <p:style>
           <a:lnRef idx="2">
-            <a:schemeClr val="accent1">
-              <a:shade val="15000"/>
-            </a:schemeClr>
+            <a:schemeClr val="accent6"/>
           </a:lnRef>
           <a:fillRef idx="1">
-            <a:schemeClr val="accent1"/>
+            <a:schemeClr val="lt1"/>
           </a:fillRef>
           <a:effectRef idx="0">
-            <a:schemeClr val="accent1"/>
+            <a:schemeClr val="accent6"/>
           </a:effectRef>
           <a:fontRef idx="minor">
-            <a:schemeClr val="lt1"/>
+            <a:schemeClr val="dk1"/>
           </a:fontRef>
         </p:style>
         <p:txBody>
@@ -5265,88 +5692,96 @@
       </p:sp>
       <p:sp>
         <p:nvSpPr>
-          <p:cNvPr id="13" name="TextBox 12">
+          <p:cNvPr id="19" name="Oval 18">
             <a:extLst>
               <a:ext uri="{FF2B5EF4-FFF2-40B4-BE49-F238E27FC236}">
-                <a16:creationId xmlns:a16="http://schemas.microsoft.com/office/drawing/2014/main" id="{9041F4DF-359F-9630-12D8-DBA977BC78F0}"/>
+                <a16:creationId xmlns:a16="http://schemas.microsoft.com/office/drawing/2014/main" id="{42C4C52E-7302-AEFA-8099-36B753912E4A}"/>
               </a:ext>
             </a:extLst>
           </p:cNvPr>
-          <p:cNvSpPr txBox="1"/>
+          <p:cNvSpPr/>
           <p:nvPr/>
         </p:nvSpPr>
         <p:spPr>
           <a:xfrm>
-            <a:off x="8552637" y="4805115"/>
-            <a:ext cx="1014813" cy="369332"/>
+            <a:off x="8702565" y="5852919"/>
+            <a:ext cx="252248" cy="321909"/>
           </a:xfrm>
-          <a:prstGeom prst="rect">
+          <a:prstGeom prst="ellipse">
             <a:avLst/>
           </a:prstGeom>
           <a:noFill/>
-        </p:spPr>
-        <p:txBody>
-          <a:bodyPr wrap="square" rtlCol="0">
-            <a:spAutoFit/>
-          </a:bodyPr>
-          <a:lstStyle/>
-          <a:p>
-            <a:pPr algn="ctr"/>
-            <a:r>
-              <a:rPr lang="en-US" dirty="0"/>
-              <a:t>Outliers</a:t>
-            </a:r>
-          </a:p>
-        </p:txBody>
-      </p:sp>
-      <p:cxnSp>
-        <p:nvCxnSpPr>
-          <p:cNvPr id="15" name="Straight Arrow Connector 14">
-            <a:extLst>
-              <a:ext uri="{FF2B5EF4-FFF2-40B4-BE49-F238E27FC236}">
-                <a16:creationId xmlns:a16="http://schemas.microsoft.com/office/drawing/2014/main" id="{7774AAA3-DEA4-D493-FF5F-7C1EAE3EF8B9}"/>
-              </a:ext>
-            </a:extLst>
-          </p:cNvPr>
-          <p:cNvCxnSpPr>
-            <a:cxnSpLocks/>
-          </p:cNvCxnSpPr>
-          <p:nvPr/>
-        </p:nvCxnSpPr>
-        <p:spPr>
-          <a:xfrm>
-            <a:off x="9070930" y="5087733"/>
-            <a:ext cx="260163" cy="339590"/>
-          </a:xfrm>
-          <a:prstGeom prst="straightConnector1">
-            <a:avLst/>
-          </a:prstGeom>
           <a:ln>
             <a:solidFill>
               <a:srgbClr val="FF0000"/>
             </a:solidFill>
-            <a:tailEnd type="triangle"/>
           </a:ln>
         </p:spPr>
         <p:style>
-          <a:lnRef idx="1">
-            <a:schemeClr val="dk1"/>
+          <a:lnRef idx="2">
+            <a:schemeClr val="accent6"/>
           </a:lnRef>
-          <a:fillRef idx="0">
-            <a:schemeClr val="dk1"/>
+          <a:fillRef idx="1">
+            <a:schemeClr val="lt1"/>
           </a:fillRef>
           <a:effectRef idx="0">
-            <a:schemeClr val="dk1"/>
+            <a:schemeClr val="accent6"/>
           </a:effectRef>
           <a:fontRef idx="minor">
-            <a:schemeClr val="tx1"/>
+            <a:schemeClr val="dk1"/>
           </a:fontRef>
         </p:style>
-      </p:cxnSp>
+        <p:txBody>
+          <a:bodyPr rtlCol="0" anchor="ctr"/>
+          <a:lstStyle/>
+          <a:p>
+            <a:pPr algn="ctr"/>
+            <a:endParaRPr lang="en-US"/>
+          </a:p>
+        </p:txBody>
+      </p:sp>
+      <p:sp>
+        <p:nvSpPr>
+          <p:cNvPr id="21" name="כותרת 1">
+            <a:extLst>
+              <a:ext uri="{FF2B5EF4-FFF2-40B4-BE49-F238E27FC236}">
+                <a16:creationId xmlns:a16="http://schemas.microsoft.com/office/drawing/2014/main" id="{9A7AEBF5-85D3-8C9E-A460-55CE01B3421A}"/>
+              </a:ext>
+            </a:extLst>
+          </p:cNvPr>
+          <p:cNvSpPr>
+            <a:spLocks noGrp="1"/>
+          </p:cNvSpPr>
+          <p:nvPr>
+            <p:ph type="title"/>
+          </p:nvPr>
+        </p:nvSpPr>
+        <p:spPr>
+          <a:xfrm>
+            <a:off x="1334812" y="748962"/>
+            <a:ext cx="5675588" cy="788916"/>
+          </a:xfrm>
+        </p:spPr>
+        <p:txBody>
+          <a:bodyPr>
+            <a:noAutofit/>
+          </a:bodyPr>
+          <a:lstStyle/>
+          <a:p>
+            <a:pPr algn="l" rtl="0"/>
+            <a:r>
+              <a:rPr lang="en-US" sz="5100" b="1" dirty="0">
+                <a:cs typeface="+mn-cs"/>
+              </a:rPr>
+              <a:t>Data Analysis (cont.):</a:t>
+            </a:r>
+          </a:p>
+        </p:txBody>
+      </p:sp>
     </p:spTree>
     <p:extLst>
       <p:ext uri="{BB962C8B-B14F-4D97-AF65-F5344CB8AC3E}">
-        <p14:creationId xmlns:p14="http://schemas.microsoft.com/office/powerpoint/2010/main" val="3112131851"/>
+        <p14:creationId xmlns:p14="http://schemas.microsoft.com/office/powerpoint/2010/main" val="4086002149"/>
       </p:ext>
     </p:extLst>
   </p:cSld>
@@ -5373,38 +5808,6 @@
           <a:chExt cx="0" cy="0"/>
         </a:xfrm>
       </p:grpSpPr>
-      <p:sp>
-        <p:nvSpPr>
-          <p:cNvPr id="2" name="כותרת 1"/>
-          <p:cNvSpPr>
-            <a:spLocks noGrp="1"/>
-          </p:cNvSpPr>
-          <p:nvPr>
-            <p:ph type="title"/>
-          </p:nvPr>
-        </p:nvSpPr>
-        <p:spPr>
-          <a:xfrm>
-            <a:off x="1334812" y="748962"/>
-            <a:ext cx="3846787" cy="788916"/>
-          </a:xfrm>
-        </p:spPr>
-        <p:txBody>
-          <a:bodyPr>
-            <a:noAutofit/>
-          </a:bodyPr>
-          <a:lstStyle/>
-          <a:p>
-            <a:pPr algn="l" rtl="0"/>
-            <a:r>
-              <a:rPr lang="en-US" sz="5100" b="1" dirty="0">
-                <a:cs typeface="+mn-cs"/>
-              </a:rPr>
-              <a:t>Data Analysis:</a:t>
-            </a:r>
-          </a:p>
-        </p:txBody>
-      </p:sp>
       <p:pic>
         <p:nvPicPr>
           <p:cNvPr id="8" name="Picture 8" descr="File:Hebrew University Logo.svg - Wikimedia Commons"/>
@@ -5670,8 +6073,8 @@
         </p:nvSpPr>
         <p:spPr>
           <a:xfrm>
-            <a:off x="1334812" y="1782547"/>
-            <a:ext cx="10131974" cy="788916"/>
+            <a:off x="1334812" y="1638046"/>
+            <a:ext cx="9948044" cy="788916"/>
           </a:xfrm>
           <a:prstGeom prst="rect">
             <a:avLst/>
@@ -5703,188 +6106,654 @@
           <a:p>
             <a:pPr algn="l" rtl="0"/>
             <a:r>
-              <a:rPr lang="en-US" sz="2900" b="1" dirty="0">
+              <a:rPr lang="en-US" sz="2800" b="1" dirty="0">
                 <a:cs typeface="+mn-cs"/>
               </a:rPr>
-              <a:t>Route B: </a:t>
+              <a:t>Route A: </a:t>
             </a:r>
           </a:p>
           <a:p>
             <a:pPr algn="l" rtl="0"/>
             <a:r>
-              <a:rPr lang="en-US" sz="2900" b="1" dirty="0">
+              <a:rPr lang="en-US" sz="2800" b="1" dirty="0">
                 <a:cs typeface="+mn-cs"/>
               </a:rPr>
-              <a:t>Analyzing the entire filtered Properties’ population</a:t>
-            </a:r>
-          </a:p>
-          <a:p>
-            <a:pPr algn="l" rtl="0"/>
-            <a:r>
-              <a:rPr lang="en-US" sz="2900" b="1" u="sng" dirty="0">
-                <a:cs typeface="+mn-cs"/>
-              </a:rPr>
-              <a:t>Remark</a:t>
-            </a:r>
-            <a:r>
-              <a:rPr lang="en-US" sz="2900" b="1" dirty="0">
-                <a:cs typeface="+mn-cs"/>
-              </a:rPr>
-              <a:t>: The depended variable on the x-axis for convenience </a:t>
-            </a:r>
-          </a:p>
-        </p:txBody>
-      </p:sp>
-      <p:pic>
-        <p:nvPicPr>
-          <p:cNvPr id="5122" name="Picture 2">
+              <a:t>Summary Table </a:t>
+            </a:r>
+          </a:p>
+        </p:txBody>
+      </p:sp>
+      <p:graphicFrame>
+        <p:nvGraphicFramePr>
+          <p:cNvPr id="6" name="Table 5">
             <a:extLst>
               <a:ext uri="{FF2B5EF4-FFF2-40B4-BE49-F238E27FC236}">
-                <a16:creationId xmlns:a16="http://schemas.microsoft.com/office/drawing/2014/main" id="{394EB2A7-200B-C81C-9330-4A377C022766}"/>
+                <a16:creationId xmlns:a16="http://schemas.microsoft.com/office/drawing/2014/main" id="{A1688815-74C7-03C3-DDE2-45AA286597BE}"/>
               </a:ext>
             </a:extLst>
           </p:cNvPr>
-          <p:cNvPicPr>
-            <a:picLocks noChangeAspect="1" noChangeArrowheads="1"/>
-          </p:cNvPicPr>
-          <p:nvPr/>
-        </p:nvPicPr>
-        <p:blipFill>
-          <a:blip r:embed="rId4">
+          <p:cNvGraphicFramePr>
+            <a:graphicFrameLocks noGrp="1"/>
+          </p:cNvGraphicFramePr>
+          <p:nvPr>
+            <p:extLst>
+              <p:ext uri="{D42A27DB-BD31-4B8C-83A1-F6EECF244321}">
+                <p14:modId xmlns:p14="http://schemas.microsoft.com/office/powerpoint/2010/main" val="3891899813"/>
+              </p:ext>
+            </p:extLst>
+          </p:nvPr>
+        </p:nvGraphicFramePr>
+        <p:xfrm>
+          <a:off x="1421526" y="2527130"/>
+          <a:ext cx="6616261" cy="2893160"/>
+        </p:xfrm>
+        <a:graphic>
+          <a:graphicData uri="http://schemas.openxmlformats.org/drawingml/2006/table">
+            <a:tbl>
+              <a:tblPr firstRow="1" bandRow="1">
+                <a:tableStyleId>{5C22544A-7EE6-4342-B048-85BDC9FD1C3A}</a:tableStyleId>
+              </a:tblPr>
+              <a:tblGrid>
+                <a:gridCol w="1487449">
+                  <a:extLst>
+                    <a:ext uri="{9D8B030D-6E8A-4147-A177-3AD203B41FA5}">
+                      <a16:colId xmlns:a16="http://schemas.microsoft.com/office/drawing/2014/main" val="3926741695"/>
+                    </a:ext>
+                  </a:extLst>
+                </a:gridCol>
+                <a:gridCol w="1239984">
+                  <a:extLst>
+                    <a:ext uri="{9D8B030D-6E8A-4147-A177-3AD203B41FA5}">
+                      <a16:colId xmlns:a16="http://schemas.microsoft.com/office/drawing/2014/main" val="4273390761"/>
+                    </a:ext>
+                  </a:extLst>
+                </a:gridCol>
+                <a:gridCol w="1229711">
+                  <a:extLst>
+                    <a:ext uri="{9D8B030D-6E8A-4147-A177-3AD203B41FA5}">
+                      <a16:colId xmlns:a16="http://schemas.microsoft.com/office/drawing/2014/main" val="851118952"/>
+                    </a:ext>
+                  </a:extLst>
+                </a:gridCol>
+                <a:gridCol w="1220143">
+                  <a:extLst>
+                    <a:ext uri="{9D8B030D-6E8A-4147-A177-3AD203B41FA5}">
+                      <a16:colId xmlns:a16="http://schemas.microsoft.com/office/drawing/2014/main" val="899351367"/>
+                    </a:ext>
+                  </a:extLst>
+                </a:gridCol>
+                <a:gridCol w="1438974">
+                  <a:extLst>
+                    <a:ext uri="{9D8B030D-6E8A-4147-A177-3AD203B41FA5}">
+                      <a16:colId xmlns:a16="http://schemas.microsoft.com/office/drawing/2014/main" val="2416177908"/>
+                    </a:ext>
+                  </a:extLst>
+                </a:gridCol>
+              </a:tblGrid>
+              <a:tr h="570252">
+                <a:tc>
+                  <a:txBody>
+                    <a:bodyPr/>
+                    <a:lstStyle/>
+                    <a:p>
+                      <a:pPr algn="ctr"/>
+                      <a:r>
+                        <a:rPr lang="en-US" sz="1600" dirty="0"/>
+                        <a:t>Field</a:t>
+                      </a:r>
+                    </a:p>
+                  </a:txBody>
+                  <a:tcPr anchor="ctr"/>
+                </a:tc>
+                <a:tc>
+                  <a:txBody>
+                    <a:bodyPr/>
+                    <a:lstStyle/>
+                    <a:p>
+                      <a:pPr algn="ctr" rtl="0"/>
+                      <a:r>
+                        <a:rPr lang="en-US" sz="1600" dirty="0"/>
+                        <a:t>Q1</a:t>
+                      </a:r>
+                    </a:p>
+                  </a:txBody>
+                  <a:tcPr anchor="ctr"/>
+                </a:tc>
+                <a:tc>
+                  <a:txBody>
+                    <a:bodyPr/>
+                    <a:lstStyle/>
+                    <a:p>
+                      <a:pPr algn="ctr" rtl="0"/>
+                      <a:r>
+                        <a:rPr lang="en-US" sz="1600" dirty="0"/>
+                        <a:t>Q2</a:t>
+                      </a:r>
+                    </a:p>
+                  </a:txBody>
+                  <a:tcPr anchor="ctr"/>
+                </a:tc>
+                <a:tc>
+                  <a:txBody>
+                    <a:bodyPr/>
+                    <a:lstStyle/>
+                    <a:p>
+                      <a:pPr algn="ctr" rtl="0"/>
+                      <a:r>
+                        <a:rPr lang="en-US" sz="1600" dirty="0"/>
+                        <a:t>Q3</a:t>
+                      </a:r>
+                    </a:p>
+                  </a:txBody>
+                  <a:tcPr anchor="ctr"/>
+                </a:tc>
+                <a:tc>
+                  <a:txBody>
+                    <a:bodyPr/>
+                    <a:lstStyle/>
+                    <a:p>
+                      <a:pPr algn="ctr" rtl="0"/>
+                      <a:r>
+                        <a:rPr lang="en-US" sz="1600" dirty="0"/>
+                        <a:t>Q4</a:t>
+                      </a:r>
+                    </a:p>
+                  </a:txBody>
+                  <a:tcPr anchor="ctr"/>
+                </a:tc>
+                <a:extLst>
+                  <a:ext uri="{0D108BD9-81ED-4DB2-BD59-A6C34878D82A}">
+                    <a16:rowId xmlns:a16="http://schemas.microsoft.com/office/drawing/2014/main" val="3745580272"/>
+                  </a:ext>
+                </a:extLst>
+              </a:tr>
+              <a:tr h="591202">
+                <a:tc>
+                  <a:txBody>
+                    <a:bodyPr/>
+                    <a:lstStyle/>
+                    <a:p>
+                      <a:pPr algn="l" rtl="0"/>
+                      <a:r>
+                        <a:rPr lang="en-US" sz="1600" dirty="0"/>
+                        <a:t>Property Type</a:t>
+                      </a:r>
+                    </a:p>
+                  </a:txBody>
+                  <a:tcPr anchor="ctr"/>
+                </a:tc>
+                <a:tc>
+                  <a:txBody>
+                    <a:bodyPr/>
+                    <a:lstStyle/>
+                    <a:p>
+                      <a:pPr algn="ctr" rtl="0"/>
+                      <a:r>
+                        <a:rPr lang="en-US" sz="1600" dirty="0"/>
+                        <a:t>Entire home</a:t>
+                      </a:r>
+                    </a:p>
+                  </a:txBody>
+                  <a:tcPr anchor="ctr"/>
+                </a:tc>
+                <a:tc>
+                  <a:txBody>
+                    <a:bodyPr/>
+                    <a:lstStyle/>
+                    <a:p>
+                      <a:pPr algn="ctr" rtl="0"/>
+                      <a:r>
+                        <a:rPr lang="en-US" sz="1600" dirty="0"/>
+                        <a:t>Entire home</a:t>
+                      </a:r>
+                    </a:p>
+                  </a:txBody>
+                  <a:tcPr anchor="ctr"/>
+                </a:tc>
+                <a:tc>
+                  <a:txBody>
+                    <a:bodyPr/>
+                    <a:lstStyle/>
+                    <a:p>
+                      <a:pPr algn="ctr" rtl="0"/>
+                      <a:r>
+                        <a:rPr lang="en-US" sz="1600" dirty="0"/>
+                        <a:t>Entire home</a:t>
+                      </a:r>
+                    </a:p>
+                  </a:txBody>
+                  <a:tcPr anchor="ctr"/>
+                </a:tc>
+                <a:tc>
+                  <a:txBody>
+                    <a:bodyPr/>
+                    <a:lstStyle/>
+                    <a:p>
+                      <a:pPr algn="ctr" rtl="0"/>
+                      <a:r>
+                        <a:rPr lang="en-US" sz="1600" dirty="0">
+                          <a:solidFill>
+                            <a:srgbClr val="FF0000"/>
+                          </a:solidFill>
+                        </a:rPr>
+                        <a:t>Entire rental unit</a:t>
+                      </a:r>
+                    </a:p>
+                  </a:txBody>
+                  <a:tcPr anchor="ctr"/>
+                </a:tc>
+                <a:extLst>
+                  <a:ext uri="{0D108BD9-81ED-4DB2-BD59-A6C34878D82A}">
+                    <a16:rowId xmlns:a16="http://schemas.microsoft.com/office/drawing/2014/main" val="4085152986"/>
+                  </a:ext>
+                </a:extLst>
+              </a:tr>
+              <a:tr h="591202">
+                <a:tc>
+                  <a:txBody>
+                    <a:bodyPr/>
+                    <a:lstStyle/>
+                    <a:p>
+                      <a:pPr algn="l" rtl="0"/>
+                      <a:r>
+                        <a:rPr lang="en-US" sz="1600" dirty="0"/>
+                        <a:t>Room Type</a:t>
+                      </a:r>
+                    </a:p>
+                  </a:txBody>
+                  <a:tcPr anchor="ctr"/>
+                </a:tc>
+                <a:tc>
+                  <a:txBody>
+                    <a:bodyPr/>
+                    <a:lstStyle/>
+                    <a:p>
+                      <a:pPr algn="ctr" rtl="0"/>
+                      <a:r>
+                        <a:rPr lang="en-US" sz="1600" dirty="0"/>
+                        <a:t>Entire home/apt</a:t>
+                      </a:r>
+                    </a:p>
+                  </a:txBody>
+                  <a:tcPr anchor="ctr"/>
+                </a:tc>
+                <a:tc>
+                  <a:txBody>
+                    <a:bodyPr/>
+                    <a:lstStyle/>
+                    <a:p>
+                      <a:pPr marL="0" marR="0" lvl="0" indent="0" algn="ctr" defTabSz="914400" rtl="0" eaLnBrk="1" fontAlgn="auto" latinLnBrk="0" hangingPunct="1">
+                        <a:lnSpc>
+                          <a:spcPct val="100000"/>
+                        </a:lnSpc>
+                        <a:spcBef>
+                          <a:spcPts val="0"/>
+                        </a:spcBef>
+                        <a:spcAft>
+                          <a:spcPts val="0"/>
+                        </a:spcAft>
+                        <a:buClrTx/>
+                        <a:buSzTx/>
+                        <a:buFontTx/>
+                        <a:buNone/>
+                        <a:tabLst/>
+                        <a:defRPr/>
+                      </a:pPr>
+                      <a:r>
+                        <a:rPr lang="en-US" sz="1600" dirty="0"/>
+                        <a:t>Entire home/apt</a:t>
+                      </a:r>
+                    </a:p>
+                  </a:txBody>
+                  <a:tcPr anchor="ctr"/>
+                </a:tc>
+                <a:tc>
+                  <a:txBody>
+                    <a:bodyPr/>
+                    <a:lstStyle/>
+                    <a:p>
+                      <a:pPr marL="0" marR="0" lvl="0" indent="0" algn="ctr" defTabSz="914400" rtl="0" eaLnBrk="1" fontAlgn="auto" latinLnBrk="0" hangingPunct="1">
+                        <a:lnSpc>
+                          <a:spcPct val="100000"/>
+                        </a:lnSpc>
+                        <a:spcBef>
+                          <a:spcPts val="0"/>
+                        </a:spcBef>
+                        <a:spcAft>
+                          <a:spcPts val="0"/>
+                        </a:spcAft>
+                        <a:buClrTx/>
+                        <a:buSzTx/>
+                        <a:buFontTx/>
+                        <a:buNone/>
+                        <a:tabLst/>
+                        <a:defRPr/>
+                      </a:pPr>
+                      <a:r>
+                        <a:rPr lang="en-US" sz="1600" dirty="0"/>
+                        <a:t>Entire home/apt</a:t>
+                      </a:r>
+                    </a:p>
+                  </a:txBody>
+                  <a:tcPr anchor="ctr"/>
+                </a:tc>
+                <a:tc>
+                  <a:txBody>
+                    <a:bodyPr/>
+                    <a:lstStyle/>
+                    <a:p>
+                      <a:pPr algn="ctr" rtl="0"/>
+                      <a:endParaRPr lang="en-US" sz="1600" dirty="0"/>
+                    </a:p>
+                  </a:txBody>
+                  <a:tcPr anchor="ctr"/>
+                </a:tc>
+                <a:extLst>
+                  <a:ext uri="{0D108BD9-81ED-4DB2-BD59-A6C34878D82A}">
+                    <a16:rowId xmlns:a16="http://schemas.microsoft.com/office/drawing/2014/main" val="1749103767"/>
+                  </a:ext>
+                </a:extLst>
+              </a:tr>
+              <a:tr h="570252">
+                <a:tc>
+                  <a:txBody>
+                    <a:bodyPr/>
+                    <a:lstStyle/>
+                    <a:p>
+                      <a:pPr marL="0" marR="0" lvl="0" indent="0" algn="l" defTabSz="914400" rtl="0" eaLnBrk="1" fontAlgn="auto" latinLnBrk="0" hangingPunct="1">
+                        <a:lnSpc>
+                          <a:spcPct val="100000"/>
+                        </a:lnSpc>
+                        <a:spcBef>
+                          <a:spcPts val="0"/>
+                        </a:spcBef>
+                        <a:spcAft>
+                          <a:spcPts val="0"/>
+                        </a:spcAft>
+                        <a:buClrTx/>
+                        <a:buSzTx/>
+                        <a:buFontTx/>
+                        <a:buNone/>
+                        <a:tabLst/>
+                        <a:defRPr/>
+                      </a:pPr>
+                      <a:r>
+                        <a:rPr lang="en-US" sz="1600" dirty="0"/>
+                        <a:t>Neighborhood</a:t>
+                      </a:r>
+                    </a:p>
+                  </a:txBody>
+                  <a:tcPr anchor="ctr"/>
+                </a:tc>
+                <a:tc>
+                  <a:txBody>
+                    <a:bodyPr/>
+                    <a:lstStyle/>
+                    <a:p>
+                      <a:pPr algn="ctr" rtl="0"/>
+                      <a:r>
+                        <a:rPr lang="en-US" sz="1600" dirty="0"/>
+                        <a:t>Seattle</a:t>
+                      </a:r>
+                    </a:p>
+                  </a:txBody>
+                  <a:tcPr anchor="ctr"/>
+                </a:tc>
+                <a:tc>
+                  <a:txBody>
+                    <a:bodyPr/>
+                    <a:lstStyle/>
+                    <a:p>
+                      <a:pPr marL="0" marR="0" lvl="0" indent="0" algn="ctr" defTabSz="914400" rtl="0" eaLnBrk="1" fontAlgn="auto" latinLnBrk="0" hangingPunct="1">
+                        <a:lnSpc>
+                          <a:spcPct val="100000"/>
+                        </a:lnSpc>
+                        <a:spcBef>
+                          <a:spcPts val="0"/>
+                        </a:spcBef>
+                        <a:spcAft>
+                          <a:spcPts val="0"/>
+                        </a:spcAft>
+                        <a:buClrTx/>
+                        <a:buSzTx/>
+                        <a:buFontTx/>
+                        <a:buNone/>
+                        <a:tabLst/>
+                        <a:defRPr/>
+                      </a:pPr>
+                      <a:r>
+                        <a:rPr lang="en-US" sz="1600" dirty="0"/>
+                        <a:t>Seattle</a:t>
+                      </a:r>
+                    </a:p>
+                  </a:txBody>
+                  <a:tcPr anchor="ctr"/>
+                </a:tc>
+                <a:tc>
+                  <a:txBody>
+                    <a:bodyPr/>
+                    <a:lstStyle/>
+                    <a:p>
+                      <a:pPr marL="0" marR="0" lvl="0" indent="0" algn="ctr" defTabSz="914400" rtl="0" eaLnBrk="1" fontAlgn="auto" latinLnBrk="0" hangingPunct="1">
+                        <a:lnSpc>
+                          <a:spcPct val="100000"/>
+                        </a:lnSpc>
+                        <a:spcBef>
+                          <a:spcPts val="0"/>
+                        </a:spcBef>
+                        <a:spcAft>
+                          <a:spcPts val="0"/>
+                        </a:spcAft>
+                        <a:buClrTx/>
+                        <a:buSzTx/>
+                        <a:buFontTx/>
+                        <a:buNone/>
+                        <a:tabLst/>
+                        <a:defRPr/>
+                      </a:pPr>
+                      <a:r>
+                        <a:rPr lang="en-US" sz="1600" dirty="0"/>
+                        <a:t>Seattle</a:t>
+                      </a:r>
+                    </a:p>
+                  </a:txBody>
+                  <a:tcPr anchor="ctr"/>
+                </a:tc>
+                <a:tc>
+                  <a:txBody>
+                    <a:bodyPr/>
+                    <a:lstStyle/>
+                    <a:p>
+                      <a:pPr algn="ctr" rtl="0"/>
+                      <a:endParaRPr lang="en-US" sz="1600" dirty="0"/>
+                    </a:p>
+                  </a:txBody>
+                  <a:tcPr anchor="ctr"/>
+                </a:tc>
+                <a:extLst>
+                  <a:ext uri="{0D108BD9-81ED-4DB2-BD59-A6C34878D82A}">
+                    <a16:rowId xmlns:a16="http://schemas.microsoft.com/office/drawing/2014/main" val="1365730346"/>
+                  </a:ext>
+                </a:extLst>
+              </a:tr>
+              <a:tr h="570252">
+                <a:tc>
+                  <a:txBody>
+                    <a:bodyPr/>
+                    <a:lstStyle/>
+                    <a:p>
+                      <a:pPr algn="l" rtl="0"/>
+                      <a:r>
+                        <a:rPr lang="en-US" sz="1600" dirty="0"/>
+                        <a:t>Accommodates</a:t>
+                      </a:r>
+                    </a:p>
+                  </a:txBody>
+                  <a:tcPr anchor="ctr"/>
+                </a:tc>
+                <a:tc>
+                  <a:txBody>
+                    <a:bodyPr/>
+                    <a:lstStyle/>
+                    <a:p>
+                      <a:pPr algn="ctr" rtl="0"/>
+                      <a:r>
+                        <a:rPr lang="en-US" sz="1600" dirty="0"/>
+                        <a:t>6</a:t>
+                      </a:r>
+                    </a:p>
+                  </a:txBody>
+                  <a:tcPr anchor="ctr"/>
+                </a:tc>
+                <a:tc>
+                  <a:txBody>
+                    <a:bodyPr/>
+                    <a:lstStyle/>
+                    <a:p>
+                      <a:pPr algn="ctr" rtl="0"/>
+                      <a:r>
+                        <a:rPr lang="en-US" sz="1600" dirty="0"/>
+                        <a:t>6</a:t>
+                      </a:r>
+                    </a:p>
+                  </a:txBody>
+                  <a:tcPr anchor="ctr"/>
+                </a:tc>
+                <a:tc>
+                  <a:txBody>
+                    <a:bodyPr/>
+                    <a:lstStyle/>
+                    <a:p>
+                      <a:pPr algn="ctr" rtl="0"/>
+                      <a:r>
+                        <a:rPr lang="en-US" sz="1600" dirty="0">
+                          <a:solidFill>
+                            <a:srgbClr val="FF0000"/>
+                          </a:solidFill>
+                        </a:rPr>
+                        <a:t>4</a:t>
+                      </a:r>
+                    </a:p>
+                  </a:txBody>
+                  <a:tcPr anchor="ctr"/>
+                </a:tc>
+                <a:tc>
+                  <a:txBody>
+                    <a:bodyPr/>
+                    <a:lstStyle/>
+                    <a:p>
+                      <a:pPr algn="ctr" rtl="0"/>
+                      <a:endParaRPr lang="en-US" sz="1600" dirty="0"/>
+                    </a:p>
+                  </a:txBody>
+                  <a:tcPr anchor="ctr"/>
+                </a:tc>
+                <a:extLst>
+                  <a:ext uri="{0D108BD9-81ED-4DB2-BD59-A6C34878D82A}">
+                    <a16:rowId xmlns:a16="http://schemas.microsoft.com/office/drawing/2014/main" val="84070144"/>
+                  </a:ext>
+                </a:extLst>
+              </a:tr>
+            </a:tbl>
+          </a:graphicData>
+        </a:graphic>
+      </p:graphicFrame>
+      <p:sp>
+        <p:nvSpPr>
+          <p:cNvPr id="9" name="כותרת 1">
             <a:extLst>
-              <a:ext uri="{28A0092B-C50C-407E-A947-70E740481C1C}">
-                <a14:useLocalDpi xmlns:a14="http://schemas.microsoft.com/office/drawing/2010/main" val="0"/>
+              <a:ext uri="{FF2B5EF4-FFF2-40B4-BE49-F238E27FC236}">
+                <a16:creationId xmlns:a16="http://schemas.microsoft.com/office/drawing/2014/main" id="{405461D4-906E-A76C-6FC2-ACAB5DF5D8FC}"/>
               </a:ext>
             </a:extLst>
-          </a:blip>
-          <a:srcRect/>
-          <a:stretch>
-            <a:fillRect/>
-          </a:stretch>
-        </p:blipFill>
-        <p:spPr bwMode="auto">
+          </p:cNvPr>
+          <p:cNvSpPr>
+            <a:spLocks noGrp="1"/>
+          </p:cNvSpPr>
+          <p:nvPr>
+            <p:ph type="title"/>
+          </p:nvPr>
+        </p:nvSpPr>
+        <p:spPr>
           <a:xfrm>
-            <a:off x="2732313" y="2688771"/>
-            <a:ext cx="7581900" cy="3638458"/>
+            <a:off x="1334812" y="748962"/>
+            <a:ext cx="5675588" cy="788916"/>
+          </a:xfrm>
+        </p:spPr>
+        <p:txBody>
+          <a:bodyPr>
+            <a:noAutofit/>
+          </a:bodyPr>
+          <a:lstStyle/>
+          <a:p>
+            <a:pPr algn="l" rtl="0"/>
+            <a:r>
+              <a:rPr lang="en-US" sz="5100" b="1" dirty="0">
+                <a:cs typeface="+mn-cs"/>
+              </a:rPr>
+              <a:t>Data Analysis (cont.):</a:t>
+            </a:r>
+          </a:p>
+        </p:txBody>
+      </p:sp>
+      <p:sp>
+        <p:nvSpPr>
+          <p:cNvPr id="10" name="TextBox 9">
+            <a:extLst>
+              <a:ext uri="{FF2B5EF4-FFF2-40B4-BE49-F238E27FC236}">
+                <a16:creationId xmlns:a16="http://schemas.microsoft.com/office/drawing/2014/main" id="{497EF5A8-F681-4900-8149-AAE8B6098941}"/>
+              </a:ext>
+            </a:extLst>
+          </p:cNvPr>
+          <p:cNvSpPr txBox="1"/>
+          <p:nvPr/>
+        </p:nvSpPr>
+        <p:spPr>
+          <a:xfrm>
+            <a:off x="8470024" y="2819548"/>
+            <a:ext cx="2659117" cy="2308324"/>
           </a:xfrm>
           <a:prstGeom prst="rect">
             <a:avLst/>
           </a:prstGeom>
           <a:noFill/>
-          <a:extLst>
-            <a:ext uri="{909E8E84-426E-40DD-AFC4-6F175D3DCCD1}">
-              <a14:hiddenFill xmlns:a14="http://schemas.microsoft.com/office/drawing/2010/main">
-                <a:solidFill>
-                  <a:srgbClr val="FFFFFF"/>
-                </a:solidFill>
-              </a14:hiddenFill>
-            </a:ext>
-          </a:extLst>
-        </p:spPr>
-      </p:pic>
-      <p:sp>
-        <p:nvSpPr>
-          <p:cNvPr id="9" name="Oval 8">
-            <a:extLst>
-              <a:ext uri="{FF2B5EF4-FFF2-40B4-BE49-F238E27FC236}">
-                <a16:creationId xmlns:a16="http://schemas.microsoft.com/office/drawing/2014/main" id="{31C22BAA-1001-479E-9971-E279C3CE9891}"/>
-              </a:ext>
-            </a:extLst>
-          </p:cNvPr>
-          <p:cNvSpPr/>
-          <p:nvPr/>
-        </p:nvSpPr>
-        <p:spPr>
-          <a:xfrm>
-            <a:off x="2732313" y="3735676"/>
-            <a:ext cx="336708" cy="1219200"/>
-          </a:xfrm>
-          <a:prstGeom prst="ellipse">
-            <a:avLst/>
-          </a:prstGeom>
-          <a:noFill/>
-          <a:ln>
+          <a:ln w="38100">
             <a:solidFill>
-              <a:srgbClr val="FF0000"/>
+              <a:srgbClr val="00B0F0"/>
             </a:solidFill>
           </a:ln>
         </p:spPr>
-        <p:style>
-          <a:lnRef idx="2">
-            <a:schemeClr val="accent1">
-              <a:shade val="15000"/>
-            </a:schemeClr>
-          </a:lnRef>
-          <a:fillRef idx="1">
-            <a:schemeClr val="accent1"/>
-          </a:fillRef>
-          <a:effectRef idx="0">
-            <a:schemeClr val="accent1"/>
-          </a:effectRef>
-          <a:fontRef idx="minor">
-            <a:schemeClr val="lt1"/>
-          </a:fontRef>
-        </p:style>
-        <p:txBody>
-          <a:bodyPr rtlCol="0" anchor="ctr"/>
+        <p:txBody>
+          <a:bodyPr wrap="square" rtlCol="0">
+            <a:spAutoFit/>
+          </a:bodyPr>
           <a:lstStyle/>
           <a:p>
-            <a:pPr algn="ctr"/>
-            <a:endParaRPr lang="en-US"/>
-          </a:p>
-        </p:txBody>
-      </p:sp>
-      <p:cxnSp>
-        <p:nvCxnSpPr>
-          <p:cNvPr id="7" name="Straight Arrow Connector 6">
-            <a:extLst>
-              <a:ext uri="{FF2B5EF4-FFF2-40B4-BE49-F238E27FC236}">
-                <a16:creationId xmlns:a16="http://schemas.microsoft.com/office/drawing/2014/main" id="{F6B3E1C9-0FBD-4307-24CB-C4885784657B}"/>
-              </a:ext>
-            </a:extLst>
-          </p:cNvPr>
-          <p:cNvCxnSpPr>
-            <a:cxnSpLocks/>
-          </p:cNvCxnSpPr>
-          <p:nvPr/>
-        </p:nvCxnSpPr>
-        <p:spPr>
-          <a:xfrm flipV="1">
-            <a:off x="4456386" y="5797636"/>
-            <a:ext cx="119368" cy="311402"/>
-          </a:xfrm>
-          <a:prstGeom prst="straightConnector1">
-            <a:avLst/>
-          </a:prstGeom>
-          <a:ln w="9525" cap="flat" cmpd="sng" algn="ctr">
-            <a:solidFill>
-              <a:srgbClr val="FF0000"/>
-            </a:solidFill>
-            <a:prstDash val="solid"/>
-            <a:round/>
-            <a:headEnd type="none" w="med" len="med"/>
-            <a:tailEnd type="arrow" w="med" len="med"/>
-          </a:ln>
-        </p:spPr>
-        <p:style>
-          <a:lnRef idx="0">
-            <a:scrgbClr r="0" g="0" b="0"/>
-          </a:lnRef>
-          <a:fillRef idx="0">
-            <a:scrgbClr r="0" g="0" b="0"/>
-          </a:fillRef>
-          <a:effectRef idx="0">
-            <a:scrgbClr r="0" g="0" b="0"/>
-          </a:effectRef>
-          <a:fontRef idx="minor">
-            <a:schemeClr val="tx1"/>
-          </a:fontRef>
-        </p:style>
-      </p:cxnSp>
+            <a:pPr algn="just" rtl="0"/>
+            <a:r>
+              <a:rPr lang="en-US" u="sng" dirty="0"/>
+              <a:t>Conclusion</a:t>
+            </a:r>
+            <a:r>
+              <a:rPr lang="en-US" dirty="0"/>
+              <a:t>:</a:t>
+            </a:r>
+          </a:p>
+          <a:p>
+            <a:pPr algn="just" rtl="0"/>
+            <a:r>
+              <a:rPr lang="en-US" sz="1800" dirty="0">
+                <a:cs typeface="+mn-cs"/>
+              </a:rPr>
+              <a:t>Trial to specify the TOP 25% (Q1) of the filtered properties according to their Forecasted Revenue in the Coming Year resulted in a Non-Discriminative outcome.  </a:t>
+            </a:r>
+          </a:p>
+        </p:txBody>
+      </p:sp>
     </p:spTree>
     <p:extLst>
       <p:ext uri="{BB962C8B-B14F-4D97-AF65-F5344CB8AC3E}">
-        <p14:creationId xmlns:p14="http://schemas.microsoft.com/office/powerpoint/2010/main" val="2365412575"/>
+        <p14:creationId xmlns:p14="http://schemas.microsoft.com/office/powerpoint/2010/main" val="2889183720"/>
       </p:ext>
     </p:extLst>
   </p:cSld>
@@ -5911,38 +6780,6 @@
           <a:chExt cx="0" cy="0"/>
         </a:xfrm>
       </p:grpSpPr>
-      <p:sp>
-        <p:nvSpPr>
-          <p:cNvPr id="2" name="כותרת 1"/>
-          <p:cNvSpPr>
-            <a:spLocks noGrp="1"/>
-          </p:cNvSpPr>
-          <p:nvPr>
-            <p:ph type="title"/>
-          </p:nvPr>
-        </p:nvSpPr>
-        <p:spPr>
-          <a:xfrm>
-            <a:off x="1334812" y="748962"/>
-            <a:ext cx="3846787" cy="788916"/>
-          </a:xfrm>
-        </p:spPr>
-        <p:txBody>
-          <a:bodyPr>
-            <a:noAutofit/>
-          </a:bodyPr>
-          <a:lstStyle/>
-          <a:p>
-            <a:pPr algn="l" rtl="0"/>
-            <a:r>
-              <a:rPr lang="en-US" sz="5100" b="1" dirty="0">
-                <a:cs typeface="+mn-cs"/>
-              </a:rPr>
-              <a:t>Data Analysis:</a:t>
-            </a:r>
-          </a:p>
-        </p:txBody>
-      </p:sp>
       <p:pic>
         <p:nvPicPr>
           <p:cNvPr id="8" name="Picture 8" descr="File:Hebrew University Logo.svg - Wikimedia Commons"/>
@@ -6208,7 +7045,7 @@
         </p:nvSpPr>
         <p:spPr>
           <a:xfrm>
-            <a:off x="1382108" y="1749025"/>
+            <a:off x="1382108" y="1697232"/>
             <a:ext cx="10131974" cy="788916"/>
           </a:xfrm>
           <a:prstGeom prst="rect">
@@ -6241,7 +7078,7 @@
           <a:p>
             <a:pPr algn="l" rtl="0"/>
             <a:r>
-              <a:rPr lang="en-US" sz="2900" b="1" dirty="0">
+              <a:rPr lang="en-US" sz="2800" b="1" dirty="0">
                 <a:cs typeface="+mn-cs"/>
               </a:rPr>
               <a:t>Route B: </a:t>
@@ -6250,35 +7087,20 @@
           <a:p>
             <a:pPr algn="l" rtl="0"/>
             <a:r>
-              <a:rPr lang="en-US" sz="2900" b="1" dirty="0">
+              <a:rPr lang="en-US" sz="2800" b="1" dirty="0">
                 <a:cs typeface="+mn-cs"/>
               </a:rPr>
               <a:t>Analyzing the entire filtered Properties’ population</a:t>
             </a:r>
           </a:p>
-          <a:p>
-            <a:pPr algn="l" rtl="0"/>
-            <a:r>
-              <a:rPr lang="en-US" sz="2900" b="1" u="sng" dirty="0">
-                <a:cs typeface="+mn-cs"/>
-              </a:rPr>
-              <a:t>Remark</a:t>
-            </a:r>
-            <a:r>
-              <a:rPr lang="en-US" sz="2900" b="1" dirty="0">
-                <a:cs typeface="+mn-cs"/>
-              </a:rPr>
-              <a:t>: The depended variable on the x-axis for convenience </a:t>
-            </a:r>
-          </a:p>
         </p:txBody>
       </p:sp>
       <p:pic>
         <p:nvPicPr>
-          <p:cNvPr id="2052" name="Picture 4">
+          <p:cNvPr id="1026" name="Picture 2">
             <a:extLst>
               <a:ext uri="{FF2B5EF4-FFF2-40B4-BE49-F238E27FC236}">
-                <a16:creationId xmlns:a16="http://schemas.microsoft.com/office/drawing/2014/main" id="{8DDE973D-CEAF-E37B-D725-DBC20190DD89}"/>
+                <a16:creationId xmlns:a16="http://schemas.microsoft.com/office/drawing/2014/main" id="{3B51BC27-0F12-1C9A-811D-60AC218BB492}"/>
               </a:ext>
             </a:extLst>
           </p:cNvPr>
@@ -6302,8 +7124,8 @@
         </p:blipFill>
         <p:spPr bwMode="auto">
           <a:xfrm>
-            <a:off x="2329215" y="2645228"/>
-            <a:ext cx="8763000" cy="3613567"/>
+            <a:off x="2724839" y="2431739"/>
+            <a:ext cx="7004957" cy="3622890"/>
           </a:xfrm>
           <a:prstGeom prst="rect">
             <a:avLst/>
@@ -6322,10 +7144,10 @@
       </p:pic>
       <p:cxnSp>
         <p:nvCxnSpPr>
-          <p:cNvPr id="3" name="Straight Arrow Connector 2">
+          <p:cNvPr id="7" name="Straight Arrow Connector 6">
             <a:extLst>
               <a:ext uri="{FF2B5EF4-FFF2-40B4-BE49-F238E27FC236}">
-                <a16:creationId xmlns:a16="http://schemas.microsoft.com/office/drawing/2014/main" id="{5ED6FCA2-D19E-9F22-E3B8-1DD40ADD3A94}"/>
+                <a16:creationId xmlns:a16="http://schemas.microsoft.com/office/drawing/2014/main" id="{F6B3E1C9-0FBD-4307-24CB-C4885784657B}"/>
               </a:ext>
             </a:extLst>
           </p:cNvPr>
@@ -6336,7 +7158,7 @@
         </p:nvCxnSpPr>
         <p:spPr>
           <a:xfrm flipV="1">
-            <a:off x="3925612" y="5797636"/>
+            <a:off x="4561490" y="5574959"/>
             <a:ext cx="119368" cy="311402"/>
           </a:xfrm>
           <a:prstGeom prst="straightConnector1">
@@ -6372,7 +7194,7 @@
           <p:cNvPr id="9" name="Oval 8">
             <a:extLst>
               <a:ext uri="{FF2B5EF4-FFF2-40B4-BE49-F238E27FC236}">
-                <a16:creationId xmlns:a16="http://schemas.microsoft.com/office/drawing/2014/main" id="{5F348188-86CF-27E6-C696-D57827BF0F69}"/>
+                <a16:creationId xmlns:a16="http://schemas.microsoft.com/office/drawing/2014/main" id="{31C22BAA-1001-479E-9971-E279C3CE9891}"/>
               </a:ext>
             </a:extLst>
           </p:cNvPr>
@@ -6381,8 +7203,8 @@
         </p:nvSpPr>
         <p:spPr>
           <a:xfrm>
-            <a:off x="2329215" y="3690404"/>
-            <a:ext cx="336708" cy="1219200"/>
+            <a:off x="2724839" y="3530354"/>
+            <a:ext cx="336708" cy="1145629"/>
           </a:xfrm>
           <a:prstGeom prst="ellipse">
             <a:avLst/>
@@ -6419,10 +7241,224 @@
           </a:p>
         </p:txBody>
       </p:sp>
+      <p:sp>
+        <p:nvSpPr>
+          <p:cNvPr id="10" name="Oval 9">
+            <a:extLst>
+              <a:ext uri="{FF2B5EF4-FFF2-40B4-BE49-F238E27FC236}">
+                <a16:creationId xmlns:a16="http://schemas.microsoft.com/office/drawing/2014/main" id="{5AB75C87-6127-6890-3E26-2A64E04F9D50}"/>
+              </a:ext>
+            </a:extLst>
+          </p:cNvPr>
+          <p:cNvSpPr/>
+          <p:nvPr/>
+        </p:nvSpPr>
+        <p:spPr>
+          <a:xfrm>
+            <a:off x="9297217" y="5263557"/>
+            <a:ext cx="260164" cy="311402"/>
+          </a:xfrm>
+          <a:prstGeom prst="ellipse">
+            <a:avLst/>
+          </a:prstGeom>
+          <a:noFill/>
+          <a:ln>
+            <a:solidFill>
+              <a:srgbClr val="FF0000"/>
+            </a:solidFill>
+          </a:ln>
+        </p:spPr>
+        <p:style>
+          <a:lnRef idx="2">
+            <a:schemeClr val="accent1">
+              <a:shade val="15000"/>
+            </a:schemeClr>
+          </a:lnRef>
+          <a:fillRef idx="1">
+            <a:schemeClr val="accent1"/>
+          </a:fillRef>
+          <a:effectRef idx="0">
+            <a:schemeClr val="accent1"/>
+          </a:effectRef>
+          <a:fontRef idx="minor">
+            <a:schemeClr val="lt1"/>
+          </a:fontRef>
+        </p:style>
+        <p:txBody>
+          <a:bodyPr rtlCol="0" anchor="ctr"/>
+          <a:lstStyle/>
+          <a:p>
+            <a:pPr algn="ctr"/>
+            <a:endParaRPr lang="en-US"/>
+          </a:p>
+        </p:txBody>
+      </p:sp>
+      <p:sp>
+        <p:nvSpPr>
+          <p:cNvPr id="13" name="TextBox 12">
+            <a:extLst>
+              <a:ext uri="{FF2B5EF4-FFF2-40B4-BE49-F238E27FC236}">
+                <a16:creationId xmlns:a16="http://schemas.microsoft.com/office/drawing/2014/main" id="{9041F4DF-359F-9630-12D8-DBA977BC78F0}"/>
+              </a:ext>
+            </a:extLst>
+          </p:cNvPr>
+          <p:cNvSpPr txBox="1"/>
+          <p:nvPr/>
+        </p:nvSpPr>
+        <p:spPr>
+          <a:xfrm>
+            <a:off x="8400237" y="4659646"/>
+            <a:ext cx="1014813" cy="369332"/>
+          </a:xfrm>
+          <a:prstGeom prst="rect">
+            <a:avLst/>
+          </a:prstGeom>
+          <a:noFill/>
+        </p:spPr>
+        <p:txBody>
+          <a:bodyPr wrap="square" rtlCol="0">
+            <a:spAutoFit/>
+          </a:bodyPr>
+          <a:lstStyle/>
+          <a:p>
+            <a:pPr algn="ctr"/>
+            <a:r>
+              <a:rPr lang="en-US" dirty="0"/>
+              <a:t>Outliers</a:t>
+            </a:r>
+          </a:p>
+        </p:txBody>
+      </p:sp>
+      <p:cxnSp>
+        <p:nvCxnSpPr>
+          <p:cNvPr id="15" name="Straight Arrow Connector 14">
+            <a:extLst>
+              <a:ext uri="{FF2B5EF4-FFF2-40B4-BE49-F238E27FC236}">
+                <a16:creationId xmlns:a16="http://schemas.microsoft.com/office/drawing/2014/main" id="{7774AAA3-DEA4-D493-FF5F-7C1EAE3EF8B9}"/>
+              </a:ext>
+            </a:extLst>
+          </p:cNvPr>
+          <p:cNvCxnSpPr>
+            <a:cxnSpLocks/>
+          </p:cNvCxnSpPr>
+          <p:nvPr/>
+        </p:nvCxnSpPr>
+        <p:spPr>
+          <a:xfrm>
+            <a:off x="9002487" y="4994253"/>
+            <a:ext cx="294730" cy="269304"/>
+          </a:xfrm>
+          <a:prstGeom prst="straightConnector1">
+            <a:avLst/>
+          </a:prstGeom>
+          <a:ln>
+            <a:solidFill>
+              <a:srgbClr val="FF0000"/>
+            </a:solidFill>
+            <a:tailEnd type="triangle"/>
+          </a:ln>
+        </p:spPr>
+        <p:style>
+          <a:lnRef idx="1">
+            <a:schemeClr val="dk1"/>
+          </a:lnRef>
+          <a:fillRef idx="0">
+            <a:schemeClr val="dk1"/>
+          </a:fillRef>
+          <a:effectRef idx="0">
+            <a:schemeClr val="dk1"/>
+          </a:effectRef>
+          <a:fontRef idx="minor">
+            <a:schemeClr val="tx1"/>
+          </a:fontRef>
+        </p:style>
+      </p:cxnSp>
+      <p:sp>
+        <p:nvSpPr>
+          <p:cNvPr id="11" name="כותרת 1">
+            <a:extLst>
+              <a:ext uri="{FF2B5EF4-FFF2-40B4-BE49-F238E27FC236}">
+                <a16:creationId xmlns:a16="http://schemas.microsoft.com/office/drawing/2014/main" id="{AA02AF61-A24D-E693-6AA2-708C1E6EB3A5}"/>
+              </a:ext>
+            </a:extLst>
+          </p:cNvPr>
+          <p:cNvSpPr>
+            <a:spLocks noGrp="1"/>
+          </p:cNvSpPr>
+          <p:nvPr>
+            <p:ph type="title"/>
+          </p:nvPr>
+        </p:nvSpPr>
+        <p:spPr>
+          <a:xfrm>
+            <a:off x="1334812" y="748962"/>
+            <a:ext cx="5675588" cy="788916"/>
+          </a:xfrm>
+        </p:spPr>
+        <p:txBody>
+          <a:bodyPr>
+            <a:noAutofit/>
+          </a:bodyPr>
+          <a:lstStyle/>
+          <a:p>
+            <a:pPr algn="l" rtl="0"/>
+            <a:r>
+              <a:rPr lang="en-US" sz="5100" b="1" dirty="0">
+                <a:cs typeface="+mn-cs"/>
+              </a:rPr>
+              <a:t>Data Analysis (cont.):</a:t>
+            </a:r>
+          </a:p>
+        </p:txBody>
+      </p:sp>
+      <p:sp>
+        <p:nvSpPr>
+          <p:cNvPr id="3" name="TextBox 2">
+            <a:extLst>
+              <a:ext uri="{FF2B5EF4-FFF2-40B4-BE49-F238E27FC236}">
+                <a16:creationId xmlns:a16="http://schemas.microsoft.com/office/drawing/2014/main" id="{AD3E555F-0C0D-4A40-4974-304E2CD75CBB}"/>
+              </a:ext>
+            </a:extLst>
+          </p:cNvPr>
+          <p:cNvSpPr txBox="1"/>
+          <p:nvPr/>
+        </p:nvSpPr>
+        <p:spPr>
+          <a:xfrm>
+            <a:off x="1382108" y="6000219"/>
+            <a:ext cx="6096000" cy="369332"/>
+          </a:xfrm>
+          <a:prstGeom prst="rect">
+            <a:avLst/>
+          </a:prstGeom>
+          <a:noFill/>
+        </p:spPr>
+        <p:txBody>
+          <a:bodyPr wrap="square">
+            <a:spAutoFit/>
+          </a:bodyPr>
+          <a:lstStyle/>
+          <a:p>
+            <a:pPr algn="l" rtl="0"/>
+            <a:r>
+              <a:rPr lang="en-US" sz="1800" u="sng" dirty="0">
+                <a:cs typeface="+mn-cs"/>
+              </a:rPr>
+              <a:t>Remark</a:t>
+            </a:r>
+            <a:r>
+              <a:rPr lang="en-US" sz="1800" dirty="0">
+                <a:cs typeface="+mn-cs"/>
+              </a:rPr>
+              <a:t>: The depended variable on the x-axis for convenience </a:t>
+            </a:r>
+          </a:p>
+        </p:txBody>
+      </p:sp>
     </p:spTree>
     <p:extLst>
       <p:ext uri="{BB962C8B-B14F-4D97-AF65-F5344CB8AC3E}">
-        <p14:creationId xmlns:p14="http://schemas.microsoft.com/office/powerpoint/2010/main" val="2080365302"/>
+        <p14:creationId xmlns:p14="http://schemas.microsoft.com/office/powerpoint/2010/main" val="3112131851"/>
       </p:ext>
     </p:extLst>
   </p:cSld>
@@ -6449,38 +7485,6 @@
           <a:chExt cx="0" cy="0"/>
         </a:xfrm>
       </p:grpSpPr>
-      <p:sp>
-        <p:nvSpPr>
-          <p:cNvPr id="2" name="כותרת 1"/>
-          <p:cNvSpPr>
-            <a:spLocks noGrp="1"/>
-          </p:cNvSpPr>
-          <p:nvPr>
-            <p:ph type="title"/>
-          </p:nvPr>
-        </p:nvSpPr>
-        <p:spPr>
-          <a:xfrm>
-            <a:off x="1334812" y="748962"/>
-            <a:ext cx="3846787" cy="788916"/>
-          </a:xfrm>
-        </p:spPr>
-        <p:txBody>
-          <a:bodyPr>
-            <a:noAutofit/>
-          </a:bodyPr>
-          <a:lstStyle/>
-          <a:p>
-            <a:pPr algn="l" rtl="0"/>
-            <a:r>
-              <a:rPr lang="en-US" sz="5100" b="1" dirty="0">
-                <a:cs typeface="+mn-cs"/>
-              </a:rPr>
-              <a:t>Data Analysis:</a:t>
-            </a:r>
-          </a:p>
-        </p:txBody>
-      </p:sp>
       <p:pic>
         <p:nvPicPr>
           <p:cNvPr id="8" name="Picture 8" descr="File:Hebrew University Logo.svg - Wikimedia Commons"/>
@@ -6746,8 +7750,8 @@
         </p:nvSpPr>
         <p:spPr>
           <a:xfrm>
-            <a:off x="1382108" y="1764790"/>
-            <a:ext cx="10131974" cy="788916"/>
+            <a:off x="1334812" y="1685763"/>
+            <a:ext cx="10226567" cy="1136495"/>
           </a:xfrm>
           <a:prstGeom prst="rect">
             <a:avLst/>
@@ -6779,188 +7783,104 @@
           <a:p>
             <a:pPr algn="l" rtl="0"/>
             <a:r>
-              <a:rPr lang="en-US" sz="2900" b="1" dirty="0">
+              <a:rPr lang="en-US" sz="2800" b="1" dirty="0">
                 <a:cs typeface="+mn-cs"/>
               </a:rPr>
-              <a:t>Route B:</a:t>
+              <a:t>Route B: </a:t>
             </a:r>
           </a:p>
           <a:p>
             <a:pPr algn="l" rtl="0"/>
             <a:r>
-              <a:rPr lang="en-US" sz="2900" b="1" dirty="0">
+              <a:rPr lang="en-US" sz="2800" b="1" dirty="0">
                 <a:cs typeface="+mn-cs"/>
               </a:rPr>
-              <a:t>Analyzing the entire filtered Properties’ population</a:t>
+              <a:t>Outliers Identification → 2 Outliers (0.04%), and </a:t>
             </a:r>
           </a:p>
           <a:p>
             <a:pPr algn="l" rtl="0"/>
             <a:r>
-              <a:rPr lang="en-US" sz="2900" b="1" u="sng" dirty="0">
+              <a:rPr lang="en-US" sz="2800" b="1" dirty="0">
                 <a:cs typeface="+mn-cs"/>
               </a:rPr>
-              <a:t>Remark</a:t>
-            </a:r>
-            <a:r>
-              <a:rPr lang="en-US" sz="2900" b="1" dirty="0">
-                <a:cs typeface="+mn-cs"/>
-              </a:rPr>
-              <a:t>: The depended variable on the x-axis for convenience </a:t>
+              <a:t>Removal → records number decreased to 4856.    </a:t>
             </a:r>
           </a:p>
         </p:txBody>
       </p:sp>
       <p:pic>
         <p:nvPicPr>
-          <p:cNvPr id="3076" name="Picture 4">
+          <p:cNvPr id="6" name="Picture 5">
             <a:extLst>
               <a:ext uri="{FF2B5EF4-FFF2-40B4-BE49-F238E27FC236}">
-                <a16:creationId xmlns:a16="http://schemas.microsoft.com/office/drawing/2014/main" id="{76B932F3-0FBD-7C2B-D098-E3E489090A93}"/>
+                <a16:creationId xmlns:a16="http://schemas.microsoft.com/office/drawing/2014/main" id="{D0524868-72FE-A1F8-18D2-B8115426AB84}"/>
               </a:ext>
             </a:extLst>
           </p:cNvPr>
           <p:cNvPicPr>
-            <a:picLocks noChangeAspect="1" noChangeArrowheads="1"/>
+            <a:picLocks noChangeAspect="1"/>
           </p:cNvPicPr>
           <p:nvPr/>
         </p:nvPicPr>
         <p:blipFill>
-          <a:blip r:embed="rId4">
-            <a:extLst>
-              <a:ext uri="{28A0092B-C50C-407E-A947-70E740481C1C}">
-                <a14:useLocalDpi xmlns:a14="http://schemas.microsoft.com/office/drawing/2010/main" val="0"/>
-              </a:ext>
-            </a:extLst>
-          </a:blip>
-          <a:srcRect/>
+          <a:blip r:embed="rId4"/>
           <a:stretch>
             <a:fillRect/>
           </a:stretch>
         </p:blipFill>
-        <p:spPr bwMode="auto">
+        <p:spPr>
           <a:xfrm>
-            <a:off x="3547078" y="2780618"/>
-            <a:ext cx="6296025" cy="3618334"/>
+            <a:off x="1443587" y="2970144"/>
+            <a:ext cx="9304826" cy="3368332"/>
           </a:xfrm>
           <a:prstGeom prst="rect">
             <a:avLst/>
           </a:prstGeom>
-          <a:noFill/>
-          <a:extLst>
-            <a:ext uri="{909E8E84-426E-40DD-AFC4-6F175D3DCCD1}">
-              <a14:hiddenFill xmlns:a14="http://schemas.microsoft.com/office/drawing/2010/main">
-                <a:solidFill>
-                  <a:srgbClr val="FFFFFF"/>
-                </a:solidFill>
-              </a14:hiddenFill>
-            </a:ext>
-          </a:extLst>
         </p:spPr>
       </p:pic>
       <p:sp>
         <p:nvSpPr>
-          <p:cNvPr id="9" name="Oval 8">
+          <p:cNvPr id="9" name="כותרת 1">
             <a:extLst>
               <a:ext uri="{FF2B5EF4-FFF2-40B4-BE49-F238E27FC236}">
-                <a16:creationId xmlns:a16="http://schemas.microsoft.com/office/drawing/2014/main" id="{5F348188-86CF-27E6-C696-D57827BF0F69}"/>
+                <a16:creationId xmlns:a16="http://schemas.microsoft.com/office/drawing/2014/main" id="{3E5719DD-74E3-4FFC-110D-AA09F3AC549F}"/>
               </a:ext>
             </a:extLst>
           </p:cNvPr>
-          <p:cNvSpPr/>
-          <p:nvPr/>
+          <p:cNvSpPr>
+            <a:spLocks noGrp="1"/>
+          </p:cNvSpPr>
+          <p:nvPr>
+            <p:ph type="title"/>
+          </p:nvPr>
         </p:nvSpPr>
         <p:spPr>
           <a:xfrm>
-            <a:off x="3547078" y="3798135"/>
-            <a:ext cx="336708" cy="1219200"/>
+            <a:off x="1334812" y="748962"/>
+            <a:ext cx="5675588" cy="788916"/>
           </a:xfrm>
-          <a:prstGeom prst="ellipse">
-            <a:avLst/>
-          </a:prstGeom>
-          <a:noFill/>
-          <a:ln>
-            <a:solidFill>
-              <a:srgbClr val="FF0000"/>
-            </a:solidFill>
-          </a:ln>
         </p:spPr>
-        <p:style>
-          <a:lnRef idx="2">
-            <a:schemeClr val="accent1">
-              <a:shade val="15000"/>
-            </a:schemeClr>
-          </a:lnRef>
-          <a:fillRef idx="1">
-            <a:schemeClr val="accent1"/>
-          </a:fillRef>
-          <a:effectRef idx="0">
-            <a:schemeClr val="accent1"/>
-          </a:effectRef>
-          <a:fontRef idx="minor">
-            <a:schemeClr val="lt1"/>
-          </a:fontRef>
-        </p:style>
-        <p:txBody>
-          <a:bodyPr rtlCol="0" anchor="ctr"/>
+        <p:txBody>
+          <a:bodyPr>
+            <a:noAutofit/>
+          </a:bodyPr>
           <a:lstStyle/>
           <a:p>
-            <a:pPr algn="ctr"/>
-            <a:endParaRPr lang="en-US"/>
-          </a:p>
-        </p:txBody>
-      </p:sp>
-      <p:cxnSp>
-        <p:nvCxnSpPr>
-          <p:cNvPr id="3" name="Straight Arrow Connector 2">
-            <a:extLst>
-              <a:ext uri="{FF2B5EF4-FFF2-40B4-BE49-F238E27FC236}">
-                <a16:creationId xmlns:a16="http://schemas.microsoft.com/office/drawing/2014/main" id="{5ED6FCA2-D19E-9F22-E3B8-1DD40ADD3A94}"/>
-              </a:ext>
-            </a:extLst>
-          </p:cNvPr>
-          <p:cNvCxnSpPr>
-            <a:cxnSpLocks/>
-          </p:cNvCxnSpPr>
-          <p:nvPr/>
-        </p:nvCxnSpPr>
-        <p:spPr>
-          <a:xfrm flipV="1">
-            <a:off x="4006491" y="5943284"/>
-            <a:ext cx="119368" cy="311402"/>
-          </a:xfrm>
-          <a:prstGeom prst="straightConnector1">
-            <a:avLst/>
-          </a:prstGeom>
-          <a:ln w="9525" cap="flat" cmpd="sng" algn="ctr">
-            <a:solidFill>
-              <a:srgbClr val="FF0000"/>
-            </a:solidFill>
-            <a:prstDash val="solid"/>
-            <a:round/>
-            <a:headEnd type="none" w="med" len="med"/>
-            <a:tailEnd type="arrow" w="med" len="med"/>
-          </a:ln>
-        </p:spPr>
-        <p:style>
-          <a:lnRef idx="0">
-            <a:scrgbClr r="0" g="0" b="0"/>
-          </a:lnRef>
-          <a:fillRef idx="0">
-            <a:scrgbClr r="0" g="0" b="0"/>
-          </a:fillRef>
-          <a:effectRef idx="0">
-            <a:scrgbClr r="0" g="0" b="0"/>
-          </a:effectRef>
-          <a:fontRef idx="minor">
-            <a:schemeClr val="tx1"/>
-          </a:fontRef>
-        </p:style>
-      </p:cxnSp>
+            <a:pPr algn="l" rtl="0"/>
+            <a:r>
+              <a:rPr lang="en-US" sz="5100" b="1" dirty="0">
+                <a:cs typeface="+mn-cs"/>
+              </a:rPr>
+              <a:t>Data Analysis (cont.):</a:t>
+            </a:r>
+          </a:p>
+        </p:txBody>
+      </p:sp>
     </p:spTree>
     <p:extLst>
       <p:ext uri="{BB962C8B-B14F-4D97-AF65-F5344CB8AC3E}">
-        <p14:creationId xmlns:p14="http://schemas.microsoft.com/office/powerpoint/2010/main" val="558379904"/>
+        <p14:creationId xmlns:p14="http://schemas.microsoft.com/office/powerpoint/2010/main" val="782542545"/>
       </p:ext>
     </p:extLst>
   </p:cSld>
@@ -6987,38 +7907,6 @@
           <a:chExt cx="0" cy="0"/>
         </a:xfrm>
       </p:grpSpPr>
-      <p:sp>
-        <p:nvSpPr>
-          <p:cNvPr id="2" name="כותרת 1"/>
-          <p:cNvSpPr>
-            <a:spLocks noGrp="1"/>
-          </p:cNvSpPr>
-          <p:nvPr>
-            <p:ph type="title"/>
-          </p:nvPr>
-        </p:nvSpPr>
-        <p:spPr>
-          <a:xfrm>
-            <a:off x="1334812" y="748962"/>
-            <a:ext cx="3846787" cy="788916"/>
-          </a:xfrm>
-        </p:spPr>
-        <p:txBody>
-          <a:bodyPr>
-            <a:noAutofit/>
-          </a:bodyPr>
-          <a:lstStyle/>
-          <a:p>
-            <a:pPr algn="l" rtl="0"/>
-            <a:r>
-              <a:rPr lang="en-US" sz="5100" b="1" dirty="0">
-                <a:cs typeface="+mn-cs"/>
-              </a:rPr>
-              <a:t>Data Analysis:</a:t>
-            </a:r>
-          </a:p>
-        </p:txBody>
-      </p:sp>
       <p:pic>
         <p:nvPicPr>
           <p:cNvPr id="8" name="Picture 8" descr="File:Hebrew University Logo.svg - Wikimedia Commons"/>
@@ -7284,7 +8172,7 @@
         </p:nvSpPr>
         <p:spPr>
           <a:xfrm>
-            <a:off x="1334812" y="1724309"/>
+            <a:off x="1334812" y="1641978"/>
             <a:ext cx="10131974" cy="788916"/>
           </a:xfrm>
           <a:prstGeom prst="rect">
@@ -7317,44 +8205,29 @@
           <a:p>
             <a:pPr algn="l" rtl="0"/>
             <a:r>
-              <a:rPr lang="en-US" sz="2900" b="1" dirty="0">
+              <a:rPr lang="en-US" sz="2800" b="1" dirty="0">
                 <a:cs typeface="+mn-cs"/>
               </a:rPr>
-              <a:t>Route B:</a:t>
+              <a:t>Route B: </a:t>
             </a:r>
           </a:p>
           <a:p>
             <a:pPr algn="l" rtl="0"/>
             <a:r>
-              <a:rPr lang="en-US" sz="2900" b="1" dirty="0">
+              <a:rPr lang="en-US" sz="2800" b="1" dirty="0">
                 <a:cs typeface="+mn-cs"/>
               </a:rPr>
-              <a:t>Analyzing the entire filtered Properties’ population</a:t>
-            </a:r>
-          </a:p>
-          <a:p>
-            <a:pPr algn="l" rtl="0"/>
-            <a:r>
-              <a:rPr lang="en-US" sz="2900" b="1" u="sng" dirty="0">
-                <a:cs typeface="+mn-cs"/>
-              </a:rPr>
-              <a:t>Remark</a:t>
-            </a:r>
-            <a:r>
-              <a:rPr lang="en-US" sz="2900" b="1" dirty="0">
-                <a:cs typeface="+mn-cs"/>
-              </a:rPr>
-              <a:t>: The depended variable on the x-axis for convenience </a:t>
+              <a:t>Analyzing the entire filtered Properties’ population (outliers’ removal)</a:t>
             </a:r>
           </a:p>
         </p:txBody>
       </p:sp>
       <p:pic>
         <p:nvPicPr>
-          <p:cNvPr id="4100" name="Picture 4">
+          <p:cNvPr id="5122" name="Picture 2">
             <a:extLst>
               <a:ext uri="{FF2B5EF4-FFF2-40B4-BE49-F238E27FC236}">
-                <a16:creationId xmlns:a16="http://schemas.microsoft.com/office/drawing/2014/main" id="{9FB6DDFE-D9FF-269F-DF80-14FC5C24221E}"/>
+                <a16:creationId xmlns:a16="http://schemas.microsoft.com/office/drawing/2014/main" id="{394EB2A7-200B-C81C-9330-4A377C022766}"/>
               </a:ext>
             </a:extLst>
           </p:cNvPr>
@@ -7378,8 +8251,8 @@
         </p:blipFill>
         <p:spPr bwMode="auto">
           <a:xfrm>
-            <a:off x="3909599" y="2699657"/>
-            <a:ext cx="5400675" cy="3531238"/>
+            <a:off x="1537796" y="2571028"/>
+            <a:ext cx="6271390" cy="3425526"/>
           </a:xfrm>
           <a:prstGeom prst="rect">
             <a:avLst/>
@@ -7401,7 +8274,7 @@
           <p:cNvPr id="9" name="Oval 8">
             <a:extLst>
               <a:ext uri="{FF2B5EF4-FFF2-40B4-BE49-F238E27FC236}">
-                <a16:creationId xmlns:a16="http://schemas.microsoft.com/office/drawing/2014/main" id="{5F348188-86CF-27E6-C696-D57827BF0F69}"/>
+                <a16:creationId xmlns:a16="http://schemas.microsoft.com/office/drawing/2014/main" id="{31C22BAA-1001-479E-9971-E279C3CE9891}"/>
               </a:ext>
             </a:extLst>
           </p:cNvPr>
@@ -7410,8 +8283,8 @@
         </p:nvSpPr>
         <p:spPr>
           <a:xfrm>
-            <a:off x="3909599" y="3703369"/>
-            <a:ext cx="273269" cy="1219200"/>
+            <a:off x="1537796" y="3625167"/>
+            <a:ext cx="248963" cy="1062447"/>
           </a:xfrm>
           <a:prstGeom prst="ellipse">
             <a:avLst/>
@@ -7448,10 +8321,205 @@
           </a:p>
         </p:txBody>
       </p:sp>
+      <p:cxnSp>
+        <p:nvCxnSpPr>
+          <p:cNvPr id="7" name="Straight Arrow Connector 6">
+            <a:extLst>
+              <a:ext uri="{FF2B5EF4-FFF2-40B4-BE49-F238E27FC236}">
+                <a16:creationId xmlns:a16="http://schemas.microsoft.com/office/drawing/2014/main" id="{F6B3E1C9-0FBD-4307-24CB-C4885784657B}"/>
+              </a:ext>
+            </a:extLst>
+          </p:cNvPr>
+          <p:cNvCxnSpPr>
+            <a:cxnSpLocks/>
+          </p:cNvCxnSpPr>
+          <p:nvPr/>
+        </p:nvCxnSpPr>
+        <p:spPr>
+          <a:xfrm flipV="1">
+            <a:off x="3149817" y="5512861"/>
+            <a:ext cx="119368" cy="311402"/>
+          </a:xfrm>
+          <a:prstGeom prst="straightConnector1">
+            <a:avLst/>
+          </a:prstGeom>
+          <a:ln w="9525" cap="flat" cmpd="sng" algn="ctr">
+            <a:solidFill>
+              <a:srgbClr val="FF0000"/>
+            </a:solidFill>
+            <a:prstDash val="solid"/>
+            <a:round/>
+            <a:headEnd type="none" w="med" len="med"/>
+            <a:tailEnd type="arrow" w="med" len="med"/>
+          </a:ln>
+        </p:spPr>
+        <p:style>
+          <a:lnRef idx="0">
+            <a:scrgbClr r="0" g="0" b="0"/>
+          </a:lnRef>
+          <a:fillRef idx="0">
+            <a:scrgbClr r="0" g="0" b="0"/>
+          </a:fillRef>
+          <a:effectRef idx="0">
+            <a:scrgbClr r="0" g="0" b="0"/>
+          </a:effectRef>
+          <a:fontRef idx="minor">
+            <a:schemeClr val="tx1"/>
+          </a:fontRef>
+        </p:style>
+      </p:cxnSp>
+      <p:sp>
+        <p:nvSpPr>
+          <p:cNvPr id="6" name="TextBox 5">
+            <a:extLst>
+              <a:ext uri="{FF2B5EF4-FFF2-40B4-BE49-F238E27FC236}">
+                <a16:creationId xmlns:a16="http://schemas.microsoft.com/office/drawing/2014/main" id="{89B15779-F0A9-336B-B15B-9FD98824ADE2}"/>
+              </a:ext>
+            </a:extLst>
+          </p:cNvPr>
+          <p:cNvSpPr txBox="1"/>
+          <p:nvPr/>
+        </p:nvSpPr>
+        <p:spPr>
+          <a:xfrm>
+            <a:off x="8198071" y="3102686"/>
+            <a:ext cx="2659117" cy="1754326"/>
+          </a:xfrm>
+          <a:prstGeom prst="rect">
+            <a:avLst/>
+          </a:prstGeom>
+          <a:noFill/>
+          <a:ln w="38100">
+            <a:solidFill>
+              <a:srgbClr val="00B0F0"/>
+            </a:solidFill>
+          </a:ln>
+        </p:spPr>
+        <p:txBody>
+          <a:bodyPr wrap="square" rtlCol="0">
+            <a:spAutoFit/>
+          </a:bodyPr>
+          <a:lstStyle/>
+          <a:p>
+            <a:pPr algn="just" rtl="0"/>
+            <a:r>
+              <a:rPr lang="en-US" u="sng" dirty="0"/>
+              <a:t>Conclusion</a:t>
+            </a:r>
+            <a:r>
+              <a:rPr lang="en-US" dirty="0"/>
+              <a:t>:</a:t>
+            </a:r>
+          </a:p>
+          <a:p>
+            <a:pPr algn="just" rtl="0"/>
+            <a:r>
+              <a:rPr lang="en-US" dirty="0"/>
+              <a:t>The Type of the properties with the highest Forecasted Revenue in the Coming Year is </a:t>
+            </a:r>
+            <a:r>
+              <a:rPr lang="en-US" u="sng" dirty="0"/>
+              <a:t>Entire home</a:t>
+            </a:r>
+            <a:r>
+              <a:rPr lang="en-US" dirty="0"/>
+              <a:t>. </a:t>
+            </a:r>
+          </a:p>
+        </p:txBody>
+      </p:sp>
+      <p:sp>
+        <p:nvSpPr>
+          <p:cNvPr id="11" name="כותרת 1">
+            <a:extLst>
+              <a:ext uri="{FF2B5EF4-FFF2-40B4-BE49-F238E27FC236}">
+                <a16:creationId xmlns:a16="http://schemas.microsoft.com/office/drawing/2014/main" id="{57C01C23-E27D-11FF-8E31-CFF0AEA0737C}"/>
+              </a:ext>
+            </a:extLst>
+          </p:cNvPr>
+          <p:cNvSpPr>
+            <a:spLocks noGrp="1"/>
+          </p:cNvSpPr>
+          <p:nvPr>
+            <p:ph type="title"/>
+          </p:nvPr>
+        </p:nvSpPr>
+        <p:spPr>
+          <a:xfrm>
+            <a:off x="1334812" y="748962"/>
+            <a:ext cx="5675588" cy="788916"/>
+          </a:xfrm>
+        </p:spPr>
+        <p:txBody>
+          <a:bodyPr>
+            <a:noAutofit/>
+          </a:bodyPr>
+          <a:lstStyle/>
+          <a:p>
+            <a:pPr algn="l" rtl="0"/>
+            <a:r>
+              <a:rPr lang="en-US" sz="5100" b="1" dirty="0">
+                <a:cs typeface="+mn-cs"/>
+              </a:rPr>
+              <a:t>Data Analysis (cont.):</a:t>
+            </a:r>
+          </a:p>
+        </p:txBody>
+      </p:sp>
+      <p:sp>
+        <p:nvSpPr>
+          <p:cNvPr id="12" name="TextBox 11">
+            <a:extLst>
+              <a:ext uri="{FF2B5EF4-FFF2-40B4-BE49-F238E27FC236}">
+                <a16:creationId xmlns:a16="http://schemas.microsoft.com/office/drawing/2014/main" id="{5C28E680-F53A-EE64-71AF-B6A116724CA6}"/>
+              </a:ext>
+            </a:extLst>
+          </p:cNvPr>
+          <p:cNvSpPr txBox="1"/>
+          <p:nvPr/>
+        </p:nvSpPr>
+        <p:spPr>
+          <a:xfrm>
+            <a:off x="1537796" y="6008139"/>
+            <a:ext cx="6258910" cy="369332"/>
+          </a:xfrm>
+          <a:prstGeom prst="rect">
+            <a:avLst/>
+          </a:prstGeom>
+          <a:noFill/>
+        </p:spPr>
+        <p:txBody>
+          <a:bodyPr wrap="square" rtlCol="0">
+            <a:spAutoFit/>
+          </a:bodyPr>
+          <a:lstStyle/>
+          <a:p>
+            <a:pPr algn="l" rtl="0"/>
+            <a:r>
+              <a:rPr lang="en-US" sz="1600" u="sng" dirty="0">
+                <a:cs typeface="+mn-cs"/>
+              </a:rPr>
+              <a:t>Remark</a:t>
+            </a:r>
+            <a:r>
+              <a:rPr lang="en-US" sz="1600" dirty="0">
+                <a:cs typeface="+mn-cs"/>
+              </a:rPr>
+              <a:t>: The</a:t>
+            </a:r>
+            <a:r>
+              <a:rPr lang="en-US" sz="1800" dirty="0">
+                <a:cs typeface="+mn-cs"/>
+              </a:rPr>
+              <a:t> depended variable on the x-axis for convenience </a:t>
+            </a:r>
+          </a:p>
+        </p:txBody>
+      </p:sp>
     </p:spTree>
     <p:extLst>
       <p:ext uri="{BB962C8B-B14F-4D97-AF65-F5344CB8AC3E}">
-        <p14:creationId xmlns:p14="http://schemas.microsoft.com/office/powerpoint/2010/main" val="3560181366"/>
+        <p14:creationId xmlns:p14="http://schemas.microsoft.com/office/powerpoint/2010/main" val="2365412575"/>
       </p:ext>
     </p:extLst>
   </p:cSld>
@@ -7478,38 +8546,6 @@
           <a:chExt cx="0" cy="0"/>
         </a:xfrm>
       </p:grpSpPr>
-      <p:sp>
-        <p:nvSpPr>
-          <p:cNvPr id="2" name="כותרת 1"/>
-          <p:cNvSpPr>
-            <a:spLocks noGrp="1"/>
-          </p:cNvSpPr>
-          <p:nvPr>
-            <p:ph type="title"/>
-          </p:nvPr>
-        </p:nvSpPr>
-        <p:spPr>
-          <a:xfrm>
-            <a:off x="1187668" y="1480611"/>
-            <a:ext cx="3846787" cy="788916"/>
-          </a:xfrm>
-        </p:spPr>
-        <p:txBody>
-          <a:bodyPr>
-            <a:noAutofit/>
-          </a:bodyPr>
-          <a:lstStyle/>
-          <a:p>
-            <a:pPr algn="l" rtl="0"/>
-            <a:r>
-              <a:rPr lang="en-US" sz="5100" b="1" dirty="0">
-                <a:cs typeface="+mn-cs"/>
-              </a:rPr>
-              <a:t>Conclusion:</a:t>
-            </a:r>
-          </a:p>
-        </p:txBody>
-      </p:sp>
       <p:pic>
         <p:nvPicPr>
           <p:cNvPr id="8" name="Picture 8" descr="File:Hebrew University Logo.svg - Wikimedia Commons"/>
@@ -7553,6 +8589,1896 @@
       </p:pic>
       <p:sp>
         <p:nvSpPr>
+          <p:cNvPr id="5" name="Content Placeholder 21">
+            <a:extLst>
+              <a:ext uri="{FF2B5EF4-FFF2-40B4-BE49-F238E27FC236}">
+                <a16:creationId xmlns:a16="http://schemas.microsoft.com/office/drawing/2014/main" id="{6A87851E-57F1-0ADA-ECE1-00AC36696523}"/>
+              </a:ext>
+            </a:extLst>
+          </p:cNvPr>
+          <p:cNvSpPr txBox="1">
+            <a:spLocks/>
+          </p:cNvSpPr>
+          <p:nvPr/>
+        </p:nvSpPr>
+        <p:spPr>
+          <a:xfrm>
+            <a:off x="1287515" y="1572350"/>
+            <a:ext cx="10226567" cy="4883943"/>
+          </a:xfrm>
+          <a:prstGeom prst="rect">
+            <a:avLst/>
+          </a:prstGeom>
+          <a:ln w="50800">
+            <a:solidFill>
+              <a:schemeClr val="accent1"/>
+            </a:solidFill>
+          </a:ln>
+        </p:spPr>
+        <p:txBody>
+          <a:bodyPr vert="horz" lIns="91440" tIns="45720" rIns="91440" bIns="45720" rtlCol="1">
+            <a:normAutofit/>
+          </a:bodyPr>
+          <a:lstStyle>
+            <a:lvl1pPr marL="228600" indent="-228600" algn="r" defTabSz="914400" rtl="1" eaLnBrk="1" latinLnBrk="0" hangingPunct="1">
+              <a:lnSpc>
+                <a:spcPct val="90000"/>
+              </a:lnSpc>
+              <a:spcBef>
+                <a:spcPts val="1000"/>
+              </a:spcBef>
+              <a:buFont typeface="Arial" panose="020B0604020202020204" pitchFamily="34" charset="0"/>
+              <a:buChar char="•"/>
+              <a:defRPr sz="2800" kern="1200">
+                <a:solidFill>
+                  <a:schemeClr val="tx1"/>
+                </a:solidFill>
+                <a:latin typeface="+mn-lt"/>
+                <a:ea typeface="+mn-ea"/>
+                <a:cs typeface="+mn-cs"/>
+              </a:defRPr>
+            </a:lvl1pPr>
+            <a:lvl2pPr marL="685800" indent="-228600" algn="r" defTabSz="914400" rtl="1" eaLnBrk="1" latinLnBrk="0" hangingPunct="1">
+              <a:lnSpc>
+                <a:spcPct val="90000"/>
+              </a:lnSpc>
+              <a:spcBef>
+                <a:spcPts val="500"/>
+              </a:spcBef>
+              <a:buFont typeface="Arial" panose="020B0604020202020204" pitchFamily="34" charset="0"/>
+              <a:buChar char="•"/>
+              <a:defRPr sz="2400" kern="1200">
+                <a:solidFill>
+                  <a:schemeClr val="tx1"/>
+                </a:solidFill>
+                <a:latin typeface="+mn-lt"/>
+                <a:ea typeface="+mn-ea"/>
+                <a:cs typeface="+mn-cs"/>
+              </a:defRPr>
+            </a:lvl2pPr>
+            <a:lvl3pPr marL="1143000" indent="-228600" algn="r" defTabSz="914400" rtl="1" eaLnBrk="1" latinLnBrk="0" hangingPunct="1">
+              <a:lnSpc>
+                <a:spcPct val="90000"/>
+              </a:lnSpc>
+              <a:spcBef>
+                <a:spcPts val="500"/>
+              </a:spcBef>
+              <a:buFont typeface="Arial" panose="020B0604020202020204" pitchFamily="34" charset="0"/>
+              <a:buChar char="•"/>
+              <a:defRPr sz="2000" kern="1200">
+                <a:solidFill>
+                  <a:schemeClr val="tx1"/>
+                </a:solidFill>
+                <a:latin typeface="+mn-lt"/>
+                <a:ea typeface="+mn-ea"/>
+                <a:cs typeface="+mn-cs"/>
+              </a:defRPr>
+            </a:lvl3pPr>
+            <a:lvl4pPr marL="1600200" indent="-228600" algn="r" defTabSz="914400" rtl="1" eaLnBrk="1" latinLnBrk="0" hangingPunct="1">
+              <a:lnSpc>
+                <a:spcPct val="90000"/>
+              </a:lnSpc>
+              <a:spcBef>
+                <a:spcPts val="500"/>
+              </a:spcBef>
+              <a:buFont typeface="Arial" panose="020B0604020202020204" pitchFamily="34" charset="0"/>
+              <a:buChar char="•"/>
+              <a:defRPr sz="1800" kern="1200">
+                <a:solidFill>
+                  <a:schemeClr val="tx1"/>
+                </a:solidFill>
+                <a:latin typeface="+mn-lt"/>
+                <a:ea typeface="+mn-ea"/>
+                <a:cs typeface="+mn-cs"/>
+              </a:defRPr>
+            </a:lvl4pPr>
+            <a:lvl5pPr marL="2057400" indent="-228600" algn="r" defTabSz="914400" rtl="1" eaLnBrk="1" latinLnBrk="0" hangingPunct="1">
+              <a:lnSpc>
+                <a:spcPct val="90000"/>
+              </a:lnSpc>
+              <a:spcBef>
+                <a:spcPts val="500"/>
+              </a:spcBef>
+              <a:buFont typeface="Arial" panose="020B0604020202020204" pitchFamily="34" charset="0"/>
+              <a:buChar char="•"/>
+              <a:defRPr sz="1800" kern="1200">
+                <a:solidFill>
+                  <a:schemeClr val="tx1"/>
+                </a:solidFill>
+                <a:latin typeface="+mn-lt"/>
+                <a:ea typeface="+mn-ea"/>
+                <a:cs typeface="+mn-cs"/>
+              </a:defRPr>
+            </a:lvl5pPr>
+            <a:lvl6pPr marL="2514600" indent="-228600" algn="r" defTabSz="914400" rtl="1" eaLnBrk="1" latinLnBrk="0" hangingPunct="1">
+              <a:lnSpc>
+                <a:spcPct val="90000"/>
+              </a:lnSpc>
+              <a:spcBef>
+                <a:spcPts val="500"/>
+              </a:spcBef>
+              <a:buFont typeface="Arial" panose="020B0604020202020204" pitchFamily="34" charset="0"/>
+              <a:buChar char="•"/>
+              <a:defRPr sz="1800" kern="1200">
+                <a:solidFill>
+                  <a:schemeClr val="tx1"/>
+                </a:solidFill>
+                <a:latin typeface="+mn-lt"/>
+                <a:ea typeface="+mn-ea"/>
+                <a:cs typeface="+mn-cs"/>
+              </a:defRPr>
+            </a:lvl6pPr>
+            <a:lvl7pPr marL="2971800" indent="-228600" algn="r" defTabSz="914400" rtl="1" eaLnBrk="1" latinLnBrk="0" hangingPunct="1">
+              <a:lnSpc>
+                <a:spcPct val="90000"/>
+              </a:lnSpc>
+              <a:spcBef>
+                <a:spcPts val="500"/>
+              </a:spcBef>
+              <a:buFont typeface="Arial" panose="020B0604020202020204" pitchFamily="34" charset="0"/>
+              <a:buChar char="•"/>
+              <a:defRPr sz="1800" kern="1200">
+                <a:solidFill>
+                  <a:schemeClr val="tx1"/>
+                </a:solidFill>
+                <a:latin typeface="+mn-lt"/>
+                <a:ea typeface="+mn-ea"/>
+                <a:cs typeface="+mn-cs"/>
+              </a:defRPr>
+            </a:lvl7pPr>
+            <a:lvl8pPr marL="3429000" indent="-228600" algn="r" defTabSz="914400" rtl="1" eaLnBrk="1" latinLnBrk="0" hangingPunct="1">
+              <a:lnSpc>
+                <a:spcPct val="90000"/>
+              </a:lnSpc>
+              <a:spcBef>
+                <a:spcPts val="500"/>
+              </a:spcBef>
+              <a:buFont typeface="Arial" panose="020B0604020202020204" pitchFamily="34" charset="0"/>
+              <a:buChar char="•"/>
+              <a:defRPr sz="1800" kern="1200">
+                <a:solidFill>
+                  <a:schemeClr val="tx1"/>
+                </a:solidFill>
+                <a:latin typeface="+mn-lt"/>
+                <a:ea typeface="+mn-ea"/>
+                <a:cs typeface="+mn-cs"/>
+              </a:defRPr>
+            </a:lvl8pPr>
+            <a:lvl9pPr marL="3886200" indent="-228600" algn="r" defTabSz="914400" rtl="1" eaLnBrk="1" latinLnBrk="0" hangingPunct="1">
+              <a:lnSpc>
+                <a:spcPct val="90000"/>
+              </a:lnSpc>
+              <a:spcBef>
+                <a:spcPts val="500"/>
+              </a:spcBef>
+              <a:buFont typeface="Arial" panose="020B0604020202020204" pitchFamily="34" charset="0"/>
+              <a:buChar char="•"/>
+              <a:defRPr sz="1800" kern="1200">
+                <a:solidFill>
+                  <a:schemeClr val="tx1"/>
+                </a:solidFill>
+                <a:latin typeface="+mn-lt"/>
+                <a:ea typeface="+mn-ea"/>
+                <a:cs typeface="+mn-cs"/>
+              </a:defRPr>
+            </a:lvl9pPr>
+          </a:lstStyle>
+          <a:p>
+            <a:pPr marL="0" indent="0" algn="l" rtl="0">
+              <a:lnSpc>
+                <a:spcPct val="100000"/>
+              </a:lnSpc>
+              <a:buFont typeface="Arial" panose="020B0604020202020204" pitchFamily="34" charset="0"/>
+              <a:buNone/>
+            </a:pPr>
+            <a:endParaRPr lang="he-IL" dirty="0"/>
+          </a:p>
+        </p:txBody>
+      </p:sp>
+      <p:sp>
+        <p:nvSpPr>
+          <p:cNvPr id="4" name="כותרת 1">
+            <a:extLst>
+              <a:ext uri="{FF2B5EF4-FFF2-40B4-BE49-F238E27FC236}">
+                <a16:creationId xmlns:a16="http://schemas.microsoft.com/office/drawing/2014/main" id="{18C13FE4-332D-2C92-6AF2-2F31660F39AF}"/>
+              </a:ext>
+            </a:extLst>
+          </p:cNvPr>
+          <p:cNvSpPr txBox="1">
+            <a:spLocks/>
+          </p:cNvSpPr>
+          <p:nvPr/>
+        </p:nvSpPr>
+        <p:spPr>
+          <a:xfrm>
+            <a:off x="1382108" y="1699724"/>
+            <a:ext cx="10131974" cy="788916"/>
+          </a:xfrm>
+          <a:prstGeom prst="rect">
+            <a:avLst/>
+          </a:prstGeom>
+        </p:spPr>
+        <p:txBody>
+          <a:bodyPr vert="horz" lIns="91440" tIns="45720" rIns="91440" bIns="45720" rtlCol="1" anchor="ctr">
+            <a:noAutofit/>
+          </a:bodyPr>
+          <a:lstStyle>
+            <a:lvl1pPr algn="r" defTabSz="914400" rtl="1" eaLnBrk="1" latinLnBrk="0" hangingPunct="1">
+              <a:lnSpc>
+                <a:spcPct val="90000"/>
+              </a:lnSpc>
+              <a:spcBef>
+                <a:spcPct val="0"/>
+              </a:spcBef>
+              <a:buNone/>
+              <a:defRPr sz="4400" kern="1200">
+                <a:solidFill>
+                  <a:schemeClr val="tx1"/>
+                </a:solidFill>
+                <a:latin typeface="+mj-lt"/>
+                <a:ea typeface="+mj-ea"/>
+                <a:cs typeface="+mj-cs"/>
+              </a:defRPr>
+            </a:lvl1pPr>
+          </a:lstStyle>
+          <a:p>
+            <a:pPr algn="l" rtl="0"/>
+            <a:r>
+              <a:rPr lang="en-US" sz="2800" b="1" dirty="0">
+                <a:cs typeface="+mn-cs"/>
+              </a:rPr>
+              <a:t>Route B:</a:t>
+            </a:r>
+          </a:p>
+          <a:p>
+            <a:pPr algn="l" rtl="0"/>
+            <a:r>
+              <a:rPr lang="en-US" sz="2800" b="1" dirty="0">
+                <a:cs typeface="+mn-cs"/>
+              </a:rPr>
+              <a:t>Analyzing the entire filtered Properties’ population (outliers’ removal)</a:t>
+            </a:r>
+          </a:p>
+        </p:txBody>
+      </p:sp>
+      <p:pic>
+        <p:nvPicPr>
+          <p:cNvPr id="3076" name="Picture 4">
+            <a:extLst>
+              <a:ext uri="{FF2B5EF4-FFF2-40B4-BE49-F238E27FC236}">
+                <a16:creationId xmlns:a16="http://schemas.microsoft.com/office/drawing/2014/main" id="{76B932F3-0FBD-7C2B-D098-E3E489090A93}"/>
+              </a:ext>
+            </a:extLst>
+          </p:cNvPr>
+          <p:cNvPicPr>
+            <a:picLocks noChangeAspect="1" noChangeArrowheads="1"/>
+          </p:cNvPicPr>
+          <p:nvPr/>
+        </p:nvPicPr>
+        <p:blipFill>
+          <a:blip r:embed="rId4">
+            <a:extLst>
+              <a:ext uri="{28A0092B-C50C-407E-A947-70E740481C1C}">
+                <a14:useLocalDpi xmlns:a14="http://schemas.microsoft.com/office/drawing/2010/main" val="0"/>
+              </a:ext>
+            </a:extLst>
+          </a:blip>
+          <a:srcRect/>
+          <a:stretch>
+            <a:fillRect/>
+          </a:stretch>
+        </p:blipFill>
+        <p:spPr bwMode="auto">
+          <a:xfrm>
+            <a:off x="1382108" y="2488640"/>
+            <a:ext cx="6296025" cy="3618334"/>
+          </a:xfrm>
+          <a:prstGeom prst="rect">
+            <a:avLst/>
+          </a:prstGeom>
+          <a:noFill/>
+          <a:extLst>
+            <a:ext uri="{909E8E84-426E-40DD-AFC4-6F175D3DCCD1}">
+              <a14:hiddenFill xmlns:a14="http://schemas.microsoft.com/office/drawing/2010/main">
+                <a:solidFill>
+                  <a:srgbClr val="FFFFFF"/>
+                </a:solidFill>
+              </a14:hiddenFill>
+            </a:ext>
+          </a:extLst>
+        </p:spPr>
+      </p:pic>
+      <p:sp>
+        <p:nvSpPr>
+          <p:cNvPr id="9" name="Oval 8">
+            <a:extLst>
+              <a:ext uri="{FF2B5EF4-FFF2-40B4-BE49-F238E27FC236}">
+                <a16:creationId xmlns:a16="http://schemas.microsoft.com/office/drawing/2014/main" id="{5F348188-86CF-27E6-C696-D57827BF0F69}"/>
+              </a:ext>
+            </a:extLst>
+          </p:cNvPr>
+          <p:cNvSpPr/>
+          <p:nvPr/>
+        </p:nvSpPr>
+        <p:spPr>
+          <a:xfrm>
+            <a:off x="1382108" y="3679706"/>
+            <a:ext cx="299547" cy="935420"/>
+          </a:xfrm>
+          <a:prstGeom prst="ellipse">
+            <a:avLst/>
+          </a:prstGeom>
+          <a:noFill/>
+          <a:ln>
+            <a:solidFill>
+              <a:srgbClr val="FF0000"/>
+            </a:solidFill>
+          </a:ln>
+        </p:spPr>
+        <p:style>
+          <a:lnRef idx="2">
+            <a:schemeClr val="accent1">
+              <a:shade val="15000"/>
+            </a:schemeClr>
+          </a:lnRef>
+          <a:fillRef idx="1">
+            <a:schemeClr val="accent1"/>
+          </a:fillRef>
+          <a:effectRef idx="0">
+            <a:schemeClr val="accent1"/>
+          </a:effectRef>
+          <a:fontRef idx="minor">
+            <a:schemeClr val="lt1"/>
+          </a:fontRef>
+        </p:style>
+        <p:txBody>
+          <a:bodyPr rtlCol="0" anchor="ctr"/>
+          <a:lstStyle/>
+          <a:p>
+            <a:pPr algn="ctr"/>
+            <a:endParaRPr lang="en-US"/>
+          </a:p>
+        </p:txBody>
+      </p:sp>
+      <p:cxnSp>
+        <p:nvCxnSpPr>
+          <p:cNvPr id="3" name="Straight Arrow Connector 2">
+            <a:extLst>
+              <a:ext uri="{FF2B5EF4-FFF2-40B4-BE49-F238E27FC236}">
+                <a16:creationId xmlns:a16="http://schemas.microsoft.com/office/drawing/2014/main" id="{5ED6FCA2-D19E-9F22-E3B8-1DD40ADD3A94}"/>
+              </a:ext>
+            </a:extLst>
+          </p:cNvPr>
+          <p:cNvCxnSpPr>
+            <a:cxnSpLocks/>
+          </p:cNvCxnSpPr>
+          <p:nvPr/>
+        </p:nvCxnSpPr>
+        <p:spPr>
+          <a:xfrm flipV="1">
+            <a:off x="2156671" y="5659047"/>
+            <a:ext cx="119368" cy="311402"/>
+          </a:xfrm>
+          <a:prstGeom prst="straightConnector1">
+            <a:avLst/>
+          </a:prstGeom>
+          <a:ln w="9525" cap="flat" cmpd="sng" algn="ctr">
+            <a:solidFill>
+              <a:srgbClr val="FF0000"/>
+            </a:solidFill>
+            <a:prstDash val="solid"/>
+            <a:round/>
+            <a:headEnd type="none" w="med" len="med"/>
+            <a:tailEnd type="arrow" w="med" len="med"/>
+          </a:ln>
+        </p:spPr>
+        <p:style>
+          <a:lnRef idx="0">
+            <a:scrgbClr r="0" g="0" b="0"/>
+          </a:lnRef>
+          <a:fillRef idx="0">
+            <a:scrgbClr r="0" g="0" b="0"/>
+          </a:fillRef>
+          <a:effectRef idx="0">
+            <a:scrgbClr r="0" g="0" b="0"/>
+          </a:effectRef>
+          <a:fontRef idx="minor">
+            <a:schemeClr val="tx1"/>
+          </a:fontRef>
+        </p:style>
+      </p:cxnSp>
+      <p:sp>
+        <p:nvSpPr>
+          <p:cNvPr id="6" name="TextBox 5">
+            <a:extLst>
+              <a:ext uri="{FF2B5EF4-FFF2-40B4-BE49-F238E27FC236}">
+                <a16:creationId xmlns:a16="http://schemas.microsoft.com/office/drawing/2014/main" id="{D9E465C7-EF80-F680-60B7-8E6FBA377A8A}"/>
+              </a:ext>
+            </a:extLst>
+          </p:cNvPr>
+          <p:cNvSpPr txBox="1"/>
+          <p:nvPr/>
+        </p:nvSpPr>
+        <p:spPr>
+          <a:xfrm>
+            <a:off x="8266549" y="3137158"/>
+            <a:ext cx="2659117" cy="1754326"/>
+          </a:xfrm>
+          <a:prstGeom prst="rect">
+            <a:avLst/>
+          </a:prstGeom>
+          <a:noFill/>
+          <a:ln w="38100">
+            <a:solidFill>
+              <a:srgbClr val="00B0F0"/>
+            </a:solidFill>
+          </a:ln>
+        </p:spPr>
+        <p:txBody>
+          <a:bodyPr wrap="square" rtlCol="0">
+            <a:spAutoFit/>
+          </a:bodyPr>
+          <a:lstStyle/>
+          <a:p>
+            <a:pPr algn="just" rtl="0"/>
+            <a:r>
+              <a:rPr lang="en-US" u="sng" dirty="0"/>
+              <a:t>Conclusion</a:t>
+            </a:r>
+            <a:r>
+              <a:rPr lang="en-US" dirty="0"/>
+              <a:t>:</a:t>
+            </a:r>
+          </a:p>
+          <a:p>
+            <a:pPr algn="just" rtl="0"/>
+            <a:r>
+              <a:rPr lang="en-US" dirty="0"/>
+              <a:t>The Room type of the properties with the highest Forecasted Revenue in the Coming Year is </a:t>
+            </a:r>
+            <a:r>
+              <a:rPr lang="en-US" u="sng" dirty="0"/>
+              <a:t>Entire home/apt</a:t>
+            </a:r>
+            <a:r>
+              <a:rPr lang="en-US" dirty="0"/>
+              <a:t>. </a:t>
+            </a:r>
+          </a:p>
+        </p:txBody>
+      </p:sp>
+      <p:sp>
+        <p:nvSpPr>
+          <p:cNvPr id="11" name="TextBox 10">
+            <a:extLst>
+              <a:ext uri="{FF2B5EF4-FFF2-40B4-BE49-F238E27FC236}">
+                <a16:creationId xmlns:a16="http://schemas.microsoft.com/office/drawing/2014/main" id="{A2D6DC08-58F4-9135-3D19-3E06754EFF2B}"/>
+              </a:ext>
+            </a:extLst>
+          </p:cNvPr>
+          <p:cNvSpPr txBox="1"/>
+          <p:nvPr/>
+        </p:nvSpPr>
+        <p:spPr>
+          <a:xfrm>
+            <a:off x="1472071" y="6025247"/>
+            <a:ext cx="6116098" cy="369332"/>
+          </a:xfrm>
+          <a:prstGeom prst="rect">
+            <a:avLst/>
+          </a:prstGeom>
+          <a:noFill/>
+        </p:spPr>
+        <p:txBody>
+          <a:bodyPr wrap="none" rtlCol="0">
+            <a:spAutoFit/>
+          </a:bodyPr>
+          <a:lstStyle/>
+          <a:p>
+            <a:pPr algn="l" rtl="0"/>
+            <a:r>
+              <a:rPr lang="en-US" sz="1800" u="sng" dirty="0">
+                <a:cs typeface="+mn-cs"/>
+              </a:rPr>
+              <a:t>Remark</a:t>
+            </a:r>
+            <a:r>
+              <a:rPr lang="en-US" sz="1800" dirty="0">
+                <a:cs typeface="+mn-cs"/>
+              </a:rPr>
+              <a:t>: The depended variable on the x-axis for convenience </a:t>
+            </a:r>
+          </a:p>
+        </p:txBody>
+      </p:sp>
+      <p:sp>
+        <p:nvSpPr>
+          <p:cNvPr id="12" name="כותרת 1">
+            <a:extLst>
+              <a:ext uri="{FF2B5EF4-FFF2-40B4-BE49-F238E27FC236}">
+                <a16:creationId xmlns:a16="http://schemas.microsoft.com/office/drawing/2014/main" id="{0D3F0D56-4484-5424-6C8D-C5DF336F365A}"/>
+              </a:ext>
+            </a:extLst>
+          </p:cNvPr>
+          <p:cNvSpPr>
+            <a:spLocks noGrp="1"/>
+          </p:cNvSpPr>
+          <p:nvPr>
+            <p:ph type="title"/>
+          </p:nvPr>
+        </p:nvSpPr>
+        <p:spPr>
+          <a:xfrm>
+            <a:off x="1334812" y="748962"/>
+            <a:ext cx="5675588" cy="788916"/>
+          </a:xfrm>
+        </p:spPr>
+        <p:txBody>
+          <a:bodyPr>
+            <a:noAutofit/>
+          </a:bodyPr>
+          <a:lstStyle/>
+          <a:p>
+            <a:pPr algn="l" rtl="0"/>
+            <a:r>
+              <a:rPr lang="en-US" sz="5100" b="1" dirty="0">
+                <a:cs typeface="+mn-cs"/>
+              </a:rPr>
+              <a:t>Data Analysis (cont.):</a:t>
+            </a:r>
+          </a:p>
+        </p:txBody>
+      </p:sp>
+    </p:spTree>
+    <p:extLst>
+      <p:ext uri="{BB962C8B-B14F-4D97-AF65-F5344CB8AC3E}">
+        <p14:creationId xmlns:p14="http://schemas.microsoft.com/office/powerpoint/2010/main" val="558379904"/>
+      </p:ext>
+    </p:extLst>
+  </p:cSld>
+  <p:clrMapOvr>
+    <a:masterClrMapping/>
+  </p:clrMapOvr>
+</p:sld>
+</file>
+
+<file path=ppt/slides/slide16.xml><?xml version="1.0" encoding="utf-8"?>
+<p:sld xmlns:a="http://schemas.openxmlformats.org/drawingml/2006/main" xmlns:r="http://schemas.openxmlformats.org/officeDocument/2006/relationships" xmlns:p="http://schemas.openxmlformats.org/presentationml/2006/main">
+  <p:cSld>
+    <p:spTree>
+      <p:nvGrpSpPr>
+        <p:cNvPr id="1" name=""/>
+        <p:cNvGrpSpPr/>
+        <p:nvPr/>
+      </p:nvGrpSpPr>
+      <p:grpSpPr>
+        <a:xfrm>
+          <a:off x="0" y="0"/>
+          <a:ext cx="0" cy="0"/>
+          <a:chOff x="0" y="0"/>
+          <a:chExt cx="0" cy="0"/>
+        </a:xfrm>
+      </p:grpSpPr>
+      <p:pic>
+        <p:nvPicPr>
+          <p:cNvPr id="8" name="Picture 8" descr="File:Hebrew University Logo.svg - Wikimedia Commons"/>
+          <p:cNvPicPr>
+            <a:picLocks noChangeAspect="1" noChangeArrowheads="1"/>
+          </p:cNvPicPr>
+          <p:nvPr/>
+        </p:nvPicPr>
+        <p:blipFill>
+          <a:blip r:embed="rId3" cstate="print">
+            <a:extLst>
+              <a:ext uri="{28A0092B-C50C-407E-A947-70E740481C1C}">
+                <a14:useLocalDpi xmlns:a14="http://schemas.microsoft.com/office/drawing/2010/main" val="0"/>
+              </a:ext>
+            </a:extLst>
+          </a:blip>
+          <a:srcRect/>
+          <a:stretch>
+            <a:fillRect/>
+          </a:stretch>
+        </p:blipFill>
+        <p:spPr bwMode="auto">
+          <a:xfrm>
+            <a:off x="275404" y="156177"/>
+            <a:ext cx="721108" cy="1324434"/>
+          </a:xfrm>
+          <a:prstGeom prst="rect">
+            <a:avLst/>
+          </a:prstGeom>
+          <a:noFill/>
+          <a:extLst>
+            <a:ext uri="{909E8E84-426E-40DD-AFC4-6F175D3DCCD1}">
+              <a14:hiddenFill xmlns:a14="http://schemas.microsoft.com/office/drawing/2010/main">
+                <a:solidFill>
+                  <a:srgbClr val="FFFFFF"/>
+                </a:solidFill>
+              </a14:hiddenFill>
+            </a:ext>
+          </a:extLst>
+        </p:spPr>
+      </p:pic>
+      <p:sp>
+        <p:nvSpPr>
+          <p:cNvPr id="5" name="Content Placeholder 21">
+            <a:extLst>
+              <a:ext uri="{FF2B5EF4-FFF2-40B4-BE49-F238E27FC236}">
+                <a16:creationId xmlns:a16="http://schemas.microsoft.com/office/drawing/2014/main" id="{6A87851E-57F1-0ADA-ECE1-00AC36696523}"/>
+              </a:ext>
+            </a:extLst>
+          </p:cNvPr>
+          <p:cNvSpPr txBox="1">
+            <a:spLocks/>
+          </p:cNvSpPr>
+          <p:nvPr/>
+        </p:nvSpPr>
+        <p:spPr>
+          <a:xfrm>
+            <a:off x="1334812" y="1537878"/>
+            <a:ext cx="10226567" cy="4883943"/>
+          </a:xfrm>
+          <a:prstGeom prst="rect">
+            <a:avLst/>
+          </a:prstGeom>
+          <a:ln w="50800">
+            <a:solidFill>
+              <a:schemeClr val="accent1"/>
+            </a:solidFill>
+          </a:ln>
+        </p:spPr>
+        <p:txBody>
+          <a:bodyPr vert="horz" lIns="91440" tIns="45720" rIns="91440" bIns="45720" rtlCol="1">
+            <a:normAutofit/>
+          </a:bodyPr>
+          <a:lstStyle>
+            <a:lvl1pPr marL="228600" indent="-228600" algn="r" defTabSz="914400" rtl="1" eaLnBrk="1" latinLnBrk="0" hangingPunct="1">
+              <a:lnSpc>
+                <a:spcPct val="90000"/>
+              </a:lnSpc>
+              <a:spcBef>
+                <a:spcPts val="1000"/>
+              </a:spcBef>
+              <a:buFont typeface="Arial" panose="020B0604020202020204" pitchFamily="34" charset="0"/>
+              <a:buChar char="•"/>
+              <a:defRPr sz="2800" kern="1200">
+                <a:solidFill>
+                  <a:schemeClr val="tx1"/>
+                </a:solidFill>
+                <a:latin typeface="+mn-lt"/>
+                <a:ea typeface="+mn-ea"/>
+                <a:cs typeface="+mn-cs"/>
+              </a:defRPr>
+            </a:lvl1pPr>
+            <a:lvl2pPr marL="685800" indent="-228600" algn="r" defTabSz="914400" rtl="1" eaLnBrk="1" latinLnBrk="0" hangingPunct="1">
+              <a:lnSpc>
+                <a:spcPct val="90000"/>
+              </a:lnSpc>
+              <a:spcBef>
+                <a:spcPts val="500"/>
+              </a:spcBef>
+              <a:buFont typeface="Arial" panose="020B0604020202020204" pitchFamily="34" charset="0"/>
+              <a:buChar char="•"/>
+              <a:defRPr sz="2400" kern="1200">
+                <a:solidFill>
+                  <a:schemeClr val="tx1"/>
+                </a:solidFill>
+                <a:latin typeface="+mn-lt"/>
+                <a:ea typeface="+mn-ea"/>
+                <a:cs typeface="+mn-cs"/>
+              </a:defRPr>
+            </a:lvl2pPr>
+            <a:lvl3pPr marL="1143000" indent="-228600" algn="r" defTabSz="914400" rtl="1" eaLnBrk="1" latinLnBrk="0" hangingPunct="1">
+              <a:lnSpc>
+                <a:spcPct val="90000"/>
+              </a:lnSpc>
+              <a:spcBef>
+                <a:spcPts val="500"/>
+              </a:spcBef>
+              <a:buFont typeface="Arial" panose="020B0604020202020204" pitchFamily="34" charset="0"/>
+              <a:buChar char="•"/>
+              <a:defRPr sz="2000" kern="1200">
+                <a:solidFill>
+                  <a:schemeClr val="tx1"/>
+                </a:solidFill>
+                <a:latin typeface="+mn-lt"/>
+                <a:ea typeface="+mn-ea"/>
+                <a:cs typeface="+mn-cs"/>
+              </a:defRPr>
+            </a:lvl3pPr>
+            <a:lvl4pPr marL="1600200" indent="-228600" algn="r" defTabSz="914400" rtl="1" eaLnBrk="1" latinLnBrk="0" hangingPunct="1">
+              <a:lnSpc>
+                <a:spcPct val="90000"/>
+              </a:lnSpc>
+              <a:spcBef>
+                <a:spcPts val="500"/>
+              </a:spcBef>
+              <a:buFont typeface="Arial" panose="020B0604020202020204" pitchFamily="34" charset="0"/>
+              <a:buChar char="•"/>
+              <a:defRPr sz="1800" kern="1200">
+                <a:solidFill>
+                  <a:schemeClr val="tx1"/>
+                </a:solidFill>
+                <a:latin typeface="+mn-lt"/>
+                <a:ea typeface="+mn-ea"/>
+                <a:cs typeface="+mn-cs"/>
+              </a:defRPr>
+            </a:lvl4pPr>
+            <a:lvl5pPr marL="2057400" indent="-228600" algn="r" defTabSz="914400" rtl="1" eaLnBrk="1" latinLnBrk="0" hangingPunct="1">
+              <a:lnSpc>
+                <a:spcPct val="90000"/>
+              </a:lnSpc>
+              <a:spcBef>
+                <a:spcPts val="500"/>
+              </a:spcBef>
+              <a:buFont typeface="Arial" panose="020B0604020202020204" pitchFamily="34" charset="0"/>
+              <a:buChar char="•"/>
+              <a:defRPr sz="1800" kern="1200">
+                <a:solidFill>
+                  <a:schemeClr val="tx1"/>
+                </a:solidFill>
+                <a:latin typeface="+mn-lt"/>
+                <a:ea typeface="+mn-ea"/>
+                <a:cs typeface="+mn-cs"/>
+              </a:defRPr>
+            </a:lvl5pPr>
+            <a:lvl6pPr marL="2514600" indent="-228600" algn="r" defTabSz="914400" rtl="1" eaLnBrk="1" latinLnBrk="0" hangingPunct="1">
+              <a:lnSpc>
+                <a:spcPct val="90000"/>
+              </a:lnSpc>
+              <a:spcBef>
+                <a:spcPts val="500"/>
+              </a:spcBef>
+              <a:buFont typeface="Arial" panose="020B0604020202020204" pitchFamily="34" charset="0"/>
+              <a:buChar char="•"/>
+              <a:defRPr sz="1800" kern="1200">
+                <a:solidFill>
+                  <a:schemeClr val="tx1"/>
+                </a:solidFill>
+                <a:latin typeface="+mn-lt"/>
+                <a:ea typeface="+mn-ea"/>
+                <a:cs typeface="+mn-cs"/>
+              </a:defRPr>
+            </a:lvl6pPr>
+            <a:lvl7pPr marL="2971800" indent="-228600" algn="r" defTabSz="914400" rtl="1" eaLnBrk="1" latinLnBrk="0" hangingPunct="1">
+              <a:lnSpc>
+                <a:spcPct val="90000"/>
+              </a:lnSpc>
+              <a:spcBef>
+                <a:spcPts val="500"/>
+              </a:spcBef>
+              <a:buFont typeface="Arial" panose="020B0604020202020204" pitchFamily="34" charset="0"/>
+              <a:buChar char="•"/>
+              <a:defRPr sz="1800" kern="1200">
+                <a:solidFill>
+                  <a:schemeClr val="tx1"/>
+                </a:solidFill>
+                <a:latin typeface="+mn-lt"/>
+                <a:ea typeface="+mn-ea"/>
+                <a:cs typeface="+mn-cs"/>
+              </a:defRPr>
+            </a:lvl7pPr>
+            <a:lvl8pPr marL="3429000" indent="-228600" algn="r" defTabSz="914400" rtl="1" eaLnBrk="1" latinLnBrk="0" hangingPunct="1">
+              <a:lnSpc>
+                <a:spcPct val="90000"/>
+              </a:lnSpc>
+              <a:spcBef>
+                <a:spcPts val="500"/>
+              </a:spcBef>
+              <a:buFont typeface="Arial" panose="020B0604020202020204" pitchFamily="34" charset="0"/>
+              <a:buChar char="•"/>
+              <a:defRPr sz="1800" kern="1200">
+                <a:solidFill>
+                  <a:schemeClr val="tx1"/>
+                </a:solidFill>
+                <a:latin typeface="+mn-lt"/>
+                <a:ea typeface="+mn-ea"/>
+                <a:cs typeface="+mn-cs"/>
+              </a:defRPr>
+            </a:lvl8pPr>
+            <a:lvl9pPr marL="3886200" indent="-228600" algn="r" defTabSz="914400" rtl="1" eaLnBrk="1" latinLnBrk="0" hangingPunct="1">
+              <a:lnSpc>
+                <a:spcPct val="90000"/>
+              </a:lnSpc>
+              <a:spcBef>
+                <a:spcPts val="500"/>
+              </a:spcBef>
+              <a:buFont typeface="Arial" panose="020B0604020202020204" pitchFamily="34" charset="0"/>
+              <a:buChar char="•"/>
+              <a:defRPr sz="1800" kern="1200">
+                <a:solidFill>
+                  <a:schemeClr val="tx1"/>
+                </a:solidFill>
+                <a:latin typeface="+mn-lt"/>
+                <a:ea typeface="+mn-ea"/>
+                <a:cs typeface="+mn-cs"/>
+              </a:defRPr>
+            </a:lvl9pPr>
+          </a:lstStyle>
+          <a:p>
+            <a:pPr marL="0" indent="0" algn="l" rtl="0">
+              <a:lnSpc>
+                <a:spcPct val="100000"/>
+              </a:lnSpc>
+              <a:buFont typeface="Arial" panose="020B0604020202020204" pitchFamily="34" charset="0"/>
+              <a:buNone/>
+            </a:pPr>
+            <a:endParaRPr lang="he-IL" dirty="0"/>
+          </a:p>
+        </p:txBody>
+      </p:sp>
+      <p:sp>
+        <p:nvSpPr>
+          <p:cNvPr id="4" name="כותרת 1">
+            <a:extLst>
+              <a:ext uri="{FF2B5EF4-FFF2-40B4-BE49-F238E27FC236}">
+                <a16:creationId xmlns:a16="http://schemas.microsoft.com/office/drawing/2014/main" id="{18C13FE4-332D-2C92-6AF2-2F31660F39AF}"/>
+              </a:ext>
+            </a:extLst>
+          </p:cNvPr>
+          <p:cNvSpPr txBox="1">
+            <a:spLocks/>
+          </p:cNvSpPr>
+          <p:nvPr/>
+        </p:nvSpPr>
+        <p:spPr>
+          <a:xfrm>
+            <a:off x="1382108" y="1579999"/>
+            <a:ext cx="10131974" cy="788916"/>
+          </a:xfrm>
+          <a:prstGeom prst="rect">
+            <a:avLst/>
+          </a:prstGeom>
+        </p:spPr>
+        <p:txBody>
+          <a:bodyPr vert="horz" lIns="91440" tIns="45720" rIns="91440" bIns="45720" rtlCol="1" anchor="ctr">
+            <a:noAutofit/>
+          </a:bodyPr>
+          <a:lstStyle>
+            <a:lvl1pPr algn="r" defTabSz="914400" rtl="1" eaLnBrk="1" latinLnBrk="0" hangingPunct="1">
+              <a:lnSpc>
+                <a:spcPct val="90000"/>
+              </a:lnSpc>
+              <a:spcBef>
+                <a:spcPct val="0"/>
+              </a:spcBef>
+              <a:buNone/>
+              <a:defRPr sz="4400" kern="1200">
+                <a:solidFill>
+                  <a:schemeClr val="tx1"/>
+                </a:solidFill>
+                <a:latin typeface="+mj-lt"/>
+                <a:ea typeface="+mj-ea"/>
+                <a:cs typeface="+mj-cs"/>
+              </a:defRPr>
+            </a:lvl1pPr>
+          </a:lstStyle>
+          <a:p>
+            <a:pPr algn="l" rtl="0"/>
+            <a:r>
+              <a:rPr lang="en-US" sz="2800" b="1" dirty="0">
+                <a:cs typeface="+mn-cs"/>
+              </a:rPr>
+              <a:t>Route B: </a:t>
+            </a:r>
+          </a:p>
+          <a:p>
+            <a:pPr algn="l" rtl="0"/>
+            <a:r>
+              <a:rPr lang="en-US" sz="2800" b="1" dirty="0">
+                <a:cs typeface="+mn-cs"/>
+              </a:rPr>
+              <a:t>Analyzing the entire filtered Properties’ population (outliers' removal)</a:t>
+            </a:r>
+          </a:p>
+        </p:txBody>
+      </p:sp>
+      <p:pic>
+        <p:nvPicPr>
+          <p:cNvPr id="2052" name="Picture 4">
+            <a:extLst>
+              <a:ext uri="{FF2B5EF4-FFF2-40B4-BE49-F238E27FC236}">
+                <a16:creationId xmlns:a16="http://schemas.microsoft.com/office/drawing/2014/main" id="{8DDE973D-CEAF-E37B-D725-DBC20190DD89}"/>
+              </a:ext>
+            </a:extLst>
+          </p:cNvPr>
+          <p:cNvPicPr>
+            <a:picLocks noChangeAspect="1" noChangeArrowheads="1"/>
+          </p:cNvPicPr>
+          <p:nvPr/>
+        </p:nvPicPr>
+        <p:blipFill>
+          <a:blip r:embed="rId4">
+            <a:extLst>
+              <a:ext uri="{28A0092B-C50C-407E-A947-70E740481C1C}">
+                <a14:useLocalDpi xmlns:a14="http://schemas.microsoft.com/office/drawing/2010/main" val="0"/>
+              </a:ext>
+            </a:extLst>
+          </a:blip>
+          <a:srcRect/>
+          <a:stretch>
+            <a:fillRect/>
+          </a:stretch>
+        </p:blipFill>
+        <p:spPr bwMode="auto">
+          <a:xfrm>
+            <a:off x="1505605" y="2326794"/>
+            <a:ext cx="6542692" cy="3782244"/>
+          </a:xfrm>
+          <a:prstGeom prst="rect">
+            <a:avLst/>
+          </a:prstGeom>
+          <a:noFill/>
+          <a:extLst>
+            <a:ext uri="{909E8E84-426E-40DD-AFC4-6F175D3DCCD1}">
+              <a14:hiddenFill xmlns:a14="http://schemas.microsoft.com/office/drawing/2010/main">
+                <a:solidFill>
+                  <a:srgbClr val="FFFFFF"/>
+                </a:solidFill>
+              </a14:hiddenFill>
+            </a:ext>
+          </a:extLst>
+        </p:spPr>
+      </p:pic>
+      <p:cxnSp>
+        <p:nvCxnSpPr>
+          <p:cNvPr id="3" name="Straight Arrow Connector 2">
+            <a:extLst>
+              <a:ext uri="{FF2B5EF4-FFF2-40B4-BE49-F238E27FC236}">
+                <a16:creationId xmlns:a16="http://schemas.microsoft.com/office/drawing/2014/main" id="{5ED6FCA2-D19E-9F22-E3B8-1DD40ADD3A94}"/>
+              </a:ext>
+            </a:extLst>
+          </p:cNvPr>
+          <p:cNvCxnSpPr>
+            <a:cxnSpLocks/>
+          </p:cNvCxnSpPr>
+          <p:nvPr/>
+        </p:nvCxnSpPr>
+        <p:spPr>
+          <a:xfrm flipV="1">
+            <a:off x="2611818" y="5681491"/>
+            <a:ext cx="119368" cy="311402"/>
+          </a:xfrm>
+          <a:prstGeom prst="straightConnector1">
+            <a:avLst/>
+          </a:prstGeom>
+          <a:ln w="9525" cap="flat" cmpd="sng" algn="ctr">
+            <a:solidFill>
+              <a:srgbClr val="FF0000"/>
+            </a:solidFill>
+            <a:prstDash val="solid"/>
+            <a:round/>
+            <a:headEnd type="none" w="med" len="med"/>
+            <a:tailEnd type="arrow" w="med" len="med"/>
+          </a:ln>
+        </p:spPr>
+        <p:style>
+          <a:lnRef idx="0">
+            <a:scrgbClr r="0" g="0" b="0"/>
+          </a:lnRef>
+          <a:fillRef idx="0">
+            <a:scrgbClr r="0" g="0" b="0"/>
+          </a:fillRef>
+          <a:effectRef idx="0">
+            <a:scrgbClr r="0" g="0" b="0"/>
+          </a:effectRef>
+          <a:fontRef idx="minor">
+            <a:schemeClr val="tx1"/>
+          </a:fontRef>
+        </p:style>
+      </p:cxnSp>
+      <p:sp>
+        <p:nvSpPr>
+          <p:cNvPr id="9" name="Oval 8">
+            <a:extLst>
+              <a:ext uri="{FF2B5EF4-FFF2-40B4-BE49-F238E27FC236}">
+                <a16:creationId xmlns:a16="http://schemas.microsoft.com/office/drawing/2014/main" id="{5F348188-86CF-27E6-C696-D57827BF0F69}"/>
+              </a:ext>
+            </a:extLst>
+          </p:cNvPr>
+          <p:cNvSpPr/>
+          <p:nvPr/>
+        </p:nvSpPr>
+        <p:spPr>
+          <a:xfrm>
+            <a:off x="1505605" y="3445155"/>
+            <a:ext cx="246995" cy="1219200"/>
+          </a:xfrm>
+          <a:prstGeom prst="ellipse">
+            <a:avLst/>
+          </a:prstGeom>
+          <a:noFill/>
+          <a:ln>
+            <a:solidFill>
+              <a:srgbClr val="FF0000"/>
+            </a:solidFill>
+          </a:ln>
+        </p:spPr>
+        <p:style>
+          <a:lnRef idx="2">
+            <a:schemeClr val="accent1">
+              <a:shade val="15000"/>
+            </a:schemeClr>
+          </a:lnRef>
+          <a:fillRef idx="1">
+            <a:schemeClr val="accent1"/>
+          </a:fillRef>
+          <a:effectRef idx="0">
+            <a:schemeClr val="accent1"/>
+          </a:effectRef>
+          <a:fontRef idx="minor">
+            <a:schemeClr val="lt1"/>
+          </a:fontRef>
+        </p:style>
+        <p:txBody>
+          <a:bodyPr rtlCol="0" anchor="ctr"/>
+          <a:lstStyle/>
+          <a:p>
+            <a:pPr algn="ctr"/>
+            <a:endParaRPr lang="en-US"/>
+          </a:p>
+        </p:txBody>
+      </p:sp>
+      <p:sp>
+        <p:nvSpPr>
+          <p:cNvPr id="6" name="TextBox 5">
+            <a:extLst>
+              <a:ext uri="{FF2B5EF4-FFF2-40B4-BE49-F238E27FC236}">
+                <a16:creationId xmlns:a16="http://schemas.microsoft.com/office/drawing/2014/main" id="{6DC7429B-758F-B109-C8CD-2423F5DC046D}"/>
+              </a:ext>
+            </a:extLst>
+          </p:cNvPr>
+          <p:cNvSpPr txBox="1"/>
+          <p:nvPr/>
+        </p:nvSpPr>
+        <p:spPr>
+          <a:xfrm>
+            <a:off x="8326632" y="3102686"/>
+            <a:ext cx="2659117" cy="1754326"/>
+          </a:xfrm>
+          <a:prstGeom prst="rect">
+            <a:avLst/>
+          </a:prstGeom>
+          <a:noFill/>
+          <a:ln w="38100">
+            <a:solidFill>
+              <a:srgbClr val="00B0F0"/>
+            </a:solidFill>
+          </a:ln>
+        </p:spPr>
+        <p:txBody>
+          <a:bodyPr wrap="square" rtlCol="0">
+            <a:spAutoFit/>
+          </a:bodyPr>
+          <a:lstStyle/>
+          <a:p>
+            <a:pPr algn="just" rtl="0"/>
+            <a:r>
+              <a:rPr lang="en-US" u="sng" dirty="0"/>
+              <a:t>Conclusion</a:t>
+            </a:r>
+            <a:r>
+              <a:rPr lang="en-US" dirty="0"/>
+              <a:t>:</a:t>
+            </a:r>
+          </a:p>
+          <a:p>
+            <a:pPr algn="just" rtl="0"/>
+            <a:r>
+              <a:rPr lang="en-US" dirty="0"/>
+              <a:t>The Neighborhood of the properties with the highest Forecasted Revenue in the Coming Year is </a:t>
+            </a:r>
+            <a:r>
+              <a:rPr lang="en-US" u="sng" dirty="0"/>
+              <a:t>Seattle</a:t>
+            </a:r>
+            <a:r>
+              <a:rPr lang="en-US" dirty="0"/>
+              <a:t>. </a:t>
+            </a:r>
+          </a:p>
+        </p:txBody>
+      </p:sp>
+      <p:sp>
+        <p:nvSpPr>
+          <p:cNvPr id="11" name="כותרת 1">
+            <a:extLst>
+              <a:ext uri="{FF2B5EF4-FFF2-40B4-BE49-F238E27FC236}">
+                <a16:creationId xmlns:a16="http://schemas.microsoft.com/office/drawing/2014/main" id="{B6F0E58E-623C-5B44-FEB1-6497CD78025E}"/>
+              </a:ext>
+            </a:extLst>
+          </p:cNvPr>
+          <p:cNvSpPr>
+            <a:spLocks noGrp="1"/>
+          </p:cNvSpPr>
+          <p:nvPr>
+            <p:ph type="title"/>
+          </p:nvPr>
+        </p:nvSpPr>
+        <p:spPr>
+          <a:xfrm>
+            <a:off x="1334812" y="748962"/>
+            <a:ext cx="5675588" cy="788916"/>
+          </a:xfrm>
+        </p:spPr>
+        <p:txBody>
+          <a:bodyPr>
+            <a:noAutofit/>
+          </a:bodyPr>
+          <a:lstStyle/>
+          <a:p>
+            <a:pPr algn="l" rtl="0"/>
+            <a:r>
+              <a:rPr lang="en-US" sz="5100" b="1" dirty="0">
+                <a:cs typeface="+mn-cs"/>
+              </a:rPr>
+              <a:t>Data Analysis (cont.):</a:t>
+            </a:r>
+          </a:p>
+        </p:txBody>
+      </p:sp>
+      <p:sp>
+        <p:nvSpPr>
+          <p:cNvPr id="12" name="TextBox 11">
+            <a:extLst>
+              <a:ext uri="{FF2B5EF4-FFF2-40B4-BE49-F238E27FC236}">
+                <a16:creationId xmlns:a16="http://schemas.microsoft.com/office/drawing/2014/main" id="{B0FED977-F0E4-3024-F2DD-9F55C48D3AB4}"/>
+              </a:ext>
+            </a:extLst>
+          </p:cNvPr>
+          <p:cNvSpPr txBox="1"/>
+          <p:nvPr/>
+        </p:nvSpPr>
+        <p:spPr>
+          <a:xfrm>
+            <a:off x="1505605" y="5992893"/>
+            <a:ext cx="5820105" cy="369332"/>
+          </a:xfrm>
+          <a:prstGeom prst="rect">
+            <a:avLst/>
+          </a:prstGeom>
+          <a:noFill/>
+        </p:spPr>
+        <p:txBody>
+          <a:bodyPr wrap="square" rtlCol="0">
+            <a:spAutoFit/>
+          </a:bodyPr>
+          <a:lstStyle/>
+          <a:p>
+            <a:pPr algn="l" rtl="0"/>
+            <a:r>
+              <a:rPr lang="en-US" sz="1600" u="sng" dirty="0">
+                <a:cs typeface="+mn-cs"/>
+              </a:rPr>
+              <a:t>Remark</a:t>
+            </a:r>
+            <a:r>
+              <a:rPr lang="en-US" sz="1600" dirty="0">
+                <a:cs typeface="+mn-cs"/>
+              </a:rPr>
+              <a:t>: The</a:t>
+            </a:r>
+            <a:r>
+              <a:rPr lang="en-US" sz="1800" dirty="0">
+                <a:cs typeface="+mn-cs"/>
+              </a:rPr>
+              <a:t> depended variable on the x-axis for convenience </a:t>
+            </a:r>
+          </a:p>
+        </p:txBody>
+      </p:sp>
+    </p:spTree>
+    <p:extLst>
+      <p:ext uri="{BB962C8B-B14F-4D97-AF65-F5344CB8AC3E}">
+        <p14:creationId xmlns:p14="http://schemas.microsoft.com/office/powerpoint/2010/main" val="2080365302"/>
+      </p:ext>
+    </p:extLst>
+  </p:cSld>
+  <p:clrMapOvr>
+    <a:masterClrMapping/>
+  </p:clrMapOvr>
+</p:sld>
+</file>
+
+<file path=ppt/slides/slide17.xml><?xml version="1.0" encoding="utf-8"?>
+<p:sld xmlns:a="http://schemas.openxmlformats.org/drawingml/2006/main" xmlns:r="http://schemas.openxmlformats.org/officeDocument/2006/relationships" xmlns:p="http://schemas.openxmlformats.org/presentationml/2006/main">
+  <p:cSld>
+    <p:spTree>
+      <p:nvGrpSpPr>
+        <p:cNvPr id="1" name=""/>
+        <p:cNvGrpSpPr/>
+        <p:nvPr/>
+      </p:nvGrpSpPr>
+      <p:grpSpPr>
+        <a:xfrm>
+          <a:off x="0" y="0"/>
+          <a:ext cx="0" cy="0"/>
+          <a:chOff x="0" y="0"/>
+          <a:chExt cx="0" cy="0"/>
+        </a:xfrm>
+      </p:grpSpPr>
+      <p:pic>
+        <p:nvPicPr>
+          <p:cNvPr id="8" name="Picture 8" descr="File:Hebrew University Logo.svg - Wikimedia Commons"/>
+          <p:cNvPicPr>
+            <a:picLocks noChangeAspect="1" noChangeArrowheads="1"/>
+          </p:cNvPicPr>
+          <p:nvPr/>
+        </p:nvPicPr>
+        <p:blipFill>
+          <a:blip r:embed="rId3" cstate="print">
+            <a:extLst>
+              <a:ext uri="{28A0092B-C50C-407E-A947-70E740481C1C}">
+                <a14:useLocalDpi xmlns:a14="http://schemas.microsoft.com/office/drawing/2010/main" val="0"/>
+              </a:ext>
+            </a:extLst>
+          </a:blip>
+          <a:srcRect/>
+          <a:stretch>
+            <a:fillRect/>
+          </a:stretch>
+        </p:blipFill>
+        <p:spPr bwMode="auto">
+          <a:xfrm>
+            <a:off x="275404" y="156177"/>
+            <a:ext cx="721108" cy="1324434"/>
+          </a:xfrm>
+          <a:prstGeom prst="rect">
+            <a:avLst/>
+          </a:prstGeom>
+          <a:noFill/>
+          <a:extLst>
+            <a:ext uri="{909E8E84-426E-40DD-AFC4-6F175D3DCCD1}">
+              <a14:hiddenFill xmlns:a14="http://schemas.microsoft.com/office/drawing/2010/main">
+                <a:solidFill>
+                  <a:srgbClr val="FFFFFF"/>
+                </a:solidFill>
+              </a14:hiddenFill>
+            </a:ext>
+          </a:extLst>
+        </p:spPr>
+      </p:pic>
+      <p:sp>
+        <p:nvSpPr>
+          <p:cNvPr id="5" name="Content Placeholder 21">
+            <a:extLst>
+              <a:ext uri="{FF2B5EF4-FFF2-40B4-BE49-F238E27FC236}">
+                <a16:creationId xmlns:a16="http://schemas.microsoft.com/office/drawing/2014/main" id="{6A87851E-57F1-0ADA-ECE1-00AC36696523}"/>
+              </a:ext>
+            </a:extLst>
+          </p:cNvPr>
+          <p:cNvSpPr txBox="1">
+            <a:spLocks/>
+          </p:cNvSpPr>
+          <p:nvPr/>
+        </p:nvSpPr>
+        <p:spPr>
+          <a:xfrm>
+            <a:off x="1334812" y="1537878"/>
+            <a:ext cx="10226567" cy="4883943"/>
+          </a:xfrm>
+          <a:prstGeom prst="rect">
+            <a:avLst/>
+          </a:prstGeom>
+          <a:ln w="50800">
+            <a:solidFill>
+              <a:schemeClr val="accent1"/>
+            </a:solidFill>
+          </a:ln>
+        </p:spPr>
+        <p:txBody>
+          <a:bodyPr vert="horz" lIns="91440" tIns="45720" rIns="91440" bIns="45720" rtlCol="1">
+            <a:normAutofit/>
+          </a:bodyPr>
+          <a:lstStyle>
+            <a:lvl1pPr marL="228600" indent="-228600" algn="r" defTabSz="914400" rtl="1" eaLnBrk="1" latinLnBrk="0" hangingPunct="1">
+              <a:lnSpc>
+                <a:spcPct val="90000"/>
+              </a:lnSpc>
+              <a:spcBef>
+                <a:spcPts val="1000"/>
+              </a:spcBef>
+              <a:buFont typeface="Arial" panose="020B0604020202020204" pitchFamily="34" charset="0"/>
+              <a:buChar char="•"/>
+              <a:defRPr sz="2800" kern="1200">
+                <a:solidFill>
+                  <a:schemeClr val="tx1"/>
+                </a:solidFill>
+                <a:latin typeface="+mn-lt"/>
+                <a:ea typeface="+mn-ea"/>
+                <a:cs typeface="+mn-cs"/>
+              </a:defRPr>
+            </a:lvl1pPr>
+            <a:lvl2pPr marL="685800" indent="-228600" algn="r" defTabSz="914400" rtl="1" eaLnBrk="1" latinLnBrk="0" hangingPunct="1">
+              <a:lnSpc>
+                <a:spcPct val="90000"/>
+              </a:lnSpc>
+              <a:spcBef>
+                <a:spcPts val="500"/>
+              </a:spcBef>
+              <a:buFont typeface="Arial" panose="020B0604020202020204" pitchFamily="34" charset="0"/>
+              <a:buChar char="•"/>
+              <a:defRPr sz="2400" kern="1200">
+                <a:solidFill>
+                  <a:schemeClr val="tx1"/>
+                </a:solidFill>
+                <a:latin typeface="+mn-lt"/>
+                <a:ea typeface="+mn-ea"/>
+                <a:cs typeface="+mn-cs"/>
+              </a:defRPr>
+            </a:lvl2pPr>
+            <a:lvl3pPr marL="1143000" indent="-228600" algn="r" defTabSz="914400" rtl="1" eaLnBrk="1" latinLnBrk="0" hangingPunct="1">
+              <a:lnSpc>
+                <a:spcPct val="90000"/>
+              </a:lnSpc>
+              <a:spcBef>
+                <a:spcPts val="500"/>
+              </a:spcBef>
+              <a:buFont typeface="Arial" panose="020B0604020202020204" pitchFamily="34" charset="0"/>
+              <a:buChar char="•"/>
+              <a:defRPr sz="2000" kern="1200">
+                <a:solidFill>
+                  <a:schemeClr val="tx1"/>
+                </a:solidFill>
+                <a:latin typeface="+mn-lt"/>
+                <a:ea typeface="+mn-ea"/>
+                <a:cs typeface="+mn-cs"/>
+              </a:defRPr>
+            </a:lvl3pPr>
+            <a:lvl4pPr marL="1600200" indent="-228600" algn="r" defTabSz="914400" rtl="1" eaLnBrk="1" latinLnBrk="0" hangingPunct="1">
+              <a:lnSpc>
+                <a:spcPct val="90000"/>
+              </a:lnSpc>
+              <a:spcBef>
+                <a:spcPts val="500"/>
+              </a:spcBef>
+              <a:buFont typeface="Arial" panose="020B0604020202020204" pitchFamily="34" charset="0"/>
+              <a:buChar char="•"/>
+              <a:defRPr sz="1800" kern="1200">
+                <a:solidFill>
+                  <a:schemeClr val="tx1"/>
+                </a:solidFill>
+                <a:latin typeface="+mn-lt"/>
+                <a:ea typeface="+mn-ea"/>
+                <a:cs typeface="+mn-cs"/>
+              </a:defRPr>
+            </a:lvl4pPr>
+            <a:lvl5pPr marL="2057400" indent="-228600" algn="r" defTabSz="914400" rtl="1" eaLnBrk="1" latinLnBrk="0" hangingPunct="1">
+              <a:lnSpc>
+                <a:spcPct val="90000"/>
+              </a:lnSpc>
+              <a:spcBef>
+                <a:spcPts val="500"/>
+              </a:spcBef>
+              <a:buFont typeface="Arial" panose="020B0604020202020204" pitchFamily="34" charset="0"/>
+              <a:buChar char="•"/>
+              <a:defRPr sz="1800" kern="1200">
+                <a:solidFill>
+                  <a:schemeClr val="tx1"/>
+                </a:solidFill>
+                <a:latin typeface="+mn-lt"/>
+                <a:ea typeface="+mn-ea"/>
+                <a:cs typeface="+mn-cs"/>
+              </a:defRPr>
+            </a:lvl5pPr>
+            <a:lvl6pPr marL="2514600" indent="-228600" algn="r" defTabSz="914400" rtl="1" eaLnBrk="1" latinLnBrk="0" hangingPunct="1">
+              <a:lnSpc>
+                <a:spcPct val="90000"/>
+              </a:lnSpc>
+              <a:spcBef>
+                <a:spcPts val="500"/>
+              </a:spcBef>
+              <a:buFont typeface="Arial" panose="020B0604020202020204" pitchFamily="34" charset="0"/>
+              <a:buChar char="•"/>
+              <a:defRPr sz="1800" kern="1200">
+                <a:solidFill>
+                  <a:schemeClr val="tx1"/>
+                </a:solidFill>
+                <a:latin typeface="+mn-lt"/>
+                <a:ea typeface="+mn-ea"/>
+                <a:cs typeface="+mn-cs"/>
+              </a:defRPr>
+            </a:lvl6pPr>
+            <a:lvl7pPr marL="2971800" indent="-228600" algn="r" defTabSz="914400" rtl="1" eaLnBrk="1" latinLnBrk="0" hangingPunct="1">
+              <a:lnSpc>
+                <a:spcPct val="90000"/>
+              </a:lnSpc>
+              <a:spcBef>
+                <a:spcPts val="500"/>
+              </a:spcBef>
+              <a:buFont typeface="Arial" panose="020B0604020202020204" pitchFamily="34" charset="0"/>
+              <a:buChar char="•"/>
+              <a:defRPr sz="1800" kern="1200">
+                <a:solidFill>
+                  <a:schemeClr val="tx1"/>
+                </a:solidFill>
+                <a:latin typeface="+mn-lt"/>
+                <a:ea typeface="+mn-ea"/>
+                <a:cs typeface="+mn-cs"/>
+              </a:defRPr>
+            </a:lvl7pPr>
+            <a:lvl8pPr marL="3429000" indent="-228600" algn="r" defTabSz="914400" rtl="1" eaLnBrk="1" latinLnBrk="0" hangingPunct="1">
+              <a:lnSpc>
+                <a:spcPct val="90000"/>
+              </a:lnSpc>
+              <a:spcBef>
+                <a:spcPts val="500"/>
+              </a:spcBef>
+              <a:buFont typeface="Arial" panose="020B0604020202020204" pitchFamily="34" charset="0"/>
+              <a:buChar char="•"/>
+              <a:defRPr sz="1800" kern="1200">
+                <a:solidFill>
+                  <a:schemeClr val="tx1"/>
+                </a:solidFill>
+                <a:latin typeface="+mn-lt"/>
+                <a:ea typeface="+mn-ea"/>
+                <a:cs typeface="+mn-cs"/>
+              </a:defRPr>
+            </a:lvl8pPr>
+            <a:lvl9pPr marL="3886200" indent="-228600" algn="r" defTabSz="914400" rtl="1" eaLnBrk="1" latinLnBrk="0" hangingPunct="1">
+              <a:lnSpc>
+                <a:spcPct val="90000"/>
+              </a:lnSpc>
+              <a:spcBef>
+                <a:spcPts val="500"/>
+              </a:spcBef>
+              <a:buFont typeface="Arial" panose="020B0604020202020204" pitchFamily="34" charset="0"/>
+              <a:buChar char="•"/>
+              <a:defRPr sz="1800" kern="1200">
+                <a:solidFill>
+                  <a:schemeClr val="tx1"/>
+                </a:solidFill>
+                <a:latin typeface="+mn-lt"/>
+                <a:ea typeface="+mn-ea"/>
+                <a:cs typeface="+mn-cs"/>
+              </a:defRPr>
+            </a:lvl9pPr>
+          </a:lstStyle>
+          <a:p>
+            <a:pPr marL="0" indent="0" algn="l" rtl="0">
+              <a:lnSpc>
+                <a:spcPct val="100000"/>
+              </a:lnSpc>
+              <a:buFont typeface="Arial" panose="020B0604020202020204" pitchFamily="34" charset="0"/>
+              <a:buNone/>
+            </a:pPr>
+            <a:endParaRPr lang="he-IL" dirty="0"/>
+          </a:p>
+        </p:txBody>
+      </p:sp>
+      <p:sp>
+        <p:nvSpPr>
+          <p:cNvPr id="4" name="כותרת 1">
+            <a:extLst>
+              <a:ext uri="{FF2B5EF4-FFF2-40B4-BE49-F238E27FC236}">
+                <a16:creationId xmlns:a16="http://schemas.microsoft.com/office/drawing/2014/main" id="{18C13FE4-332D-2C92-6AF2-2F31660F39AF}"/>
+              </a:ext>
+            </a:extLst>
+          </p:cNvPr>
+          <p:cNvSpPr txBox="1">
+            <a:spLocks/>
+          </p:cNvSpPr>
+          <p:nvPr/>
+        </p:nvSpPr>
+        <p:spPr>
+          <a:xfrm>
+            <a:off x="1334812" y="1589908"/>
+            <a:ext cx="10131974" cy="788916"/>
+          </a:xfrm>
+          <a:prstGeom prst="rect">
+            <a:avLst/>
+          </a:prstGeom>
+        </p:spPr>
+        <p:txBody>
+          <a:bodyPr vert="horz" lIns="91440" tIns="45720" rIns="91440" bIns="45720" rtlCol="1" anchor="ctr">
+            <a:noAutofit/>
+          </a:bodyPr>
+          <a:lstStyle>
+            <a:lvl1pPr algn="r" defTabSz="914400" rtl="1" eaLnBrk="1" latinLnBrk="0" hangingPunct="1">
+              <a:lnSpc>
+                <a:spcPct val="90000"/>
+              </a:lnSpc>
+              <a:spcBef>
+                <a:spcPct val="0"/>
+              </a:spcBef>
+              <a:buNone/>
+              <a:defRPr sz="4400" kern="1200">
+                <a:solidFill>
+                  <a:schemeClr val="tx1"/>
+                </a:solidFill>
+                <a:latin typeface="+mj-lt"/>
+                <a:ea typeface="+mj-ea"/>
+                <a:cs typeface="+mj-cs"/>
+              </a:defRPr>
+            </a:lvl1pPr>
+          </a:lstStyle>
+          <a:p>
+            <a:pPr algn="l" rtl="0"/>
+            <a:r>
+              <a:rPr lang="en-US" sz="2800" b="1" dirty="0">
+                <a:cs typeface="+mn-cs"/>
+              </a:rPr>
+              <a:t>Route B:</a:t>
+            </a:r>
+          </a:p>
+          <a:p>
+            <a:pPr algn="l" rtl="0"/>
+            <a:r>
+              <a:rPr lang="en-US" sz="2800" b="1" dirty="0">
+                <a:cs typeface="+mn-cs"/>
+              </a:rPr>
+              <a:t>Analyzing the entire filtered Properties’ population (outliers’ removal)</a:t>
+            </a:r>
+          </a:p>
+        </p:txBody>
+      </p:sp>
+      <p:pic>
+        <p:nvPicPr>
+          <p:cNvPr id="4100" name="Picture 4">
+            <a:extLst>
+              <a:ext uri="{FF2B5EF4-FFF2-40B4-BE49-F238E27FC236}">
+                <a16:creationId xmlns:a16="http://schemas.microsoft.com/office/drawing/2014/main" id="{9FB6DDFE-D9FF-269F-DF80-14FC5C24221E}"/>
+              </a:ext>
+            </a:extLst>
+          </p:cNvPr>
+          <p:cNvPicPr>
+            <a:picLocks noChangeAspect="1" noChangeArrowheads="1"/>
+          </p:cNvPicPr>
+          <p:nvPr/>
+        </p:nvPicPr>
+        <p:blipFill>
+          <a:blip r:embed="rId4">
+            <a:extLst>
+              <a:ext uri="{28A0092B-C50C-407E-A947-70E740481C1C}">
+                <a14:useLocalDpi xmlns:a14="http://schemas.microsoft.com/office/drawing/2010/main" val="0"/>
+              </a:ext>
+            </a:extLst>
+          </a:blip>
+          <a:srcRect/>
+          <a:stretch>
+            <a:fillRect/>
+          </a:stretch>
+        </p:blipFill>
+        <p:spPr bwMode="auto">
+          <a:xfrm>
+            <a:off x="1545393" y="2378824"/>
+            <a:ext cx="6316469" cy="3648308"/>
+          </a:xfrm>
+          <a:prstGeom prst="rect">
+            <a:avLst/>
+          </a:prstGeom>
+          <a:noFill/>
+          <a:extLst>
+            <a:ext uri="{909E8E84-426E-40DD-AFC4-6F175D3DCCD1}">
+              <a14:hiddenFill xmlns:a14="http://schemas.microsoft.com/office/drawing/2010/main">
+                <a:solidFill>
+                  <a:srgbClr val="FFFFFF"/>
+                </a:solidFill>
+              </a14:hiddenFill>
+            </a:ext>
+          </a:extLst>
+        </p:spPr>
+      </p:pic>
+      <p:sp>
+        <p:nvSpPr>
+          <p:cNvPr id="9" name="Oval 8">
+            <a:extLst>
+              <a:ext uri="{FF2B5EF4-FFF2-40B4-BE49-F238E27FC236}">
+                <a16:creationId xmlns:a16="http://schemas.microsoft.com/office/drawing/2014/main" id="{5F348188-86CF-27E6-C696-D57827BF0F69}"/>
+              </a:ext>
+            </a:extLst>
+          </p:cNvPr>
+          <p:cNvSpPr/>
+          <p:nvPr/>
+        </p:nvSpPr>
+        <p:spPr>
+          <a:xfrm>
+            <a:off x="1555279" y="3438350"/>
+            <a:ext cx="273269" cy="1219200"/>
+          </a:xfrm>
+          <a:prstGeom prst="ellipse">
+            <a:avLst/>
+          </a:prstGeom>
+          <a:noFill/>
+          <a:ln>
+            <a:solidFill>
+              <a:srgbClr val="FF0000"/>
+            </a:solidFill>
+          </a:ln>
+        </p:spPr>
+        <p:style>
+          <a:lnRef idx="2">
+            <a:schemeClr val="accent1">
+              <a:shade val="15000"/>
+            </a:schemeClr>
+          </a:lnRef>
+          <a:fillRef idx="1">
+            <a:schemeClr val="accent1"/>
+          </a:fillRef>
+          <a:effectRef idx="0">
+            <a:schemeClr val="accent1"/>
+          </a:effectRef>
+          <a:fontRef idx="minor">
+            <a:schemeClr val="lt1"/>
+          </a:fontRef>
+        </p:style>
+        <p:txBody>
+          <a:bodyPr rtlCol="0" anchor="ctr"/>
+          <a:lstStyle/>
+          <a:p>
+            <a:pPr algn="ctr"/>
+            <a:endParaRPr lang="en-US"/>
+          </a:p>
+        </p:txBody>
+      </p:sp>
+      <p:sp>
+        <p:nvSpPr>
+          <p:cNvPr id="3" name="TextBox 2">
+            <a:extLst>
+              <a:ext uri="{FF2B5EF4-FFF2-40B4-BE49-F238E27FC236}">
+                <a16:creationId xmlns:a16="http://schemas.microsoft.com/office/drawing/2014/main" id="{08ECE9E0-D4BE-A849-041C-00C5E529737D}"/>
+              </a:ext>
+            </a:extLst>
+          </p:cNvPr>
+          <p:cNvSpPr txBox="1"/>
+          <p:nvPr/>
+        </p:nvSpPr>
+        <p:spPr>
+          <a:xfrm>
+            <a:off x="8313683" y="3090041"/>
+            <a:ext cx="2659117" cy="2031325"/>
+          </a:xfrm>
+          <a:prstGeom prst="rect">
+            <a:avLst/>
+          </a:prstGeom>
+          <a:noFill/>
+          <a:ln w="38100">
+            <a:solidFill>
+              <a:srgbClr val="00B0F0"/>
+            </a:solidFill>
+          </a:ln>
+        </p:spPr>
+        <p:txBody>
+          <a:bodyPr wrap="square" rtlCol="0">
+            <a:spAutoFit/>
+          </a:bodyPr>
+          <a:lstStyle/>
+          <a:p>
+            <a:pPr algn="just" rtl="0"/>
+            <a:r>
+              <a:rPr lang="en-US" u="sng" dirty="0"/>
+              <a:t>Conclusion</a:t>
+            </a:r>
+            <a:r>
+              <a:rPr lang="en-US" dirty="0"/>
+              <a:t>:</a:t>
+            </a:r>
+          </a:p>
+          <a:p>
+            <a:pPr algn="just" rtl="0"/>
+            <a:r>
+              <a:rPr lang="en-US" dirty="0"/>
+              <a:t>The 	Number of Accommodates of the properties with the highest Forecasted Revenue in the Coming Year is </a:t>
+            </a:r>
+            <a:r>
+              <a:rPr lang="en-US" u="sng" dirty="0"/>
+              <a:t>6 to 10</a:t>
+            </a:r>
+            <a:r>
+              <a:rPr lang="en-US" dirty="0"/>
+              <a:t>. </a:t>
+            </a:r>
+          </a:p>
+        </p:txBody>
+      </p:sp>
+      <p:sp>
+        <p:nvSpPr>
+          <p:cNvPr id="10" name="כותרת 1">
+            <a:extLst>
+              <a:ext uri="{FF2B5EF4-FFF2-40B4-BE49-F238E27FC236}">
+                <a16:creationId xmlns:a16="http://schemas.microsoft.com/office/drawing/2014/main" id="{BCB4754F-9752-2D86-673D-63999EB1C4CD}"/>
+              </a:ext>
+            </a:extLst>
+          </p:cNvPr>
+          <p:cNvSpPr>
+            <a:spLocks noGrp="1"/>
+          </p:cNvSpPr>
+          <p:nvPr>
+            <p:ph type="title"/>
+          </p:nvPr>
+        </p:nvSpPr>
+        <p:spPr>
+          <a:xfrm>
+            <a:off x="1334812" y="748962"/>
+            <a:ext cx="5675588" cy="788916"/>
+          </a:xfrm>
+        </p:spPr>
+        <p:txBody>
+          <a:bodyPr>
+            <a:noAutofit/>
+          </a:bodyPr>
+          <a:lstStyle/>
+          <a:p>
+            <a:pPr algn="l" rtl="0"/>
+            <a:r>
+              <a:rPr lang="en-US" sz="5100" b="1" dirty="0">
+                <a:cs typeface="+mn-cs"/>
+              </a:rPr>
+              <a:t>Data Analysis (cont.):</a:t>
+            </a:r>
+          </a:p>
+        </p:txBody>
+      </p:sp>
+      <p:sp>
+        <p:nvSpPr>
+          <p:cNvPr id="12" name="TextBox 11">
+            <a:extLst>
+              <a:ext uri="{FF2B5EF4-FFF2-40B4-BE49-F238E27FC236}">
+                <a16:creationId xmlns:a16="http://schemas.microsoft.com/office/drawing/2014/main" id="{BE347A98-C766-F5AF-37CD-0E17BD720045}"/>
+              </a:ext>
+            </a:extLst>
+          </p:cNvPr>
+          <p:cNvSpPr txBox="1"/>
+          <p:nvPr/>
+        </p:nvSpPr>
+        <p:spPr>
+          <a:xfrm>
+            <a:off x="1555279" y="6027132"/>
+            <a:ext cx="6096000" cy="369332"/>
+          </a:xfrm>
+          <a:prstGeom prst="rect">
+            <a:avLst/>
+          </a:prstGeom>
+          <a:noFill/>
+        </p:spPr>
+        <p:txBody>
+          <a:bodyPr wrap="square">
+            <a:spAutoFit/>
+          </a:bodyPr>
+          <a:lstStyle/>
+          <a:p>
+            <a:pPr algn="l" rtl="0"/>
+            <a:r>
+              <a:rPr lang="en-US" sz="1800" u="sng" dirty="0">
+                <a:cs typeface="+mn-cs"/>
+              </a:rPr>
+              <a:t>Remark</a:t>
+            </a:r>
+            <a:r>
+              <a:rPr lang="en-US" sz="1800" dirty="0">
+                <a:cs typeface="+mn-cs"/>
+              </a:rPr>
+              <a:t>: The depended variable on the x-axis for convenience </a:t>
+            </a:r>
+          </a:p>
+        </p:txBody>
+      </p:sp>
+    </p:spTree>
+    <p:extLst>
+      <p:ext uri="{BB962C8B-B14F-4D97-AF65-F5344CB8AC3E}">
+        <p14:creationId xmlns:p14="http://schemas.microsoft.com/office/powerpoint/2010/main" val="3560181366"/>
+      </p:ext>
+    </p:extLst>
+  </p:cSld>
+  <p:clrMapOvr>
+    <a:masterClrMapping/>
+  </p:clrMapOvr>
+</p:sld>
+</file>
+
+<file path=ppt/slides/slide18.xml><?xml version="1.0" encoding="utf-8"?>
+<p:sld xmlns:a="http://schemas.openxmlformats.org/drawingml/2006/main" xmlns:r="http://schemas.openxmlformats.org/officeDocument/2006/relationships" xmlns:p="http://schemas.openxmlformats.org/presentationml/2006/main">
+  <p:cSld>
+    <p:spTree>
+      <p:nvGrpSpPr>
+        <p:cNvPr id="1" name=""/>
+        <p:cNvGrpSpPr/>
+        <p:nvPr/>
+      </p:nvGrpSpPr>
+      <p:grpSpPr>
+        <a:xfrm>
+          <a:off x="0" y="0"/>
+          <a:ext cx="0" cy="0"/>
+          <a:chOff x="0" y="0"/>
+          <a:chExt cx="0" cy="0"/>
+        </a:xfrm>
+      </p:grpSpPr>
+      <p:sp>
+        <p:nvSpPr>
+          <p:cNvPr id="2" name="כותרת 1"/>
+          <p:cNvSpPr>
+            <a:spLocks noGrp="1"/>
+          </p:cNvSpPr>
+          <p:nvPr>
+            <p:ph type="title"/>
+          </p:nvPr>
+        </p:nvSpPr>
+        <p:spPr>
+          <a:xfrm>
+            <a:off x="1187668" y="1480611"/>
+            <a:ext cx="3846787" cy="788916"/>
+          </a:xfrm>
+        </p:spPr>
+        <p:txBody>
+          <a:bodyPr>
+            <a:noAutofit/>
+          </a:bodyPr>
+          <a:lstStyle/>
+          <a:p>
+            <a:pPr algn="l" rtl="0"/>
+            <a:r>
+              <a:rPr lang="en-US" sz="5100" b="1" dirty="0">
+                <a:cs typeface="+mn-cs"/>
+              </a:rPr>
+              <a:t>Conclusion:</a:t>
+            </a:r>
+          </a:p>
+        </p:txBody>
+      </p:sp>
+      <p:pic>
+        <p:nvPicPr>
+          <p:cNvPr id="8" name="Picture 8" descr="File:Hebrew University Logo.svg - Wikimedia Commons"/>
+          <p:cNvPicPr>
+            <a:picLocks noChangeAspect="1" noChangeArrowheads="1"/>
+          </p:cNvPicPr>
+          <p:nvPr/>
+        </p:nvPicPr>
+        <p:blipFill>
+          <a:blip r:embed="rId3" cstate="print">
+            <a:extLst>
+              <a:ext uri="{28A0092B-C50C-407E-A947-70E740481C1C}">
+                <a14:useLocalDpi xmlns:a14="http://schemas.microsoft.com/office/drawing/2010/main" val="0"/>
+              </a:ext>
+            </a:extLst>
+          </a:blip>
+          <a:srcRect/>
+          <a:stretch>
+            <a:fillRect/>
+          </a:stretch>
+        </p:blipFill>
+        <p:spPr bwMode="auto">
+          <a:xfrm>
+            <a:off x="275404" y="156177"/>
+            <a:ext cx="721108" cy="1324434"/>
+          </a:xfrm>
+          <a:prstGeom prst="rect">
+            <a:avLst/>
+          </a:prstGeom>
+          <a:noFill/>
+          <a:extLst>
+            <a:ext uri="{909E8E84-426E-40DD-AFC4-6F175D3DCCD1}">
+              <a14:hiddenFill xmlns:a14="http://schemas.microsoft.com/office/drawing/2010/main">
+                <a:solidFill>
+                  <a:srgbClr val="FFFFFF"/>
+                </a:solidFill>
+              </a14:hiddenFill>
+            </a:ext>
+          </a:extLst>
+        </p:spPr>
+      </p:pic>
+      <p:sp>
+        <p:nvSpPr>
           <p:cNvPr id="3" name="Content Placeholder 21">
             <a:extLst>
               <a:ext uri="{FF2B5EF4-FFF2-40B4-BE49-F238E27FC236}">
@@ -7757,7 +10683,7 @@
             </a:pPr>
             <a:r>
               <a:rPr lang="en-US" sz="5100" dirty="0"/>
-              <a:t>The properties with the highest Forecasted Revenue in Washington, United States in the coming year, according to Airbnb data are of </a:t>
+              <a:t>The properties with the highest Forecasted Revenue in Washington, United States in the Coming Year, according to Airbnb data are of </a:t>
             </a:r>
             <a:r>
               <a:rPr lang="en-US" sz="5100" u="sng" dirty="0"/>
@@ -7790,7 +10716,7 @@
 </p:sld>
 </file>
 
-<file path=ppt/slides/slide16.xml><?xml version="1.0" encoding="utf-8"?>
+<file path=ppt/slides/slide19.xml><?xml version="1.0" encoding="utf-8"?>
 <p:sld xmlns:a="http://schemas.openxmlformats.org/drawingml/2006/main" xmlns:r="http://schemas.openxmlformats.org/officeDocument/2006/relationships" xmlns:p="http://schemas.openxmlformats.org/presentationml/2006/main">
   <p:cSld>
     <p:spTree>
@@ -8770,7 +11696,7 @@
               <a:rPr lang="en-US" sz="5100" b="1" dirty="0">
                 <a:cs typeface="+mn-cs"/>
               </a:rPr>
-              <a:t>KPI definition:</a:t>
+              <a:t>KPI Definition:</a:t>
             </a:r>
           </a:p>
         </p:txBody>
@@ -8857,7 +11783,7 @@
             </a:pPr>
             <a:r>
               <a:rPr lang="en-US" sz="2800" dirty="0"/>
-              <a:t>Forecasted Revenue in the Coming year = Price x (365 - availability_365)</a:t>
+              <a:t>Forecasted Revenue in the Coming Year = Price x (365 - availability_365)</a:t>
             </a:r>
           </a:p>
           <a:p>
@@ -9206,7 +12132,7 @@
             </a:r>
             <a:r>
               <a:rPr lang="en-US" sz="7200" u="sng" dirty="0"/>
-              <a:t>Coming year</a:t>
+              <a:t>Coming Year</a:t>
             </a:r>
             <a:endParaRPr lang="en-US" sz="7200" dirty="0"/>
           </a:p>
@@ -9907,8 +12833,8 @@
               <a:buNone/>
             </a:pPr>
             <a:r>
-              <a:rPr lang="en-US" sz="3600" dirty="0"/>
-              <a:t>1. Removing Duplicated records (rows) and irrelevant fields (columns) resulted also in null entries decrease:</a:t>
+              <a:rPr lang="en-US" dirty="0"/>
+              <a:t>1. Removing duplicated records (rows) and irrelevant fields (columns) resulted also in null entries decrease:</a:t>
             </a:r>
             <a:endParaRPr lang="he-IL" dirty="0"/>
           </a:p>
@@ -9936,162 +12862,20 @@
         </p:blipFill>
         <p:spPr>
           <a:xfrm>
-            <a:off x="2087480" y="2804538"/>
-            <a:ext cx="9236240" cy="3414056"/>
+            <a:off x="2119011" y="2448910"/>
+            <a:ext cx="9236240" cy="3769684"/>
           </a:xfrm>
           <a:prstGeom prst="rect">
             <a:avLst/>
           </a:prstGeom>
         </p:spPr>
       </p:pic>
-      <p:pic>
-        <p:nvPicPr>
-          <p:cNvPr id="11" name="Picture 10">
+      <p:grpSp>
+        <p:nvGrpSpPr>
+          <p:cNvPr id="20" name="Group 19">
             <a:extLst>
               <a:ext uri="{FF2B5EF4-FFF2-40B4-BE49-F238E27FC236}">
-                <a16:creationId xmlns:a16="http://schemas.microsoft.com/office/drawing/2014/main" id="{3C36CA63-E0FF-D349-741F-3D5612B1DFE9}"/>
-              </a:ext>
-            </a:extLst>
-          </p:cNvPr>
-          <p:cNvPicPr>
-            <a:picLocks noChangeAspect="1"/>
-          </p:cNvPicPr>
-          <p:nvPr/>
-        </p:nvPicPr>
-        <p:blipFill>
-          <a:blip r:embed="rId5"/>
-          <a:stretch>
-            <a:fillRect/>
-          </a:stretch>
-        </p:blipFill>
-        <p:spPr>
-          <a:xfrm>
-            <a:off x="1492469" y="3195932"/>
-            <a:ext cx="1676443" cy="1565943"/>
-          </a:xfrm>
-          <a:prstGeom prst="rect">
-            <a:avLst/>
-          </a:prstGeom>
-        </p:spPr>
-      </p:pic>
-      <p:pic>
-        <p:nvPicPr>
-          <p:cNvPr id="13" name="Picture 12">
-            <a:extLst>
-              <a:ext uri="{FF2B5EF4-FFF2-40B4-BE49-F238E27FC236}">
-                <a16:creationId xmlns:a16="http://schemas.microsoft.com/office/drawing/2014/main" id="{EEC44B3F-D26F-444C-97ED-D394691B143C}"/>
-              </a:ext>
-            </a:extLst>
-          </p:cNvPr>
-          <p:cNvPicPr>
-            <a:picLocks noChangeAspect="1"/>
-          </p:cNvPicPr>
-          <p:nvPr/>
-        </p:nvPicPr>
-        <p:blipFill>
-          <a:blip r:embed="rId6"/>
-          <a:stretch>
-            <a:fillRect/>
-          </a:stretch>
-        </p:blipFill>
-        <p:spPr>
-          <a:xfrm>
-            <a:off x="3619417" y="3272776"/>
-            <a:ext cx="1530694" cy="1489099"/>
-          </a:xfrm>
-          <a:prstGeom prst="rect">
-            <a:avLst/>
-          </a:prstGeom>
-        </p:spPr>
-      </p:pic>
-      <p:sp>
-        <p:nvSpPr>
-          <p:cNvPr id="14" name="Arrow: Right 13">
-            <a:extLst>
-              <a:ext uri="{FF2B5EF4-FFF2-40B4-BE49-F238E27FC236}">
-                <a16:creationId xmlns:a16="http://schemas.microsoft.com/office/drawing/2014/main" id="{199A8AC6-66FD-1018-50DF-B697223D7836}"/>
-              </a:ext>
-            </a:extLst>
-          </p:cNvPr>
-          <p:cNvSpPr/>
-          <p:nvPr/>
-        </p:nvSpPr>
-        <p:spPr>
-          <a:xfrm>
-            <a:off x="3247741" y="3989414"/>
-            <a:ext cx="292848" cy="144772"/>
-          </a:xfrm>
-          <a:prstGeom prst="rightArrow">
-            <a:avLst/>
-          </a:prstGeom>
-        </p:spPr>
-        <p:style>
-          <a:lnRef idx="2">
-            <a:schemeClr val="dk1">
-              <a:shade val="15000"/>
-            </a:schemeClr>
-          </a:lnRef>
-          <a:fillRef idx="1">
-            <a:schemeClr val="dk1"/>
-          </a:fillRef>
-          <a:effectRef idx="0">
-            <a:schemeClr val="dk1"/>
-          </a:effectRef>
-          <a:fontRef idx="minor">
-            <a:schemeClr val="lt1"/>
-          </a:fontRef>
-        </p:style>
-        <p:txBody>
-          <a:bodyPr rtlCol="0" anchor="ctr"/>
-          <a:lstStyle/>
-          <a:p>
-            <a:pPr algn="ctr"/>
-            <a:endParaRPr lang="en-US"/>
-          </a:p>
-        </p:txBody>
-      </p:sp>
-      <p:sp>
-        <p:nvSpPr>
-          <p:cNvPr id="4" name="TextBox 3">
-            <a:extLst>
-              <a:ext uri="{FF2B5EF4-FFF2-40B4-BE49-F238E27FC236}">
-                <a16:creationId xmlns:a16="http://schemas.microsoft.com/office/drawing/2014/main" id="{BA6DED7E-03A3-44FA-0A99-97940350ACBD}"/>
-              </a:ext>
-            </a:extLst>
-          </p:cNvPr>
-          <p:cNvSpPr txBox="1"/>
-          <p:nvPr/>
-        </p:nvSpPr>
-        <p:spPr>
-          <a:xfrm>
-            <a:off x="3042815" y="3656133"/>
-            <a:ext cx="721108" cy="369332"/>
-          </a:xfrm>
-          <a:prstGeom prst="rect">
-            <a:avLst/>
-          </a:prstGeom>
-          <a:noFill/>
-        </p:spPr>
-        <p:txBody>
-          <a:bodyPr wrap="square" rtlCol="0">
-            <a:spAutoFit/>
-          </a:bodyPr>
-          <a:lstStyle/>
-          <a:p>
-            <a:pPr algn="l"/>
-            <a:r>
-              <a:rPr lang="en-US" dirty="0"/>
-              <a:t>-44%</a:t>
-            </a:r>
-          </a:p>
-        </p:txBody>
-      </p:sp>
-      <p:grpSp>
-        <p:nvGrpSpPr>
-          <p:cNvPr id="7" name="Group 6">
-            <a:extLst>
-              <a:ext uri="{FF2B5EF4-FFF2-40B4-BE49-F238E27FC236}">
-                <a16:creationId xmlns:a16="http://schemas.microsoft.com/office/drawing/2014/main" id="{8210F35F-7C60-9FB9-2771-AA9D492A7F43}"/>
+                <a16:creationId xmlns:a16="http://schemas.microsoft.com/office/drawing/2014/main" id="{511CE4BF-E636-D491-215B-F2F2D6E88F98}"/>
               </a:ext>
             </a:extLst>
           </p:cNvPr>
@@ -10100,145 +12884,124 @@
         </p:nvGrpSpPr>
         <p:grpSpPr>
           <a:xfrm>
-            <a:off x="1492469" y="4856594"/>
-            <a:ext cx="3657643" cy="1510615"/>
-            <a:chOff x="1492469" y="4856594"/>
-            <a:chExt cx="3657643" cy="1510615"/>
+            <a:off x="1366358" y="3019405"/>
+            <a:ext cx="3963550" cy="1842582"/>
+            <a:chOff x="1366358" y="3019405"/>
+            <a:chExt cx="3963550" cy="1842582"/>
           </a:xfrm>
         </p:grpSpPr>
-        <p:grpSp>
-          <p:nvGrpSpPr>
-            <p:cNvPr id="3" name="Group 2">
+        <p:pic>
+          <p:nvPicPr>
+            <p:cNvPr id="11" name="Picture 10">
               <a:extLst>
                 <a:ext uri="{FF2B5EF4-FFF2-40B4-BE49-F238E27FC236}">
-                  <a16:creationId xmlns:a16="http://schemas.microsoft.com/office/drawing/2014/main" id="{F4A32983-DF18-2EF9-CD96-0A7A12E0578C}"/>
+                  <a16:creationId xmlns:a16="http://schemas.microsoft.com/office/drawing/2014/main" id="{3C36CA63-E0FF-D349-741F-3D5612B1DFE9}"/>
                 </a:ext>
               </a:extLst>
             </p:cNvPr>
-            <p:cNvGrpSpPr/>
+            <p:cNvPicPr>
+              <a:picLocks noChangeAspect="1"/>
+            </p:cNvPicPr>
             <p:nvPr/>
-          </p:nvGrpSpPr>
-          <p:grpSpPr>
+          </p:nvPicPr>
+          <p:blipFill>
+            <a:blip r:embed="rId5"/>
+            <a:stretch>
+              <a:fillRect/>
+            </a:stretch>
+          </p:blipFill>
+          <p:spPr>
             <a:xfrm>
-              <a:off x="1492469" y="4856594"/>
-              <a:ext cx="3657643" cy="1510615"/>
-              <a:chOff x="1492469" y="4856594"/>
-              <a:chExt cx="3657643" cy="1510615"/>
+              <a:off x="1531883" y="3019405"/>
+              <a:ext cx="1676443" cy="1565943"/>
             </a:xfrm>
-          </p:grpSpPr>
-          <p:pic>
-            <p:nvPicPr>
-              <p:cNvPr id="16" name="Picture 15">
-                <a:extLst>
-                  <a:ext uri="{FF2B5EF4-FFF2-40B4-BE49-F238E27FC236}">
-                    <a16:creationId xmlns:a16="http://schemas.microsoft.com/office/drawing/2014/main" id="{D5C31AB6-35AA-B996-57C4-A960D9894FCB}"/>
-                  </a:ext>
-                </a:extLst>
-              </p:cNvPr>
-              <p:cNvPicPr>
-                <a:picLocks noChangeAspect="1"/>
-              </p:cNvPicPr>
-              <p:nvPr/>
-            </p:nvPicPr>
-            <p:blipFill>
-              <a:blip r:embed="rId7"/>
-              <a:stretch>
-                <a:fillRect/>
-              </a:stretch>
-            </p:blipFill>
-            <p:spPr>
-              <a:xfrm>
-                <a:off x="1492469" y="4856594"/>
-                <a:ext cx="1676443" cy="1463614"/>
-              </a:xfrm>
-              <a:prstGeom prst="rect">
-                <a:avLst/>
-              </a:prstGeom>
-            </p:spPr>
-          </p:pic>
-          <p:sp>
-            <p:nvSpPr>
-              <p:cNvPr id="17" name="Arrow: Right 16">
-                <a:extLst>
-                  <a:ext uri="{FF2B5EF4-FFF2-40B4-BE49-F238E27FC236}">
-                    <a16:creationId xmlns:a16="http://schemas.microsoft.com/office/drawing/2014/main" id="{B7BE009E-07D3-37F3-E3F4-3FA8941583E1}"/>
-                  </a:ext>
-                </a:extLst>
-              </p:cNvPr>
-              <p:cNvSpPr/>
-              <p:nvPr/>
-            </p:nvSpPr>
-            <p:spPr>
-              <a:xfrm>
-                <a:off x="3247741" y="5588401"/>
-                <a:ext cx="292848" cy="144772"/>
-              </a:xfrm>
-              <a:prstGeom prst="rightArrow">
-                <a:avLst/>
-              </a:prstGeom>
-            </p:spPr>
-            <p:style>
-              <a:lnRef idx="2">
-                <a:schemeClr val="dk1">
-                  <a:shade val="15000"/>
-                </a:schemeClr>
-              </a:lnRef>
-              <a:fillRef idx="1">
-                <a:schemeClr val="dk1"/>
-              </a:fillRef>
-              <a:effectRef idx="0">
-                <a:schemeClr val="dk1"/>
-              </a:effectRef>
-              <a:fontRef idx="minor">
-                <a:schemeClr val="lt1"/>
-              </a:fontRef>
-            </p:style>
-            <p:txBody>
-              <a:bodyPr rtlCol="0" anchor="ctr"/>
-              <a:lstStyle/>
-              <a:p>
-                <a:pPr algn="ctr"/>
-                <a:endParaRPr lang="en-US"/>
-              </a:p>
-            </p:txBody>
-          </p:sp>
-          <p:pic>
-            <p:nvPicPr>
-              <p:cNvPr id="19" name="Picture 18">
-                <a:extLst>
-                  <a:ext uri="{FF2B5EF4-FFF2-40B4-BE49-F238E27FC236}">
-                    <a16:creationId xmlns:a16="http://schemas.microsoft.com/office/drawing/2014/main" id="{68E62EB7-FB10-0976-D1C3-C6AC97BBC1DA}"/>
-                  </a:ext>
-                </a:extLst>
-              </p:cNvPr>
-              <p:cNvPicPr>
-                <a:picLocks noChangeAspect="1"/>
-              </p:cNvPicPr>
-              <p:nvPr/>
-            </p:nvPicPr>
-            <p:blipFill>
-              <a:blip r:embed="rId8"/>
-              <a:stretch>
-                <a:fillRect/>
-              </a:stretch>
-            </p:blipFill>
-            <p:spPr>
-              <a:xfrm>
-                <a:off x="3619418" y="4856594"/>
-                <a:ext cx="1530694" cy="1510615"/>
-              </a:xfrm>
-              <a:prstGeom prst="rect">
-                <a:avLst/>
-              </a:prstGeom>
-            </p:spPr>
-          </p:pic>
-        </p:grpSp>
+            <a:prstGeom prst="rect">
+              <a:avLst/>
+            </a:prstGeom>
+          </p:spPr>
+        </p:pic>
+        <p:pic>
+          <p:nvPicPr>
+            <p:cNvPr id="13" name="Picture 12">
+              <a:extLst>
+                <a:ext uri="{FF2B5EF4-FFF2-40B4-BE49-F238E27FC236}">
+                  <a16:creationId xmlns:a16="http://schemas.microsoft.com/office/drawing/2014/main" id="{EEC44B3F-D26F-444C-97ED-D394691B143C}"/>
+                </a:ext>
+              </a:extLst>
+            </p:cNvPr>
+            <p:cNvPicPr>
+              <a:picLocks noChangeAspect="1"/>
+            </p:cNvPicPr>
+            <p:nvPr/>
+          </p:nvPicPr>
+          <p:blipFill>
+            <a:blip r:embed="rId6"/>
+            <a:stretch>
+              <a:fillRect/>
+            </a:stretch>
+          </p:blipFill>
+          <p:spPr>
+            <a:xfrm>
+              <a:off x="3619418" y="3096249"/>
+              <a:ext cx="1530694" cy="1489099"/>
+            </a:xfrm>
+            <a:prstGeom prst="rect">
+              <a:avLst/>
+            </a:prstGeom>
+          </p:spPr>
+        </p:pic>
         <p:sp>
           <p:nvSpPr>
-            <p:cNvPr id="6" name="TextBox 5">
+            <p:cNvPr id="14" name="Arrow: Right 13">
               <a:extLst>
                 <a:ext uri="{FF2B5EF4-FFF2-40B4-BE49-F238E27FC236}">
-                  <a16:creationId xmlns:a16="http://schemas.microsoft.com/office/drawing/2014/main" id="{4E46FCE6-3013-F356-E566-EA730F64D1ED}"/>
+                  <a16:creationId xmlns:a16="http://schemas.microsoft.com/office/drawing/2014/main" id="{199A8AC6-66FD-1018-50DF-B697223D7836}"/>
+                </a:ext>
+              </a:extLst>
+            </p:cNvPr>
+            <p:cNvSpPr/>
+            <p:nvPr/>
+          </p:nvSpPr>
+          <p:spPr>
+            <a:xfrm>
+              <a:off x="3247741" y="3989414"/>
+              <a:ext cx="292848" cy="144772"/>
+            </a:xfrm>
+            <a:prstGeom prst="rightArrow">
+              <a:avLst/>
+            </a:prstGeom>
+          </p:spPr>
+          <p:style>
+            <a:lnRef idx="2">
+              <a:schemeClr val="dk1">
+                <a:shade val="15000"/>
+              </a:schemeClr>
+            </a:lnRef>
+            <a:fillRef idx="1">
+              <a:schemeClr val="dk1"/>
+            </a:fillRef>
+            <a:effectRef idx="0">
+              <a:schemeClr val="dk1"/>
+            </a:effectRef>
+            <a:fontRef idx="minor">
+              <a:schemeClr val="lt1"/>
+            </a:fontRef>
+          </p:style>
+          <p:txBody>
+            <a:bodyPr rtlCol="0" anchor="ctr"/>
+            <a:lstStyle/>
+            <a:p>
+              <a:pPr algn="ctr"/>
+              <a:endParaRPr lang="en-US"/>
+            </a:p>
+          </p:txBody>
+        </p:sp>
+        <p:sp>
+          <p:nvSpPr>
+            <p:cNvPr id="4" name="TextBox 3">
+              <a:extLst>
+                <a:ext uri="{FF2B5EF4-FFF2-40B4-BE49-F238E27FC236}">
+                  <a16:creationId xmlns:a16="http://schemas.microsoft.com/office/drawing/2014/main" id="{BA6DED7E-03A3-44FA-0A99-97940350ACBD}"/>
                 </a:ext>
               </a:extLst>
             </p:cNvPr>
@@ -10247,7 +13010,7 @@
           </p:nvSpPr>
           <p:spPr>
             <a:xfrm>
-              <a:off x="3042815" y="5230113"/>
+              <a:off x="3082229" y="3625604"/>
               <a:ext cx="721108" cy="369332"/>
             </a:xfrm>
             <a:prstGeom prst="rect">
@@ -10261,10 +13024,323 @@
             </a:bodyPr>
             <a:lstStyle/>
             <a:p>
-              <a:pPr algn="ctr"/>
+              <a:pPr algn="ctr" rtl="0"/>
               <a:r>
                 <a:rPr lang="en-US" dirty="0"/>
-                <a:t>-27%</a:t>
+                <a:t>-44%</a:t>
+              </a:r>
+            </a:p>
+          </p:txBody>
+        </p:sp>
+        <p:sp>
+          <p:nvSpPr>
+            <p:cNvPr id="3" name="TextBox 2">
+              <a:extLst>
+                <a:ext uri="{FF2B5EF4-FFF2-40B4-BE49-F238E27FC236}">
+                  <a16:creationId xmlns:a16="http://schemas.microsoft.com/office/drawing/2014/main" id="{ED0E6D13-D701-D94B-4060-BF3BBFBE1648}"/>
+                </a:ext>
+              </a:extLst>
+            </p:cNvPr>
+            <p:cNvSpPr txBox="1"/>
+            <p:nvPr/>
+          </p:nvSpPr>
+          <p:spPr>
+            <a:xfrm>
+              <a:off x="1366358" y="4492655"/>
+              <a:ext cx="721108" cy="369332"/>
+            </a:xfrm>
+            <a:prstGeom prst="rect">
+              <a:avLst/>
+            </a:prstGeom>
+            <a:noFill/>
+          </p:spPr>
+          <p:txBody>
+            <a:bodyPr wrap="square" rtlCol="0">
+              <a:spAutoFit/>
+            </a:bodyPr>
+            <a:lstStyle/>
+            <a:p>
+              <a:pPr algn="ctr" rtl="0"/>
+              <a:r>
+                <a:rPr lang="en-US" dirty="0"/>
+                <a:t>6636</a:t>
+              </a:r>
+            </a:p>
+          </p:txBody>
+        </p:sp>
+        <p:sp>
+          <p:nvSpPr>
+            <p:cNvPr id="7" name="TextBox 6">
+              <a:extLst>
+                <a:ext uri="{FF2B5EF4-FFF2-40B4-BE49-F238E27FC236}">
+                  <a16:creationId xmlns:a16="http://schemas.microsoft.com/office/drawing/2014/main" id="{F554222E-09AE-B684-380E-B0A11176FE33}"/>
+                </a:ext>
+              </a:extLst>
+            </p:cNvPr>
+            <p:cNvSpPr txBox="1"/>
+            <p:nvPr/>
+          </p:nvSpPr>
+          <p:spPr>
+            <a:xfrm>
+              <a:off x="4608800" y="3149768"/>
+              <a:ext cx="721108" cy="369332"/>
+            </a:xfrm>
+            <a:prstGeom prst="rect">
+              <a:avLst/>
+            </a:prstGeom>
+            <a:noFill/>
+          </p:spPr>
+          <p:txBody>
+            <a:bodyPr wrap="square" rtlCol="0">
+              <a:spAutoFit/>
+            </a:bodyPr>
+            <a:lstStyle/>
+            <a:p>
+              <a:pPr algn="ctr" rtl="0"/>
+              <a:r>
+                <a:rPr lang="en-US" dirty="0"/>
+                <a:t>3739</a:t>
+              </a:r>
+            </a:p>
+          </p:txBody>
+        </p:sp>
+      </p:grpSp>
+      <p:grpSp>
+        <p:nvGrpSpPr>
+          <p:cNvPr id="18" name="Group 17">
+            <a:extLst>
+              <a:ext uri="{FF2B5EF4-FFF2-40B4-BE49-F238E27FC236}">
+                <a16:creationId xmlns:a16="http://schemas.microsoft.com/office/drawing/2014/main" id="{691D3CA2-E4C5-8AD0-F6C5-3672858D4BE0}"/>
+              </a:ext>
+            </a:extLst>
+          </p:cNvPr>
+          <p:cNvGrpSpPr/>
+          <p:nvPr/>
+        </p:nvGrpSpPr>
+        <p:grpSpPr>
+          <a:xfrm>
+            <a:off x="1492469" y="4769294"/>
+            <a:ext cx="3837439" cy="1510615"/>
+            <a:chOff x="1492469" y="4769294"/>
+            <a:chExt cx="3837439" cy="1510615"/>
+          </a:xfrm>
+        </p:grpSpPr>
+        <p:grpSp>
+          <p:nvGrpSpPr>
+            <p:cNvPr id="12" name="Group 11">
+              <a:extLst>
+                <a:ext uri="{FF2B5EF4-FFF2-40B4-BE49-F238E27FC236}">
+                  <a16:creationId xmlns:a16="http://schemas.microsoft.com/office/drawing/2014/main" id="{D30F4022-5328-F1E8-E72D-A4F175E58314}"/>
+                </a:ext>
+              </a:extLst>
+            </p:cNvPr>
+            <p:cNvGrpSpPr/>
+            <p:nvPr/>
+          </p:nvGrpSpPr>
+          <p:grpSpPr>
+            <a:xfrm>
+              <a:off x="1492469" y="4769294"/>
+              <a:ext cx="3657643" cy="1510615"/>
+              <a:chOff x="1492469" y="4769294"/>
+              <a:chExt cx="3657643" cy="1510615"/>
+            </a:xfrm>
+          </p:grpSpPr>
+          <p:grpSp>
+            <p:nvGrpSpPr>
+              <p:cNvPr id="10" name="Group 9">
+                <a:extLst>
+                  <a:ext uri="{FF2B5EF4-FFF2-40B4-BE49-F238E27FC236}">
+                    <a16:creationId xmlns:a16="http://schemas.microsoft.com/office/drawing/2014/main" id="{DB44B22D-ED97-27BC-BAC0-8ADE1C1A067C}"/>
+                  </a:ext>
+                </a:extLst>
+              </p:cNvPr>
+              <p:cNvGrpSpPr/>
+              <p:nvPr/>
+            </p:nvGrpSpPr>
+            <p:grpSpPr>
+              <a:xfrm>
+                <a:off x="1492469" y="4769294"/>
+                <a:ext cx="3657643" cy="1510615"/>
+                <a:chOff x="1492469" y="4856594"/>
+                <a:chExt cx="3657643" cy="1510615"/>
+              </a:xfrm>
+            </p:grpSpPr>
+            <p:pic>
+              <p:nvPicPr>
+                <p:cNvPr id="16" name="Picture 15">
+                  <a:extLst>
+                    <a:ext uri="{FF2B5EF4-FFF2-40B4-BE49-F238E27FC236}">
+                      <a16:creationId xmlns:a16="http://schemas.microsoft.com/office/drawing/2014/main" id="{D5C31AB6-35AA-B996-57C4-A960D9894FCB}"/>
+                    </a:ext>
+                  </a:extLst>
+                </p:cNvPr>
+                <p:cNvPicPr>
+                  <a:picLocks noChangeAspect="1"/>
+                </p:cNvPicPr>
+                <p:nvPr/>
+              </p:nvPicPr>
+              <p:blipFill>
+                <a:blip r:embed="rId7"/>
+                <a:stretch>
+                  <a:fillRect/>
+                </a:stretch>
+              </p:blipFill>
+              <p:spPr>
+                <a:xfrm>
+                  <a:off x="1492469" y="4856594"/>
+                  <a:ext cx="1676443" cy="1463614"/>
+                </a:xfrm>
+                <a:prstGeom prst="rect">
+                  <a:avLst/>
+                </a:prstGeom>
+              </p:spPr>
+            </p:pic>
+            <p:sp>
+              <p:nvSpPr>
+                <p:cNvPr id="17" name="Arrow: Right 16">
+                  <a:extLst>
+                    <a:ext uri="{FF2B5EF4-FFF2-40B4-BE49-F238E27FC236}">
+                      <a16:creationId xmlns:a16="http://schemas.microsoft.com/office/drawing/2014/main" id="{B7BE009E-07D3-37F3-E3F4-3FA8941583E1}"/>
+                    </a:ext>
+                  </a:extLst>
+                </p:cNvPr>
+                <p:cNvSpPr/>
+                <p:nvPr/>
+              </p:nvSpPr>
+              <p:spPr>
+                <a:xfrm>
+                  <a:off x="3247741" y="5588401"/>
+                  <a:ext cx="292848" cy="144772"/>
+                </a:xfrm>
+                <a:prstGeom prst="rightArrow">
+                  <a:avLst/>
+                </a:prstGeom>
+              </p:spPr>
+              <p:style>
+                <a:lnRef idx="2">
+                  <a:schemeClr val="dk1">
+                    <a:shade val="15000"/>
+                  </a:schemeClr>
+                </a:lnRef>
+                <a:fillRef idx="1">
+                  <a:schemeClr val="dk1"/>
+                </a:fillRef>
+                <a:effectRef idx="0">
+                  <a:schemeClr val="dk1"/>
+                </a:effectRef>
+                <a:fontRef idx="minor">
+                  <a:schemeClr val="lt1"/>
+                </a:fontRef>
+              </p:style>
+              <p:txBody>
+                <a:bodyPr rtlCol="0" anchor="ctr"/>
+                <a:lstStyle/>
+                <a:p>
+                  <a:pPr algn="ctr"/>
+                  <a:endParaRPr lang="en-US"/>
+                </a:p>
+              </p:txBody>
+            </p:sp>
+            <p:pic>
+              <p:nvPicPr>
+                <p:cNvPr id="19" name="Picture 18">
+                  <a:extLst>
+                    <a:ext uri="{FF2B5EF4-FFF2-40B4-BE49-F238E27FC236}">
+                      <a16:creationId xmlns:a16="http://schemas.microsoft.com/office/drawing/2014/main" id="{68E62EB7-FB10-0976-D1C3-C6AC97BBC1DA}"/>
+                    </a:ext>
+                  </a:extLst>
+                </p:cNvPr>
+                <p:cNvPicPr>
+                  <a:picLocks noChangeAspect="1"/>
+                </p:cNvPicPr>
+                <p:nvPr/>
+              </p:nvPicPr>
+              <p:blipFill>
+                <a:blip r:embed="rId8"/>
+                <a:stretch>
+                  <a:fillRect/>
+                </a:stretch>
+              </p:blipFill>
+              <p:spPr>
+                <a:xfrm>
+                  <a:off x="3619418" y="4856594"/>
+                  <a:ext cx="1530694" cy="1510615"/>
+                </a:xfrm>
+                <a:prstGeom prst="rect">
+                  <a:avLst/>
+                </a:prstGeom>
+              </p:spPr>
+            </p:pic>
+          </p:grpSp>
+          <p:sp>
+            <p:nvSpPr>
+              <p:cNvPr id="6" name="TextBox 5">
+                <a:extLst>
+                  <a:ext uri="{FF2B5EF4-FFF2-40B4-BE49-F238E27FC236}">
+                    <a16:creationId xmlns:a16="http://schemas.microsoft.com/office/drawing/2014/main" id="{4E46FCE6-3013-F356-E566-EA730F64D1ED}"/>
+                  </a:ext>
+                </a:extLst>
+              </p:cNvPr>
+              <p:cNvSpPr txBox="1"/>
+              <p:nvPr/>
+            </p:nvSpPr>
+            <p:spPr>
+              <a:xfrm>
+                <a:off x="3042815" y="5230113"/>
+                <a:ext cx="721108" cy="369332"/>
+              </a:xfrm>
+              <a:prstGeom prst="rect">
+                <a:avLst/>
+              </a:prstGeom>
+              <a:noFill/>
+            </p:spPr>
+            <p:txBody>
+              <a:bodyPr wrap="square" rtlCol="0">
+                <a:spAutoFit/>
+              </a:bodyPr>
+              <a:lstStyle/>
+              <a:p>
+                <a:pPr algn="ctr" rtl="0"/>
+                <a:r>
+                  <a:rPr lang="en-US" dirty="0"/>
+                  <a:t>-27%</a:t>
+                </a:r>
+              </a:p>
+            </p:txBody>
+          </p:sp>
+        </p:grpSp>
+        <p:sp>
+          <p:nvSpPr>
+            <p:cNvPr id="15" name="TextBox 14">
+              <a:extLst>
+                <a:ext uri="{FF2B5EF4-FFF2-40B4-BE49-F238E27FC236}">
+                  <a16:creationId xmlns:a16="http://schemas.microsoft.com/office/drawing/2014/main" id="{8476E89B-8B16-72F6-1B3A-3A68DB8553D6}"/>
+                </a:ext>
+              </a:extLst>
+            </p:cNvPr>
+            <p:cNvSpPr txBox="1"/>
+            <p:nvPr/>
+          </p:nvSpPr>
+          <p:spPr>
+            <a:xfrm>
+              <a:off x="4608800" y="4916874"/>
+              <a:ext cx="721108" cy="369332"/>
+            </a:xfrm>
+            <a:prstGeom prst="rect">
+              <a:avLst/>
+            </a:prstGeom>
+            <a:noFill/>
+          </p:spPr>
+          <p:txBody>
+            <a:bodyPr wrap="square" rtlCol="0">
+              <a:spAutoFit/>
+            </a:bodyPr>
+            <a:lstStyle/>
+            <a:p>
+              <a:pPr algn="ctr" rtl="0"/>
+              <a:r>
+                <a:rPr lang="en-US" dirty="0"/>
+                <a:t>4859</a:t>
               </a:r>
             </a:p>
           </p:txBody>
@@ -10314,7 +13390,7 @@
                                           </p:stCondLst>
                                         </p:cTn>
                                         <p:tgtEl>
-                                          <p:spTgt spid="7"/>
+                                          <p:spTgt spid="18"/>
                                         </p:tgtEl>
                                         <p:attrNameLst>
                                           <p:attrName>style.visibility</p:attrName>
@@ -10416,7 +13492,7 @@
           <p:nvPr/>
         </p:nvPicPr>
         <p:blipFill>
-          <a:blip r:embed="rId2" cstate="print">
+          <a:blip r:embed="rId3" cstate="print">
             <a:extLst>
               <a:ext uri="{28A0092B-C50C-407E-A947-70E740481C1C}">
                 <a14:useLocalDpi xmlns:a14="http://schemas.microsoft.com/office/drawing/2010/main" val="0"/>
@@ -10653,7 +13729,7 @@
               <a:buNone/>
             </a:pPr>
             <a:r>
-              <a:rPr lang="en-US" sz="3600" dirty="0"/>
+              <a:rPr lang="en-US" dirty="0"/>
               <a:t>2. Filtration of only properties which are located in the state of Washington, based on the ‘neighborhood’ filed:</a:t>
             </a:r>
           </a:p>
@@ -10665,7 +13741,14 @@
               <a:buFont typeface="Arial" panose="020B0604020202020204" pitchFamily="34" charset="0"/>
               <a:buNone/>
             </a:pPr>
-            <a:endParaRPr lang="en-US" sz="3600" dirty="0"/>
+            <a:r>
+              <a:rPr lang="en-US" sz="1800" dirty="0" err="1"/>
+              <a:t>listings_clean_missing_values_Washington</a:t>
+            </a:r>
+            <a:r>
+              <a:rPr lang="en-US" sz="1800" dirty="0"/>
+              <a:t>   </a:t>
+            </a:r>
           </a:p>
           <a:p>
             <a:pPr marL="0" indent="0" algn="just" rtl="0">
@@ -10677,7 +13760,23 @@
             </a:pPr>
             <a:r>
               <a:rPr lang="en-US" sz="1800" dirty="0"/>
-              <a:t>listings_clean_missing_values_Washington   </a:t>
+              <a:t>= listings_clean_missing_values[listings_clean_missing_values['</a:t>
+            </a:r>
+            <a:r>
+              <a:rPr lang="en-US" sz="1800" dirty="0" err="1"/>
+              <a:t>neighbourhood</a:t>
+            </a:r>
+            <a:r>
+              <a:rPr lang="en-US" sz="1800" dirty="0"/>
+              <a:t>'].</a:t>
+            </a:r>
+            <a:r>
+              <a:rPr lang="en-US" sz="1800" dirty="0" err="1"/>
+              <a:t>str.contains</a:t>
+            </a:r>
+            <a:r>
+              <a:rPr lang="en-US" sz="1800" dirty="0"/>
+              <a:t>("Washington")]</a:t>
             </a:r>
           </a:p>
           <a:p>
@@ -10689,29 +13788,62 @@
               <a:buNone/>
             </a:pPr>
             <a:r>
-              <a:rPr lang="en-US" sz="1800" dirty="0"/>
-              <a:t>= listings_clean_missing_values[listings_clean_missing_values['</a:t>
-            </a:r>
-            <a:r>
-              <a:rPr lang="en-US" sz="1800" dirty="0" err="1"/>
-              <a:t>neighbourhood</a:t>
-            </a:r>
-            <a:r>
-              <a:rPr lang="en-US" sz="1800" dirty="0"/>
-              <a:t>'].</a:t>
-            </a:r>
-            <a:r>
-              <a:rPr lang="en-US" sz="1800" dirty="0" err="1"/>
-              <a:t>str.contains</a:t>
-            </a:r>
-            <a:r>
-              <a:rPr lang="en-US" sz="1800" dirty="0"/>
-              <a:t>("Washington")]</a:t>
-            </a:r>
+              <a:rPr lang="en-US" dirty="0"/>
+              <a:t>Only a single property of the above was found to be located not in the state of Washington (0.02%, records’ number decreased to 4858). </a:t>
+            </a:r>
+          </a:p>
+          <a:p>
+            <a:pPr marL="0" indent="0" algn="just" rtl="0">
+              <a:lnSpc>
+                <a:spcPct val="100000"/>
+              </a:lnSpc>
+              <a:buFont typeface="Arial" panose="020B0604020202020204" pitchFamily="34" charset="0"/>
+              <a:buNone/>
+            </a:pPr>
+            <a:endParaRPr lang="en-US" sz="1800" dirty="0"/>
+          </a:p>
+          <a:p>
+            <a:pPr marL="0" indent="0" algn="just" rtl="0">
+              <a:lnSpc>
+                <a:spcPct val="100000"/>
+              </a:lnSpc>
+              <a:buFont typeface="Arial" panose="020B0604020202020204" pitchFamily="34" charset="0"/>
+              <a:buNone/>
+            </a:pPr>
             <a:endParaRPr lang="he-IL" sz="1800" dirty="0"/>
           </a:p>
         </p:txBody>
       </p:sp>
+      <p:pic>
+        <p:nvPicPr>
+          <p:cNvPr id="9" name="Picture 8">
+            <a:extLst>
+              <a:ext uri="{FF2B5EF4-FFF2-40B4-BE49-F238E27FC236}">
+                <a16:creationId xmlns:a16="http://schemas.microsoft.com/office/drawing/2014/main" id="{F89C23AB-B51F-1E97-60EA-885FAF4C9B6D}"/>
+              </a:ext>
+            </a:extLst>
+          </p:cNvPr>
+          <p:cNvPicPr>
+            <a:picLocks noChangeAspect="1"/>
+          </p:cNvPicPr>
+          <p:nvPr/>
+        </p:nvPicPr>
+        <p:blipFill>
+          <a:blip r:embed="rId4"/>
+          <a:stretch>
+            <a:fillRect/>
+          </a:stretch>
+        </p:blipFill>
+        <p:spPr>
+          <a:xfrm>
+            <a:off x="8625839" y="4231384"/>
+            <a:ext cx="2793093" cy="2106354"/>
+          </a:xfrm>
+          <a:prstGeom prst="rect">
+            <a:avLst/>
+          </a:prstGeom>
+        </p:spPr>
+      </p:pic>
     </p:spTree>
     <p:extLst>
       <p:ext uri="{BB962C8B-B14F-4D97-AF65-F5344CB8AC3E}">
@@ -11072,7 +14204,7 @@
           <a:p>
             <a:pPr algn="l" rtl="0"/>
             <a:r>
-              <a:rPr lang="en-US" sz="3200" b="1" dirty="0">
+              <a:rPr lang="en-US" sz="2800" b="1" dirty="0">
                 <a:cs typeface="+mn-cs"/>
               </a:rPr>
               <a:t>Route A: </a:t>
@@ -11081,7 +14213,7 @@
           <a:p>
             <a:pPr algn="l" rtl="0"/>
             <a:r>
-              <a:rPr lang="en-US" sz="2900" b="1" dirty="0">
+              <a:rPr lang="en-US" sz="2800" b="1" dirty="0">
                 <a:cs typeface="+mn-cs"/>
               </a:rPr>
               <a:t>Trial to specify the KPI’s filtered properties population Top 25% (Q1) </a:t>
@@ -11111,8 +14243,8 @@
         </p:blipFill>
         <p:spPr>
           <a:xfrm>
-            <a:off x="1955194" y="3030987"/>
-            <a:ext cx="8707279" cy="2786808"/>
+            <a:off x="1955194" y="2711669"/>
+            <a:ext cx="8707279" cy="3106126"/>
           </a:xfrm>
           <a:prstGeom prst="rect">
             <a:avLst/>
@@ -11162,7 +14294,7 @@
         <p:spPr>
           <a:xfrm>
             <a:off x="1334812" y="748962"/>
-            <a:ext cx="3846787" cy="788916"/>
+            <a:ext cx="5675588" cy="788916"/>
           </a:xfrm>
         </p:spPr>
         <p:txBody>
@@ -11176,7 +14308,7 @@
               <a:rPr lang="en-US" sz="5100" b="1" dirty="0">
                 <a:cs typeface="+mn-cs"/>
               </a:rPr>
-              <a:t>Data Analysis:</a:t>
+              <a:t>Data Analysis (cont.):</a:t>
             </a:r>
           </a:p>
         </p:txBody>
@@ -11446,8 +14578,8 @@
         </p:nvSpPr>
         <p:spPr>
           <a:xfrm>
-            <a:off x="1334812" y="1547312"/>
-            <a:ext cx="9948044" cy="788916"/>
+            <a:off x="1334812" y="1620247"/>
+            <a:ext cx="9948044" cy="1059160"/>
           </a:xfrm>
           <a:prstGeom prst="rect">
             <a:avLst/>
@@ -11477,354 +14609,597 @@
             </a:lvl1pPr>
           </a:lstStyle>
           <a:p>
-            <a:pPr algn="l" rtl="0"/>
-            <a:r>
-              <a:rPr lang="en-US" sz="2900" b="1" dirty="0">
+            <a:pPr algn="just" rtl="0"/>
+            <a:r>
+              <a:rPr lang="en-US" sz="2800" b="1" dirty="0">
                 <a:cs typeface="+mn-cs"/>
               </a:rPr>
               <a:t>Route A: </a:t>
             </a:r>
           </a:p>
           <a:p>
-            <a:pPr algn="l" rtl="0"/>
-            <a:r>
-              <a:rPr lang="en-US" sz="2900" b="1" dirty="0">
+            <a:pPr algn="just" rtl="0"/>
+            <a:r>
+              <a:rPr lang="en-US" sz="2800" b="1" dirty="0">
                 <a:cs typeface="+mn-cs"/>
               </a:rPr>
-              <a:t>Insignificant outcomes </a:t>
-            </a:r>
-          </a:p>
-        </p:txBody>
-      </p:sp>
-      <p:pic>
-        <p:nvPicPr>
-          <p:cNvPr id="1026" name="Picture 2">
+              <a:t>The most common </a:t>
+            </a:r>
+            <a:r>
+              <a:rPr lang="en-US" sz="2800" b="1" dirty="0">
+                <a:solidFill>
+                  <a:srgbClr val="FF0000"/>
+                </a:solidFill>
+                <a:cs typeface="+mn-cs"/>
+              </a:rPr>
+              <a:t>Property type </a:t>
+            </a:r>
+            <a:r>
+              <a:rPr lang="en-US" sz="2800" b="1" dirty="0">
+                <a:cs typeface="+mn-cs"/>
+              </a:rPr>
+              <a:t>in Q1, Q2 and Q3 is Entire home → </a:t>
+            </a:r>
+          </a:p>
+          <a:p>
+            <a:pPr algn="just" rtl="0"/>
+            <a:r>
+              <a:rPr lang="en-US" sz="2800" b="1" dirty="0">
+                <a:cs typeface="+mn-cs"/>
+              </a:rPr>
+              <a:t>Non-Discriminative! </a:t>
+            </a:r>
+          </a:p>
+        </p:txBody>
+      </p:sp>
+      <p:grpSp>
+        <p:nvGrpSpPr>
+          <p:cNvPr id="13" name="Group 12">
             <a:extLst>
               <a:ext uri="{FF2B5EF4-FFF2-40B4-BE49-F238E27FC236}">
-                <a16:creationId xmlns:a16="http://schemas.microsoft.com/office/drawing/2014/main" id="{F999FCB8-C8F0-348D-0193-6C4DC817A784}"/>
+                <a16:creationId xmlns:a16="http://schemas.microsoft.com/office/drawing/2014/main" id="{9FD1F59E-B7C7-0FE6-16E4-5EB73629343C}"/>
               </a:ext>
             </a:extLst>
           </p:cNvPr>
-          <p:cNvPicPr>
-            <a:picLocks noChangeAspect="1" noChangeArrowheads="1"/>
-          </p:cNvPicPr>
+          <p:cNvGrpSpPr/>
           <p:nvPr/>
-        </p:nvPicPr>
-        <p:blipFill>
-          <a:blip r:embed="rId4" cstate="print">
+        </p:nvGrpSpPr>
+        <p:grpSpPr>
+          <a:xfrm>
+            <a:off x="1739132" y="2764910"/>
+            <a:ext cx="2805542" cy="3545105"/>
+            <a:chOff x="4354679" y="1161853"/>
+            <a:chExt cx="3482642" cy="4534293"/>
+          </a:xfrm>
+        </p:grpSpPr>
+        <p:pic>
+          <p:nvPicPr>
+            <p:cNvPr id="11" name="Picture 10">
+              <a:extLst>
+                <a:ext uri="{FF2B5EF4-FFF2-40B4-BE49-F238E27FC236}">
+                  <a16:creationId xmlns:a16="http://schemas.microsoft.com/office/drawing/2014/main" id="{75322B1B-FD87-8484-FB5A-B73E6471B95E}"/>
+                </a:ext>
+              </a:extLst>
+            </p:cNvPr>
+            <p:cNvPicPr>
+              <a:picLocks noChangeAspect="1"/>
+            </p:cNvPicPr>
+            <p:nvPr/>
+          </p:nvPicPr>
+          <p:blipFill>
+            <a:blip r:embed="rId4"/>
+            <a:stretch>
+              <a:fillRect/>
+            </a:stretch>
+          </p:blipFill>
+          <p:spPr>
+            <a:xfrm>
+              <a:off x="4354679" y="1161853"/>
+              <a:ext cx="3482642" cy="4534293"/>
+            </a:xfrm>
+            <a:prstGeom prst="rect">
+              <a:avLst/>
+            </a:prstGeom>
+          </p:spPr>
+        </p:pic>
+        <p:sp>
+          <p:nvSpPr>
+            <p:cNvPr id="12" name="TextBox 11">
+              <a:extLst>
+                <a:ext uri="{FF2B5EF4-FFF2-40B4-BE49-F238E27FC236}">
+                  <a16:creationId xmlns:a16="http://schemas.microsoft.com/office/drawing/2014/main" id="{FC3BAAAE-F268-0692-2A73-256E4E4D9440}"/>
+                </a:ext>
+              </a:extLst>
+            </p:cNvPr>
+            <p:cNvSpPr txBox="1"/>
+            <p:nvPr/>
+          </p:nvSpPr>
+          <p:spPr>
+            <a:xfrm>
+              <a:off x="5689403" y="1656695"/>
+              <a:ext cx="1238862" cy="707886"/>
+            </a:xfrm>
+            <a:prstGeom prst="rect">
+              <a:avLst/>
+            </a:prstGeom>
+            <a:noFill/>
+          </p:spPr>
+          <p:txBody>
+            <a:bodyPr wrap="square" rtlCol="0">
+              <a:spAutoFit/>
+            </a:bodyPr>
+            <a:lstStyle/>
+            <a:p>
+              <a:pPr algn="ctr"/>
+              <a:r>
+                <a:rPr lang="en-US" sz="4000" dirty="0"/>
+                <a:t>Q1</a:t>
+              </a:r>
+            </a:p>
+          </p:txBody>
+        </p:sp>
+      </p:grpSp>
+      <p:grpSp>
+        <p:nvGrpSpPr>
+          <p:cNvPr id="9" name="Group 8">
             <a:extLst>
-              <a:ext uri="{28A0092B-C50C-407E-A947-70E740481C1C}">
-                <a14:useLocalDpi xmlns:a14="http://schemas.microsoft.com/office/drawing/2010/main" val="0"/>
+              <a:ext uri="{FF2B5EF4-FFF2-40B4-BE49-F238E27FC236}">
+                <a16:creationId xmlns:a16="http://schemas.microsoft.com/office/drawing/2014/main" id="{0BDA4BCA-9F83-254C-B618-BD6BA603EE33}"/>
               </a:ext>
             </a:extLst>
-          </a:blip>
-          <a:srcRect/>
-          <a:stretch>
-            <a:fillRect/>
-          </a:stretch>
-        </p:blipFill>
-        <p:spPr bwMode="auto">
+          </p:cNvPr>
+          <p:cNvGrpSpPr/>
+          <p:nvPr/>
+        </p:nvGrpSpPr>
+        <p:grpSpPr>
           <a:xfrm>
-            <a:off x="1512909" y="2326794"/>
-            <a:ext cx="2498757" cy="1814282"/>
+            <a:off x="4240395" y="2764910"/>
+            <a:ext cx="2692087" cy="3386667"/>
+            <a:chOff x="8200163" y="1143420"/>
+            <a:chExt cx="4244708" cy="4138019"/>
           </a:xfrm>
-          <a:prstGeom prst="rect">
+        </p:grpSpPr>
+        <p:pic>
+          <p:nvPicPr>
+            <p:cNvPr id="6" name="Picture 5">
+              <a:extLst>
+                <a:ext uri="{FF2B5EF4-FFF2-40B4-BE49-F238E27FC236}">
+                  <a16:creationId xmlns:a16="http://schemas.microsoft.com/office/drawing/2014/main" id="{8BE75204-FCCF-9B40-79F1-6E55AF655C7D}"/>
+                </a:ext>
+              </a:extLst>
+            </p:cNvPr>
+            <p:cNvPicPr>
+              <a:picLocks noChangeAspect="1"/>
+            </p:cNvPicPr>
+            <p:nvPr/>
+          </p:nvPicPr>
+          <p:blipFill>
+            <a:blip r:embed="rId5"/>
+            <a:stretch>
+              <a:fillRect/>
+            </a:stretch>
+          </p:blipFill>
+          <p:spPr>
+            <a:xfrm>
+              <a:off x="8200163" y="1143420"/>
+              <a:ext cx="4244708" cy="4138019"/>
+            </a:xfrm>
+            <a:prstGeom prst="rect">
+              <a:avLst/>
+            </a:prstGeom>
+          </p:spPr>
+        </p:pic>
+        <p:sp>
+          <p:nvSpPr>
+            <p:cNvPr id="7" name="TextBox 6">
+              <a:extLst>
+                <a:ext uri="{FF2B5EF4-FFF2-40B4-BE49-F238E27FC236}">
+                  <a16:creationId xmlns:a16="http://schemas.microsoft.com/office/drawing/2014/main" id="{C6B609B6-B68D-1C4A-BD26-01202680C16C}"/>
+                </a:ext>
+              </a:extLst>
+            </p:cNvPr>
+            <p:cNvSpPr txBox="1"/>
+            <p:nvPr/>
+          </p:nvSpPr>
+          <p:spPr>
+            <a:xfrm>
+              <a:off x="10322517" y="1755228"/>
+              <a:ext cx="1238862" cy="707886"/>
+            </a:xfrm>
+            <a:prstGeom prst="rect">
+              <a:avLst/>
+            </a:prstGeom>
+            <a:noFill/>
+          </p:spPr>
+          <p:txBody>
+            <a:bodyPr wrap="square" rtlCol="0">
+              <a:spAutoFit/>
+            </a:bodyPr>
+            <a:lstStyle/>
+            <a:p>
+              <a:pPr algn="ctr"/>
+              <a:r>
+                <a:rPr lang="en-US" sz="4000" dirty="0"/>
+                <a:t>Q2</a:t>
+              </a:r>
+            </a:p>
+          </p:txBody>
+        </p:sp>
+      </p:grpSp>
+      <p:grpSp>
+        <p:nvGrpSpPr>
+          <p:cNvPr id="20" name="Group 19">
+            <a:extLst>
+              <a:ext uri="{FF2B5EF4-FFF2-40B4-BE49-F238E27FC236}">
+                <a16:creationId xmlns:a16="http://schemas.microsoft.com/office/drawing/2014/main" id="{53EA4107-F96E-A666-973E-E82D62D9BFF8}"/>
+              </a:ext>
+            </a:extLst>
+          </p:cNvPr>
+          <p:cNvGrpSpPr/>
+          <p:nvPr/>
+        </p:nvGrpSpPr>
+        <p:grpSpPr>
+          <a:xfrm>
+            <a:off x="6628204" y="2775200"/>
+            <a:ext cx="2535967" cy="3545106"/>
+            <a:chOff x="-641661" y="1656695"/>
+            <a:chExt cx="3101609" cy="4351397"/>
+          </a:xfrm>
+        </p:grpSpPr>
+        <p:pic>
+          <p:nvPicPr>
+            <p:cNvPr id="15" name="Picture 14">
+              <a:extLst>
+                <a:ext uri="{FF2B5EF4-FFF2-40B4-BE49-F238E27FC236}">
+                  <a16:creationId xmlns:a16="http://schemas.microsoft.com/office/drawing/2014/main" id="{50A625F0-E3F8-2134-C159-CCAC14DCF026}"/>
+                </a:ext>
+              </a:extLst>
+            </p:cNvPr>
+            <p:cNvPicPr>
+              <a:picLocks noChangeAspect="1"/>
+            </p:cNvPicPr>
+            <p:nvPr/>
+          </p:nvPicPr>
+          <p:blipFill>
+            <a:blip r:embed="rId6"/>
+            <a:stretch>
+              <a:fillRect/>
+            </a:stretch>
+          </p:blipFill>
+          <p:spPr>
+            <a:xfrm>
+              <a:off x="-641661" y="1656695"/>
+              <a:ext cx="3101609" cy="4351397"/>
+            </a:xfrm>
+            <a:prstGeom prst="rect">
+              <a:avLst/>
+            </a:prstGeom>
+          </p:spPr>
+        </p:pic>
+        <p:sp>
+          <p:nvSpPr>
+            <p:cNvPr id="16" name="TextBox 15">
+              <a:extLst>
+                <a:ext uri="{FF2B5EF4-FFF2-40B4-BE49-F238E27FC236}">
+                  <a16:creationId xmlns:a16="http://schemas.microsoft.com/office/drawing/2014/main" id="{482BDBAA-A0A0-4253-4541-8621F940EE1D}"/>
+                </a:ext>
+              </a:extLst>
+            </p:cNvPr>
+            <p:cNvSpPr txBox="1"/>
+            <p:nvPr/>
+          </p:nvSpPr>
+          <p:spPr>
+            <a:xfrm>
+              <a:off x="783076" y="2091668"/>
+              <a:ext cx="1238862" cy="707886"/>
+            </a:xfrm>
+            <a:prstGeom prst="rect">
+              <a:avLst/>
+            </a:prstGeom>
+            <a:noFill/>
+          </p:spPr>
+          <p:txBody>
+            <a:bodyPr wrap="square" rtlCol="0">
+              <a:spAutoFit/>
+            </a:bodyPr>
+            <a:lstStyle/>
+            <a:p>
+              <a:pPr algn="ctr"/>
+              <a:r>
+                <a:rPr lang="en-US" sz="4000" dirty="0"/>
+                <a:t>Q3</a:t>
+              </a:r>
+            </a:p>
+          </p:txBody>
+        </p:sp>
+      </p:grpSp>
+      <p:grpSp>
+        <p:nvGrpSpPr>
+          <p:cNvPr id="21" name="Group 20">
+            <a:extLst>
+              <a:ext uri="{FF2B5EF4-FFF2-40B4-BE49-F238E27FC236}">
+                <a16:creationId xmlns:a16="http://schemas.microsoft.com/office/drawing/2014/main" id="{9572D7F5-294D-BFC0-D292-46D1F2BFD779}"/>
+              </a:ext>
+            </a:extLst>
+          </p:cNvPr>
+          <p:cNvGrpSpPr/>
+          <p:nvPr/>
+        </p:nvGrpSpPr>
+        <p:grpSpPr>
+          <a:xfrm>
+            <a:off x="8956033" y="2764910"/>
+            <a:ext cx="2535967" cy="3386667"/>
+            <a:chOff x="8596227" y="1658975"/>
+            <a:chExt cx="2929916" cy="4389500"/>
+          </a:xfrm>
+        </p:grpSpPr>
+        <p:pic>
+          <p:nvPicPr>
+            <p:cNvPr id="18" name="Picture 17">
+              <a:extLst>
+                <a:ext uri="{FF2B5EF4-FFF2-40B4-BE49-F238E27FC236}">
+                  <a16:creationId xmlns:a16="http://schemas.microsoft.com/office/drawing/2014/main" id="{AA9E1D9C-0184-2711-C495-650FA6E52A89}"/>
+                </a:ext>
+              </a:extLst>
+            </p:cNvPr>
+            <p:cNvPicPr>
+              <a:picLocks noChangeAspect="1"/>
+            </p:cNvPicPr>
+            <p:nvPr/>
+          </p:nvPicPr>
+          <p:blipFill>
+            <a:blip r:embed="rId7"/>
+            <a:stretch>
+              <a:fillRect/>
+            </a:stretch>
+          </p:blipFill>
+          <p:spPr>
+            <a:xfrm>
+              <a:off x="8596227" y="1658975"/>
+              <a:ext cx="2929916" cy="4389500"/>
+            </a:xfrm>
+            <a:prstGeom prst="rect">
+              <a:avLst/>
+            </a:prstGeom>
+          </p:spPr>
+        </p:pic>
+        <p:sp>
+          <p:nvSpPr>
+            <p:cNvPr id="19" name="TextBox 18">
+              <a:extLst>
+                <a:ext uri="{FF2B5EF4-FFF2-40B4-BE49-F238E27FC236}">
+                  <a16:creationId xmlns:a16="http://schemas.microsoft.com/office/drawing/2014/main" id="{0B52014E-DA3F-5DF4-224C-838831482932}"/>
+                </a:ext>
+              </a:extLst>
+            </p:cNvPr>
+            <p:cNvSpPr txBox="1"/>
+            <p:nvPr/>
+          </p:nvSpPr>
+          <p:spPr>
+            <a:xfrm>
+              <a:off x="9923084" y="2291470"/>
+              <a:ext cx="1238862" cy="707886"/>
+            </a:xfrm>
+            <a:prstGeom prst="rect">
+              <a:avLst/>
+            </a:prstGeom>
+            <a:noFill/>
+          </p:spPr>
+          <p:txBody>
+            <a:bodyPr wrap="square" rtlCol="0">
+              <a:spAutoFit/>
+            </a:bodyPr>
+            <a:lstStyle/>
+            <a:p>
+              <a:pPr algn="ctr"/>
+              <a:r>
+                <a:rPr lang="en-US" sz="4000" dirty="0"/>
+                <a:t>Q4</a:t>
+              </a:r>
+            </a:p>
+          </p:txBody>
+        </p:sp>
+      </p:grpSp>
+      <p:sp>
+        <p:nvSpPr>
+          <p:cNvPr id="22" name="Oval 21">
+            <a:extLst>
+              <a:ext uri="{FF2B5EF4-FFF2-40B4-BE49-F238E27FC236}">
+                <a16:creationId xmlns:a16="http://schemas.microsoft.com/office/drawing/2014/main" id="{393F7E67-599F-3B73-8627-6C5ED6F47677}"/>
+              </a:ext>
+            </a:extLst>
+          </p:cNvPr>
+          <p:cNvSpPr/>
+          <p:nvPr/>
+        </p:nvSpPr>
+        <p:spPr>
+          <a:xfrm>
+            <a:off x="2007476" y="4740166"/>
+            <a:ext cx="209368" cy="735724"/>
+          </a:xfrm>
+          <a:prstGeom prst="ellipse">
             <a:avLst/>
           </a:prstGeom>
           <a:noFill/>
-          <a:extLst>
-            <a:ext uri="{909E8E84-426E-40DD-AFC4-6F175D3DCCD1}">
-              <a14:hiddenFill xmlns:a14="http://schemas.microsoft.com/office/drawing/2010/main">
-                <a:solidFill>
-                  <a:srgbClr val="FFFFFF"/>
-                </a:solidFill>
-              </a14:hiddenFill>
-            </a:ext>
-          </a:extLst>
+          <a:ln>
+            <a:solidFill>
+              <a:srgbClr val="FF0000"/>
+            </a:solidFill>
+          </a:ln>
         </p:spPr>
-      </p:pic>
-      <p:pic>
-        <p:nvPicPr>
-          <p:cNvPr id="1028" name="Picture 4">
+        <p:style>
+          <a:lnRef idx="2">
+            <a:schemeClr val="accent6"/>
+          </a:lnRef>
+          <a:fillRef idx="1">
+            <a:schemeClr val="lt1"/>
+          </a:fillRef>
+          <a:effectRef idx="0">
+            <a:schemeClr val="accent6"/>
+          </a:effectRef>
+          <a:fontRef idx="minor">
+            <a:schemeClr val="dk1"/>
+          </a:fontRef>
+        </p:style>
+        <p:txBody>
+          <a:bodyPr rtlCol="0" anchor="ctr"/>
+          <a:lstStyle/>
+          <a:p>
+            <a:pPr algn="ctr"/>
+            <a:endParaRPr lang="en-US"/>
+          </a:p>
+        </p:txBody>
+      </p:sp>
+      <p:sp>
+        <p:nvSpPr>
+          <p:cNvPr id="23" name="Oval 22">
             <a:extLst>
               <a:ext uri="{FF2B5EF4-FFF2-40B4-BE49-F238E27FC236}">
-                <a16:creationId xmlns:a16="http://schemas.microsoft.com/office/drawing/2014/main" id="{BD202FC0-B5FE-2464-7A4B-5CD6871B4468}"/>
+                <a16:creationId xmlns:a16="http://schemas.microsoft.com/office/drawing/2014/main" id="{F42115AC-D568-5FC0-EEE3-F7B2964E60CD}"/>
               </a:ext>
             </a:extLst>
           </p:cNvPr>
-          <p:cNvPicPr>
-            <a:picLocks noChangeAspect="1" noChangeArrowheads="1"/>
-          </p:cNvPicPr>
+          <p:cNvSpPr/>
           <p:nvPr/>
-        </p:nvPicPr>
-        <p:blipFill>
-          <a:blip r:embed="rId5" cstate="print">
-            <a:extLst>
-              <a:ext uri="{28A0092B-C50C-407E-A947-70E740481C1C}">
-                <a14:useLocalDpi xmlns:a14="http://schemas.microsoft.com/office/drawing/2010/main" val="0"/>
-              </a:ext>
-            </a:extLst>
-          </a:blip>
-          <a:srcRect/>
-          <a:stretch>
-            <a:fillRect/>
-          </a:stretch>
-        </p:blipFill>
-        <p:spPr bwMode="auto">
+        </p:nvSpPr>
+        <p:spPr>
           <a:xfrm>
-            <a:off x="4125331" y="2314106"/>
-            <a:ext cx="2301750" cy="1826970"/>
+            <a:off x="6918973" y="4952260"/>
+            <a:ext cx="209368" cy="735724"/>
           </a:xfrm>
-          <a:prstGeom prst="rect">
+          <a:prstGeom prst="ellipse">
             <a:avLst/>
           </a:prstGeom>
           <a:noFill/>
-          <a:extLst>
-            <a:ext uri="{909E8E84-426E-40DD-AFC4-6F175D3DCCD1}">
-              <a14:hiddenFill xmlns:a14="http://schemas.microsoft.com/office/drawing/2010/main">
-                <a:solidFill>
-                  <a:srgbClr val="FFFFFF"/>
-                </a:solidFill>
-              </a14:hiddenFill>
-            </a:ext>
-          </a:extLst>
+          <a:ln>
+            <a:solidFill>
+              <a:srgbClr val="FF0000"/>
+            </a:solidFill>
+          </a:ln>
         </p:spPr>
-      </p:pic>
-      <p:pic>
-        <p:nvPicPr>
-          <p:cNvPr id="1030" name="Picture 6">
+        <p:style>
+          <a:lnRef idx="2">
+            <a:schemeClr val="accent6"/>
+          </a:lnRef>
+          <a:fillRef idx="1">
+            <a:schemeClr val="lt1"/>
+          </a:fillRef>
+          <a:effectRef idx="0">
+            <a:schemeClr val="accent6"/>
+          </a:effectRef>
+          <a:fontRef idx="minor">
+            <a:schemeClr val="dk1"/>
+          </a:fontRef>
+        </p:style>
+        <p:txBody>
+          <a:bodyPr rtlCol="0" anchor="ctr"/>
+          <a:lstStyle/>
+          <a:p>
+            <a:pPr algn="ctr"/>
+            <a:endParaRPr lang="en-US"/>
+          </a:p>
+        </p:txBody>
+      </p:sp>
+      <p:sp>
+        <p:nvSpPr>
+          <p:cNvPr id="24" name="Oval 23">
             <a:extLst>
               <a:ext uri="{FF2B5EF4-FFF2-40B4-BE49-F238E27FC236}">
-                <a16:creationId xmlns:a16="http://schemas.microsoft.com/office/drawing/2014/main" id="{93B45F09-2B69-8629-D79E-BFFB61DB7E85}"/>
+                <a16:creationId xmlns:a16="http://schemas.microsoft.com/office/drawing/2014/main" id="{B309D323-2058-D85C-B228-88366F9353D5}"/>
               </a:ext>
             </a:extLst>
           </p:cNvPr>
-          <p:cNvPicPr>
-            <a:picLocks noChangeAspect="1" noChangeArrowheads="1"/>
-          </p:cNvPicPr>
+          <p:cNvSpPr/>
           <p:nvPr/>
-        </p:nvPicPr>
-        <p:blipFill>
-          <a:blip r:embed="rId6" cstate="print">
-            <a:extLst>
-              <a:ext uri="{28A0092B-C50C-407E-A947-70E740481C1C}">
-                <a14:useLocalDpi xmlns:a14="http://schemas.microsoft.com/office/drawing/2010/main" val="0"/>
-              </a:ext>
-            </a:extLst>
-          </a:blip>
-          <a:srcRect/>
-          <a:stretch>
-            <a:fillRect/>
-          </a:stretch>
-        </p:blipFill>
-        <p:spPr bwMode="auto">
+        </p:nvSpPr>
+        <p:spPr>
           <a:xfrm>
-            <a:off x="6540746" y="2314106"/>
-            <a:ext cx="2265472" cy="1826970"/>
+            <a:off x="4508739" y="4677104"/>
+            <a:ext cx="209368" cy="735724"/>
           </a:xfrm>
-          <a:prstGeom prst="rect">
+          <a:prstGeom prst="ellipse">
             <a:avLst/>
           </a:prstGeom>
           <a:noFill/>
-          <a:extLst>
-            <a:ext uri="{909E8E84-426E-40DD-AFC4-6F175D3DCCD1}">
-              <a14:hiddenFill xmlns:a14="http://schemas.microsoft.com/office/drawing/2010/main">
-                <a:solidFill>
-                  <a:srgbClr val="FFFFFF"/>
-                </a:solidFill>
-              </a14:hiddenFill>
-            </a:ext>
-          </a:extLst>
+          <a:ln>
+            <a:solidFill>
+              <a:srgbClr val="FF0000"/>
+            </a:solidFill>
+          </a:ln>
         </p:spPr>
-      </p:pic>
-      <p:pic>
-        <p:nvPicPr>
-          <p:cNvPr id="1032" name="Picture 8">
+        <p:style>
+          <a:lnRef idx="2">
+            <a:schemeClr val="accent6"/>
+          </a:lnRef>
+          <a:fillRef idx="1">
+            <a:schemeClr val="lt1"/>
+          </a:fillRef>
+          <a:effectRef idx="0">
+            <a:schemeClr val="accent6"/>
+          </a:effectRef>
+          <a:fontRef idx="minor">
+            <a:schemeClr val="dk1"/>
+          </a:fontRef>
+        </p:style>
+        <p:txBody>
+          <a:bodyPr rtlCol="0" anchor="ctr"/>
+          <a:lstStyle/>
+          <a:p>
+            <a:pPr algn="ctr"/>
+            <a:endParaRPr lang="en-US"/>
+          </a:p>
+        </p:txBody>
+      </p:sp>
+      <p:sp>
+        <p:nvSpPr>
+          <p:cNvPr id="25" name="Oval 24">
             <a:extLst>
               <a:ext uri="{FF2B5EF4-FFF2-40B4-BE49-F238E27FC236}">
-                <a16:creationId xmlns:a16="http://schemas.microsoft.com/office/drawing/2014/main" id="{C888E5F5-7F08-06F8-B91F-267DC469F344}"/>
+                <a16:creationId xmlns:a16="http://schemas.microsoft.com/office/drawing/2014/main" id="{B9A863A3-84D2-2D82-0E6C-8340AE578DA9}"/>
               </a:ext>
             </a:extLst>
           </p:cNvPr>
-          <p:cNvPicPr>
-            <a:picLocks noChangeAspect="1" noChangeArrowheads="1"/>
-          </p:cNvPicPr>
+          <p:cNvSpPr/>
           <p:nvPr/>
-        </p:nvPicPr>
-        <p:blipFill>
-          <a:blip r:embed="rId7" cstate="print">
-            <a:extLst>
-              <a:ext uri="{28A0092B-C50C-407E-A947-70E740481C1C}">
-                <a14:useLocalDpi xmlns:a14="http://schemas.microsoft.com/office/drawing/2010/main" val="0"/>
-              </a:ext>
-            </a:extLst>
-          </a:blip>
-          <a:srcRect/>
-          <a:stretch>
-            <a:fillRect/>
-          </a:stretch>
-        </p:blipFill>
-        <p:spPr bwMode="auto">
+        </p:nvSpPr>
+        <p:spPr>
           <a:xfrm>
-            <a:off x="8823314" y="2301522"/>
-            <a:ext cx="2550237" cy="1839554"/>
+            <a:off x="9191843" y="4677104"/>
+            <a:ext cx="209368" cy="735724"/>
           </a:xfrm>
-          <a:prstGeom prst="rect">
+          <a:prstGeom prst="ellipse">
             <a:avLst/>
           </a:prstGeom>
           <a:noFill/>
-          <a:extLst>
-            <a:ext uri="{909E8E84-426E-40DD-AFC4-6F175D3DCCD1}">
-              <a14:hiddenFill xmlns:a14="http://schemas.microsoft.com/office/drawing/2010/main">
-                <a:solidFill>
-                  <a:srgbClr val="FFFFFF"/>
-                </a:solidFill>
-              </a14:hiddenFill>
-            </a:ext>
-          </a:extLst>
+          <a:ln>
+            <a:solidFill>
+              <a:srgbClr val="FF0000"/>
+            </a:solidFill>
+          </a:ln>
         </p:spPr>
-      </p:pic>
-      <p:pic>
-        <p:nvPicPr>
-          <p:cNvPr id="1034" name="Picture 10">
-            <a:extLst>
-              <a:ext uri="{FF2B5EF4-FFF2-40B4-BE49-F238E27FC236}">
-                <a16:creationId xmlns:a16="http://schemas.microsoft.com/office/drawing/2014/main" id="{92DC4BA1-E55D-F9C8-6C7D-2ABC293E10EE}"/>
-              </a:ext>
-            </a:extLst>
-          </p:cNvPr>
-          <p:cNvPicPr>
-            <a:picLocks noChangeAspect="1" noChangeArrowheads="1"/>
-          </p:cNvPicPr>
-          <p:nvPr/>
-        </p:nvPicPr>
-        <p:blipFill>
-          <a:blip r:embed="rId8" cstate="print">
-            <a:extLst>
-              <a:ext uri="{28A0092B-C50C-407E-A947-70E740481C1C}">
-                <a14:useLocalDpi xmlns:a14="http://schemas.microsoft.com/office/drawing/2010/main" val="0"/>
-              </a:ext>
-            </a:extLst>
-          </a:blip>
-          <a:srcRect/>
-          <a:stretch>
-            <a:fillRect/>
-          </a:stretch>
-        </p:blipFill>
-        <p:spPr bwMode="auto">
-          <a:xfrm>
-            <a:off x="1508148" y="4579579"/>
-            <a:ext cx="3102703" cy="1624931"/>
-          </a:xfrm>
-          <a:prstGeom prst="rect">
-            <a:avLst/>
-          </a:prstGeom>
-          <a:noFill/>
-          <a:extLst>
-            <a:ext uri="{909E8E84-426E-40DD-AFC4-6F175D3DCCD1}">
-              <a14:hiddenFill xmlns:a14="http://schemas.microsoft.com/office/drawing/2010/main">
-                <a:solidFill>
-                  <a:srgbClr val="FFFFFF"/>
-                </a:solidFill>
-              </a14:hiddenFill>
-            </a:ext>
-          </a:extLst>
-        </p:spPr>
-      </p:pic>
-      <p:pic>
-        <p:nvPicPr>
-          <p:cNvPr id="1036" name="Picture 12">
-            <a:extLst>
-              <a:ext uri="{FF2B5EF4-FFF2-40B4-BE49-F238E27FC236}">
-                <a16:creationId xmlns:a16="http://schemas.microsoft.com/office/drawing/2014/main" id="{B48CB4C8-966A-CBC8-082F-52F087D2D26F}"/>
-              </a:ext>
-            </a:extLst>
-          </p:cNvPr>
-          <p:cNvPicPr>
-            <a:picLocks noChangeAspect="1" noChangeArrowheads="1"/>
-          </p:cNvPicPr>
-          <p:nvPr/>
-        </p:nvPicPr>
-        <p:blipFill>
-          <a:blip r:embed="rId9" cstate="print">
-            <a:extLst>
-              <a:ext uri="{28A0092B-C50C-407E-A947-70E740481C1C}">
-                <a14:useLocalDpi xmlns:a14="http://schemas.microsoft.com/office/drawing/2010/main" val="0"/>
-              </a:ext>
-            </a:extLst>
-          </a:blip>
-          <a:srcRect/>
-          <a:stretch>
-            <a:fillRect/>
-          </a:stretch>
-        </p:blipFill>
-        <p:spPr bwMode="auto">
-          <a:xfrm>
-            <a:off x="4916814" y="4627757"/>
-            <a:ext cx="2784039" cy="1593317"/>
-          </a:xfrm>
-          <a:prstGeom prst="rect">
-            <a:avLst/>
-          </a:prstGeom>
-          <a:noFill/>
-          <a:extLst>
-            <a:ext uri="{909E8E84-426E-40DD-AFC4-6F175D3DCCD1}">
-              <a14:hiddenFill xmlns:a14="http://schemas.microsoft.com/office/drawing/2010/main">
-                <a:solidFill>
-                  <a:srgbClr val="FFFFFF"/>
-                </a:solidFill>
-              </a14:hiddenFill>
-            </a:ext>
-          </a:extLst>
-        </p:spPr>
-      </p:pic>
-      <p:pic>
-        <p:nvPicPr>
-          <p:cNvPr id="1038" name="Picture 14">
-            <a:extLst>
-              <a:ext uri="{FF2B5EF4-FFF2-40B4-BE49-F238E27FC236}">
-                <a16:creationId xmlns:a16="http://schemas.microsoft.com/office/drawing/2014/main" id="{542FA7CE-E891-F377-BB4E-68EB74574E51}"/>
-              </a:ext>
-            </a:extLst>
-          </p:cNvPr>
-          <p:cNvPicPr>
-            <a:picLocks noChangeAspect="1" noChangeArrowheads="1"/>
-          </p:cNvPicPr>
-          <p:nvPr/>
-        </p:nvPicPr>
-        <p:blipFill>
-          <a:blip r:embed="rId10" cstate="print">
-            <a:extLst>
-              <a:ext uri="{28A0092B-C50C-407E-A947-70E740481C1C}">
-                <a14:useLocalDpi xmlns:a14="http://schemas.microsoft.com/office/drawing/2010/main" val="0"/>
-              </a:ext>
-            </a:extLst>
-          </a:blip>
-          <a:srcRect/>
-          <a:stretch>
-            <a:fillRect/>
-          </a:stretch>
-        </p:blipFill>
-        <p:spPr bwMode="auto">
-          <a:xfrm>
-            <a:off x="7906487" y="4701088"/>
-            <a:ext cx="3449258" cy="1593317"/>
-          </a:xfrm>
-          <a:prstGeom prst="rect">
-            <a:avLst/>
-          </a:prstGeom>
-          <a:noFill/>
-          <a:extLst>
-            <a:ext uri="{909E8E84-426E-40DD-AFC4-6F175D3DCCD1}">
-              <a14:hiddenFill xmlns:a14="http://schemas.microsoft.com/office/drawing/2010/main">
-                <a:solidFill>
-                  <a:srgbClr val="FFFFFF"/>
-                </a:solidFill>
-              </a14:hiddenFill>
-            </a:ext>
-          </a:extLst>
-        </p:spPr>
-      </p:pic>
+        <p:style>
+          <a:lnRef idx="2">
+            <a:schemeClr val="accent6"/>
+          </a:lnRef>
+          <a:fillRef idx="1">
+            <a:schemeClr val="lt1"/>
+          </a:fillRef>
+          <a:effectRef idx="0">
+            <a:schemeClr val="accent6"/>
+          </a:effectRef>
+          <a:fontRef idx="minor">
+            <a:schemeClr val="dk1"/>
+          </a:fontRef>
+        </p:style>
+        <p:txBody>
+          <a:bodyPr rtlCol="0" anchor="ctr"/>
+          <a:lstStyle/>
+          <a:p>
+            <a:pPr algn="ctr"/>
+            <a:endParaRPr lang="en-US"/>
+          </a:p>
+        </p:txBody>
+      </p:sp>
     </p:spTree>
     <p:extLst>
       <p:ext uri="{BB962C8B-B14F-4D97-AF65-F5344CB8AC3E}">
@@ -11855,38 +15230,6 @@
           <a:chExt cx="0" cy="0"/>
         </a:xfrm>
       </p:grpSpPr>
-      <p:sp>
-        <p:nvSpPr>
-          <p:cNvPr id="2" name="כותרת 1"/>
-          <p:cNvSpPr>
-            <a:spLocks noGrp="1"/>
-          </p:cNvSpPr>
-          <p:nvPr>
-            <p:ph type="title"/>
-          </p:nvPr>
-        </p:nvSpPr>
-        <p:spPr>
-          <a:xfrm>
-            <a:off x="1334812" y="748962"/>
-            <a:ext cx="3846787" cy="788916"/>
-          </a:xfrm>
-        </p:spPr>
-        <p:txBody>
-          <a:bodyPr>
-            <a:noAutofit/>
-          </a:bodyPr>
-          <a:lstStyle/>
-          <a:p>
-            <a:pPr algn="l" rtl="0"/>
-            <a:r>
-              <a:rPr lang="en-US" sz="5100" b="1" dirty="0">
-                <a:cs typeface="+mn-cs"/>
-              </a:rPr>
-              <a:t>Data Analysis:</a:t>
-            </a:r>
-          </a:p>
-        </p:txBody>
-      </p:sp>
       <p:pic>
         <p:nvPicPr>
           <p:cNvPr id="8" name="Picture 8" descr="File:Hebrew University Logo.svg - Wikimedia Commons"/>
@@ -12152,8 +15495,8 @@
         </p:nvSpPr>
         <p:spPr>
           <a:xfrm>
-            <a:off x="1334812" y="1638046"/>
-            <a:ext cx="9948044" cy="788916"/>
+            <a:off x="1334812" y="2177484"/>
+            <a:ext cx="10131974" cy="860006"/>
           </a:xfrm>
           <a:prstGeom prst="rect">
             <a:avLst/>
@@ -12185,559 +15528,161 @@
           <a:p>
             <a:pPr algn="l" rtl="0"/>
             <a:r>
-              <a:rPr lang="en-US" sz="2900" b="1" dirty="0">
+              <a:rPr lang="en-US" sz="2800" b="1" dirty="0">
                 <a:cs typeface="+mn-cs"/>
               </a:rPr>
               <a:t>Route A: </a:t>
             </a:r>
           </a:p>
           <a:p>
+            <a:pPr algn="just" rtl="0"/>
+            <a:r>
+              <a:rPr lang="en-US" sz="2800" b="1" dirty="0">
+                <a:cs typeface="+mn-cs"/>
+              </a:rPr>
+              <a:t>All the properties in Q1, Q2 and Q3 which their Property type is Entire home, their </a:t>
+            </a:r>
+            <a:r>
+              <a:rPr lang="en-US" sz="2800" b="1" dirty="0">
+                <a:solidFill>
+                  <a:srgbClr val="FF0000"/>
+                </a:solidFill>
+                <a:cs typeface="+mn-cs"/>
+              </a:rPr>
+              <a:t>Room type </a:t>
+            </a:r>
+            <a:r>
+              <a:rPr lang="en-US" sz="2800" b="1" dirty="0">
+                <a:cs typeface="+mn-cs"/>
+              </a:rPr>
+              <a:t>is Entire home/apt., and they are located in (</a:t>
+            </a:r>
+            <a:r>
+              <a:rPr lang="en-US" sz="2800" b="1" dirty="0">
+                <a:solidFill>
+                  <a:srgbClr val="FF0000"/>
+                </a:solidFill>
+                <a:cs typeface="+mn-cs"/>
+              </a:rPr>
+              <a:t>Neighborhood</a:t>
+            </a:r>
+            <a:r>
+              <a:rPr lang="en-US" sz="2800" b="1" dirty="0">
+                <a:cs typeface="+mn-cs"/>
+              </a:rPr>
+              <a:t>) Seattle → Non-Discriminative! </a:t>
+            </a:r>
+          </a:p>
+          <a:p>
             <a:pPr algn="l" rtl="0"/>
-            <a:r>
-              <a:rPr lang="en-US" sz="2900" b="1" dirty="0">
-                <a:cs typeface="+mn-cs"/>
-              </a:rPr>
-              <a:t>Summary Table </a:t>
-            </a:r>
-          </a:p>
-        </p:txBody>
-      </p:sp>
-      <p:graphicFrame>
-        <p:nvGraphicFramePr>
-          <p:cNvPr id="6" name="Table 5">
+            <a:endParaRPr lang="en-US" sz="2800" b="1" dirty="0">
+              <a:cs typeface="+mn-cs"/>
+            </a:endParaRPr>
+          </a:p>
+        </p:txBody>
+      </p:sp>
+      <p:pic>
+        <p:nvPicPr>
+          <p:cNvPr id="21" name="Picture 20">
             <a:extLst>
               <a:ext uri="{FF2B5EF4-FFF2-40B4-BE49-F238E27FC236}">
-                <a16:creationId xmlns:a16="http://schemas.microsoft.com/office/drawing/2014/main" id="{A1688815-74C7-03C3-DDE2-45AA286597BE}"/>
+                <a16:creationId xmlns:a16="http://schemas.microsoft.com/office/drawing/2014/main" id="{940AAAD7-1283-5802-A4F5-4F86B522E516}"/>
               </a:ext>
             </a:extLst>
           </p:cNvPr>
-          <p:cNvGraphicFramePr>
-            <a:graphicFrameLocks noGrp="1"/>
-          </p:cNvGraphicFramePr>
+          <p:cNvPicPr>
+            <a:picLocks noChangeAspect="1"/>
+          </p:cNvPicPr>
+          <p:nvPr/>
+        </p:nvPicPr>
+        <p:blipFill>
+          <a:blip r:embed="rId4"/>
+          <a:stretch>
+            <a:fillRect/>
+          </a:stretch>
+        </p:blipFill>
+        <p:spPr>
+          <a:xfrm>
+            <a:off x="4435364" y="3233057"/>
+            <a:ext cx="3472153" cy="3083660"/>
+          </a:xfrm>
+          <a:prstGeom prst="rect">
+            <a:avLst/>
+          </a:prstGeom>
+        </p:spPr>
+      </p:pic>
+      <p:pic>
+        <p:nvPicPr>
+          <p:cNvPr id="23" name="Picture 22">
+            <a:extLst>
+              <a:ext uri="{FF2B5EF4-FFF2-40B4-BE49-F238E27FC236}">
+                <a16:creationId xmlns:a16="http://schemas.microsoft.com/office/drawing/2014/main" id="{DEF40029-2009-E12B-644A-41054AF90107}"/>
+              </a:ext>
+            </a:extLst>
+          </p:cNvPr>
+          <p:cNvPicPr>
+            <a:picLocks noChangeAspect="1"/>
+          </p:cNvPicPr>
+          <p:nvPr/>
+        </p:nvPicPr>
+        <p:blipFill>
+          <a:blip r:embed="rId5"/>
+          <a:stretch>
+            <a:fillRect/>
+          </a:stretch>
+        </p:blipFill>
+        <p:spPr>
+          <a:xfrm>
+            <a:off x="8172571" y="3233057"/>
+            <a:ext cx="3123754" cy="3083660"/>
+          </a:xfrm>
+          <a:prstGeom prst="rect">
+            <a:avLst/>
+          </a:prstGeom>
+        </p:spPr>
+      </p:pic>
+      <p:sp>
+        <p:nvSpPr>
+          <p:cNvPr id="7" name="כותרת 1">
+            <a:extLst>
+              <a:ext uri="{FF2B5EF4-FFF2-40B4-BE49-F238E27FC236}">
+                <a16:creationId xmlns:a16="http://schemas.microsoft.com/office/drawing/2014/main" id="{E2AE8FBA-3FD7-5631-93E9-EA3774763C9C}"/>
+              </a:ext>
+            </a:extLst>
+          </p:cNvPr>
+          <p:cNvSpPr>
+            <a:spLocks noGrp="1"/>
+          </p:cNvSpPr>
           <p:nvPr>
-            <p:extLst>
-              <p:ext uri="{D42A27DB-BD31-4B8C-83A1-F6EECF244321}">
-                <p14:modId xmlns:p14="http://schemas.microsoft.com/office/powerpoint/2010/main" val="3538800812"/>
-              </p:ext>
-            </p:extLst>
+            <p:ph type="title"/>
           </p:nvPr>
-        </p:nvGraphicFramePr>
-        <p:xfrm>
-          <a:off x="2401616" y="2702799"/>
-          <a:ext cx="8881240" cy="2984676"/>
-        </p:xfrm>
-        <a:graphic>
-          <a:graphicData uri="http://schemas.openxmlformats.org/drawingml/2006/table">
-            <a:tbl>
-              <a:tblPr firstRow="1" bandRow="1">
-                <a:tableStyleId>{5C22544A-7EE6-4342-B048-85BDC9FD1C3A}</a:tableStyleId>
-              </a:tblPr>
-              <a:tblGrid>
-                <a:gridCol w="1618594">
-                  <a:extLst>
-                    <a:ext uri="{9D8B030D-6E8A-4147-A177-3AD203B41FA5}">
-                      <a16:colId xmlns:a16="http://schemas.microsoft.com/office/drawing/2014/main" val="3926741695"/>
-                    </a:ext>
-                  </a:extLst>
-                </a:gridCol>
-                <a:gridCol w="1755228">
-                  <a:extLst>
-                    <a:ext uri="{9D8B030D-6E8A-4147-A177-3AD203B41FA5}">
-                      <a16:colId xmlns:a16="http://schemas.microsoft.com/office/drawing/2014/main" val="4273390761"/>
-                    </a:ext>
-                  </a:extLst>
-                </a:gridCol>
-                <a:gridCol w="1891862">
-                  <a:extLst>
-                    <a:ext uri="{9D8B030D-6E8A-4147-A177-3AD203B41FA5}">
-                      <a16:colId xmlns:a16="http://schemas.microsoft.com/office/drawing/2014/main" val="851118952"/>
-                    </a:ext>
-                  </a:extLst>
-                </a:gridCol>
-                <a:gridCol w="1797269">
-                  <a:extLst>
-                    <a:ext uri="{9D8B030D-6E8A-4147-A177-3AD203B41FA5}">
-                      <a16:colId xmlns:a16="http://schemas.microsoft.com/office/drawing/2014/main" val="899351367"/>
-                    </a:ext>
-                  </a:extLst>
-                </a:gridCol>
-                <a:gridCol w="1818287">
-                  <a:extLst>
-                    <a:ext uri="{9D8B030D-6E8A-4147-A177-3AD203B41FA5}">
-                      <a16:colId xmlns:a16="http://schemas.microsoft.com/office/drawing/2014/main" val="2416177908"/>
-                    </a:ext>
-                  </a:extLst>
-                </a:gridCol>
-              </a:tblGrid>
-              <a:tr h="586149">
-                <a:tc>
-                  <a:txBody>
-                    <a:bodyPr/>
-                    <a:lstStyle/>
-                    <a:p>
-                      <a:pPr algn="ctr"/>
-                      <a:endParaRPr lang="en-US" dirty="0"/>
-                    </a:p>
-                  </a:txBody>
-                  <a:tcPr anchor="ctr"/>
-                </a:tc>
-                <a:tc>
-                  <a:txBody>
-                    <a:bodyPr/>
-                    <a:lstStyle/>
-                    <a:p>
-                      <a:pPr algn="ctr" rtl="0"/>
-                      <a:r>
-                        <a:rPr lang="en-US" sz="3600" dirty="0"/>
-                        <a:t>Q1</a:t>
-                      </a:r>
-                    </a:p>
-                  </a:txBody>
-                  <a:tcPr anchor="ctr"/>
-                </a:tc>
-                <a:tc>
-                  <a:txBody>
-                    <a:bodyPr/>
-                    <a:lstStyle/>
-                    <a:p>
-                      <a:pPr algn="ctr" rtl="0"/>
-                      <a:r>
-                        <a:rPr lang="en-US" sz="3600" dirty="0"/>
-                        <a:t>Q2</a:t>
-                      </a:r>
-                    </a:p>
-                  </a:txBody>
-                  <a:tcPr anchor="ctr"/>
-                </a:tc>
-                <a:tc>
-                  <a:txBody>
-                    <a:bodyPr/>
-                    <a:lstStyle/>
-                    <a:p>
-                      <a:pPr algn="ctr" rtl="0"/>
-                      <a:r>
-                        <a:rPr lang="en-US" sz="3600" dirty="0"/>
-                        <a:t>Q3</a:t>
-                      </a:r>
-                    </a:p>
-                  </a:txBody>
-                  <a:tcPr anchor="ctr"/>
-                </a:tc>
-                <a:tc>
-                  <a:txBody>
-                    <a:bodyPr/>
-                    <a:lstStyle/>
-                    <a:p>
-                      <a:pPr algn="ctr" rtl="0"/>
-                      <a:r>
-                        <a:rPr lang="en-US" sz="3600" dirty="0"/>
-                        <a:t>Q4</a:t>
-                      </a:r>
-                    </a:p>
-                  </a:txBody>
-                  <a:tcPr anchor="ctr"/>
-                </a:tc>
-                <a:extLst>
-                  <a:ext uri="{0D108BD9-81ED-4DB2-BD59-A6C34878D82A}">
-                    <a16:rowId xmlns:a16="http://schemas.microsoft.com/office/drawing/2014/main" val="3745580272"/>
-                  </a:ext>
-                </a:extLst>
-              </a:tr>
-              <a:tr h="586149">
-                <a:tc>
-                  <a:txBody>
-                    <a:bodyPr/>
-                    <a:lstStyle/>
-                    <a:p>
-                      <a:pPr algn="l" rtl="0"/>
-                      <a:r>
-                        <a:rPr lang="en-US" dirty="0"/>
-                        <a:t>Property Type</a:t>
-                      </a:r>
-                    </a:p>
-                  </a:txBody>
-                  <a:tcPr anchor="ctr"/>
-                </a:tc>
-                <a:tc>
-                  <a:txBody>
-                    <a:bodyPr/>
-                    <a:lstStyle/>
-                    <a:p>
-                      <a:pPr algn="ctr" rtl="0"/>
-                      <a:r>
-                        <a:rPr lang="en-US" dirty="0"/>
-                        <a:t>Entire home</a:t>
-                      </a:r>
-                    </a:p>
-                  </a:txBody>
-                  <a:tcPr anchor="ctr"/>
-                </a:tc>
-                <a:tc>
-                  <a:txBody>
-                    <a:bodyPr/>
-                    <a:lstStyle/>
-                    <a:p>
-                      <a:pPr algn="ctr" rtl="0"/>
-                      <a:r>
-                        <a:rPr lang="en-US" dirty="0"/>
-                        <a:t>Entire home</a:t>
-                      </a:r>
-                    </a:p>
-                  </a:txBody>
-                  <a:tcPr anchor="ctr"/>
-                </a:tc>
-                <a:tc>
-                  <a:txBody>
-                    <a:bodyPr/>
-                    <a:lstStyle/>
-                    <a:p>
-                      <a:pPr algn="ctr" rtl="0"/>
-                      <a:r>
-                        <a:rPr lang="en-US" dirty="0"/>
-                        <a:t>Entire home</a:t>
-                      </a:r>
-                    </a:p>
-                  </a:txBody>
-                  <a:tcPr anchor="ctr"/>
-                </a:tc>
-                <a:tc>
-                  <a:txBody>
-                    <a:bodyPr/>
-                    <a:lstStyle/>
-                    <a:p>
-                      <a:pPr algn="ctr" rtl="0"/>
-                      <a:r>
-                        <a:rPr lang="en-US" dirty="0">
-                          <a:solidFill>
-                            <a:srgbClr val="FF0000"/>
-                          </a:solidFill>
-                        </a:rPr>
-                        <a:t>Entire rental unit</a:t>
-                      </a:r>
-                    </a:p>
-                  </a:txBody>
-                  <a:tcPr anchor="ctr"/>
-                </a:tc>
-                <a:extLst>
-                  <a:ext uri="{0D108BD9-81ED-4DB2-BD59-A6C34878D82A}">
-                    <a16:rowId xmlns:a16="http://schemas.microsoft.com/office/drawing/2014/main" val="4085152986"/>
-                  </a:ext>
-                </a:extLst>
-              </a:tr>
-              <a:tr h="586149">
-                <a:tc>
-                  <a:txBody>
-                    <a:bodyPr/>
-                    <a:lstStyle/>
-                    <a:p>
-                      <a:pPr algn="l" rtl="0"/>
-                      <a:r>
-                        <a:rPr lang="en-US" dirty="0"/>
-                        <a:t>Room Type</a:t>
-                      </a:r>
-                    </a:p>
-                  </a:txBody>
-                  <a:tcPr anchor="ctr"/>
-                </a:tc>
-                <a:tc>
-                  <a:txBody>
-                    <a:bodyPr/>
-                    <a:lstStyle/>
-                    <a:p>
-                      <a:pPr algn="ctr" rtl="0"/>
-                      <a:r>
-                        <a:rPr lang="en-US" dirty="0"/>
-                        <a:t>Entire home/apt</a:t>
-                      </a:r>
-                    </a:p>
-                  </a:txBody>
-                  <a:tcPr anchor="ctr"/>
-                </a:tc>
-                <a:tc>
-                  <a:txBody>
-                    <a:bodyPr/>
-                    <a:lstStyle/>
-                    <a:p>
-                      <a:pPr marL="0" marR="0" lvl="0" indent="0" algn="ctr" defTabSz="914400" rtl="0" eaLnBrk="1" fontAlgn="auto" latinLnBrk="0" hangingPunct="1">
-                        <a:lnSpc>
-                          <a:spcPct val="100000"/>
-                        </a:lnSpc>
-                        <a:spcBef>
-                          <a:spcPts val="0"/>
-                        </a:spcBef>
-                        <a:spcAft>
-                          <a:spcPts val="0"/>
-                        </a:spcAft>
-                        <a:buClrTx/>
-                        <a:buSzTx/>
-                        <a:buFontTx/>
-                        <a:buNone/>
-                        <a:tabLst/>
-                        <a:defRPr/>
-                      </a:pPr>
-                      <a:r>
-                        <a:rPr lang="en-US" dirty="0"/>
-                        <a:t>Entire home/apt</a:t>
-                      </a:r>
-                    </a:p>
-                  </a:txBody>
-                  <a:tcPr anchor="ctr"/>
-                </a:tc>
-                <a:tc>
-                  <a:txBody>
-                    <a:bodyPr/>
-                    <a:lstStyle/>
-                    <a:p>
-                      <a:pPr marL="0" marR="0" lvl="0" indent="0" algn="ctr" defTabSz="914400" rtl="0" eaLnBrk="1" fontAlgn="auto" latinLnBrk="0" hangingPunct="1">
-                        <a:lnSpc>
-                          <a:spcPct val="100000"/>
-                        </a:lnSpc>
-                        <a:spcBef>
-                          <a:spcPts val="0"/>
-                        </a:spcBef>
-                        <a:spcAft>
-                          <a:spcPts val="0"/>
-                        </a:spcAft>
-                        <a:buClrTx/>
-                        <a:buSzTx/>
-                        <a:buFontTx/>
-                        <a:buNone/>
-                        <a:tabLst/>
-                        <a:defRPr/>
-                      </a:pPr>
-                      <a:r>
-                        <a:rPr lang="en-US" dirty="0"/>
-                        <a:t>Entire home/apt</a:t>
-                      </a:r>
-                    </a:p>
-                  </a:txBody>
-                  <a:tcPr anchor="ctr"/>
-                </a:tc>
-                <a:tc>
-                  <a:txBody>
-                    <a:bodyPr/>
-                    <a:lstStyle/>
-                    <a:p>
-                      <a:pPr algn="ctr" rtl="0"/>
-                      <a:endParaRPr lang="en-US" dirty="0"/>
-                    </a:p>
-                  </a:txBody>
-                  <a:tcPr anchor="ctr"/>
-                </a:tc>
-                <a:extLst>
-                  <a:ext uri="{0D108BD9-81ED-4DB2-BD59-A6C34878D82A}">
-                    <a16:rowId xmlns:a16="http://schemas.microsoft.com/office/drawing/2014/main" val="1749103767"/>
-                  </a:ext>
-                </a:extLst>
-              </a:tr>
-              <a:tr h="586149">
-                <a:tc>
-                  <a:txBody>
-                    <a:bodyPr/>
-                    <a:lstStyle/>
-                    <a:p>
-                      <a:pPr marL="0" marR="0" lvl="0" indent="0" algn="l" defTabSz="914400" rtl="0" eaLnBrk="1" fontAlgn="auto" latinLnBrk="0" hangingPunct="1">
-                        <a:lnSpc>
-                          <a:spcPct val="100000"/>
-                        </a:lnSpc>
-                        <a:spcBef>
-                          <a:spcPts val="0"/>
-                        </a:spcBef>
-                        <a:spcAft>
-                          <a:spcPts val="0"/>
-                        </a:spcAft>
-                        <a:buClrTx/>
-                        <a:buSzTx/>
-                        <a:buFontTx/>
-                        <a:buNone/>
-                        <a:tabLst/>
-                        <a:defRPr/>
-                      </a:pPr>
-                      <a:r>
-                        <a:rPr lang="en-US" dirty="0"/>
-                        <a:t>Neighborhood</a:t>
-                      </a:r>
-                    </a:p>
-                  </a:txBody>
-                  <a:tcPr anchor="ctr"/>
-                </a:tc>
-                <a:tc>
-                  <a:txBody>
-                    <a:bodyPr/>
-                    <a:lstStyle/>
-                    <a:p>
-                      <a:pPr algn="ctr" rtl="0"/>
-                      <a:r>
-                        <a:rPr lang="en-US" dirty="0"/>
-                        <a:t>Seattle</a:t>
-                      </a:r>
-                    </a:p>
-                  </a:txBody>
-                  <a:tcPr anchor="ctr"/>
-                </a:tc>
-                <a:tc>
-                  <a:txBody>
-                    <a:bodyPr/>
-                    <a:lstStyle/>
-                    <a:p>
-                      <a:pPr marL="0" marR="0" lvl="0" indent="0" algn="ctr" defTabSz="914400" rtl="0" eaLnBrk="1" fontAlgn="auto" latinLnBrk="0" hangingPunct="1">
-                        <a:lnSpc>
-                          <a:spcPct val="100000"/>
-                        </a:lnSpc>
-                        <a:spcBef>
-                          <a:spcPts val="0"/>
-                        </a:spcBef>
-                        <a:spcAft>
-                          <a:spcPts val="0"/>
-                        </a:spcAft>
-                        <a:buClrTx/>
-                        <a:buSzTx/>
-                        <a:buFontTx/>
-                        <a:buNone/>
-                        <a:tabLst/>
-                        <a:defRPr/>
-                      </a:pPr>
-                      <a:r>
-                        <a:rPr lang="en-US" dirty="0"/>
-                        <a:t>Seattle</a:t>
-                      </a:r>
-                    </a:p>
-                  </a:txBody>
-                  <a:tcPr anchor="ctr"/>
-                </a:tc>
-                <a:tc>
-                  <a:txBody>
-                    <a:bodyPr/>
-                    <a:lstStyle/>
-                    <a:p>
-                      <a:pPr marL="0" marR="0" lvl="0" indent="0" algn="ctr" defTabSz="914400" rtl="0" eaLnBrk="1" fontAlgn="auto" latinLnBrk="0" hangingPunct="1">
-                        <a:lnSpc>
-                          <a:spcPct val="100000"/>
-                        </a:lnSpc>
-                        <a:spcBef>
-                          <a:spcPts val="0"/>
-                        </a:spcBef>
-                        <a:spcAft>
-                          <a:spcPts val="0"/>
-                        </a:spcAft>
-                        <a:buClrTx/>
-                        <a:buSzTx/>
-                        <a:buFontTx/>
-                        <a:buNone/>
-                        <a:tabLst/>
-                        <a:defRPr/>
-                      </a:pPr>
-                      <a:r>
-                        <a:rPr lang="en-US" dirty="0"/>
-                        <a:t>Seattle</a:t>
-                      </a:r>
-                    </a:p>
-                  </a:txBody>
-                  <a:tcPr anchor="ctr"/>
-                </a:tc>
-                <a:tc>
-                  <a:txBody>
-                    <a:bodyPr/>
-                    <a:lstStyle/>
-                    <a:p>
-                      <a:pPr algn="ctr" rtl="0"/>
-                      <a:endParaRPr lang="en-US" dirty="0"/>
-                    </a:p>
-                  </a:txBody>
-                  <a:tcPr anchor="ctr"/>
-                </a:tc>
-                <a:extLst>
-                  <a:ext uri="{0D108BD9-81ED-4DB2-BD59-A6C34878D82A}">
-                    <a16:rowId xmlns:a16="http://schemas.microsoft.com/office/drawing/2014/main" val="1365730346"/>
-                  </a:ext>
-                </a:extLst>
-              </a:tr>
-              <a:tr h="586149">
-                <a:tc>
-                  <a:txBody>
-                    <a:bodyPr/>
-                    <a:lstStyle/>
-                    <a:p>
-                      <a:pPr algn="l" rtl="0"/>
-                      <a:r>
-                        <a:rPr lang="en-US" dirty="0"/>
-                        <a:t>Accommodates</a:t>
-                      </a:r>
-                    </a:p>
-                  </a:txBody>
-                  <a:tcPr anchor="ctr"/>
-                </a:tc>
-                <a:tc>
-                  <a:txBody>
-                    <a:bodyPr/>
-                    <a:lstStyle/>
-                    <a:p>
-                      <a:pPr algn="ctr" rtl="0"/>
-                      <a:r>
-                        <a:rPr lang="en-US" dirty="0"/>
-                        <a:t>6</a:t>
-                      </a:r>
-                    </a:p>
-                  </a:txBody>
-                  <a:tcPr anchor="ctr"/>
-                </a:tc>
-                <a:tc>
-                  <a:txBody>
-                    <a:bodyPr/>
-                    <a:lstStyle/>
-                    <a:p>
-                      <a:pPr algn="ctr" rtl="0"/>
-                      <a:r>
-                        <a:rPr lang="en-US" dirty="0"/>
-                        <a:t>6</a:t>
-                      </a:r>
-                    </a:p>
-                  </a:txBody>
-                  <a:tcPr anchor="ctr"/>
-                </a:tc>
-                <a:tc>
-                  <a:txBody>
-                    <a:bodyPr/>
-                    <a:lstStyle/>
-                    <a:p>
-                      <a:pPr algn="ctr" rtl="0"/>
-                      <a:r>
-                        <a:rPr lang="en-US" dirty="0">
-                          <a:solidFill>
-                            <a:srgbClr val="FF0000"/>
-                          </a:solidFill>
-                        </a:rPr>
-                        <a:t>4</a:t>
-                      </a:r>
-                    </a:p>
-                  </a:txBody>
-                  <a:tcPr anchor="ctr"/>
-                </a:tc>
-                <a:tc>
-                  <a:txBody>
-                    <a:bodyPr/>
-                    <a:lstStyle/>
-                    <a:p>
-                      <a:pPr algn="ctr" rtl="0"/>
-                      <a:endParaRPr lang="en-US" dirty="0"/>
-                    </a:p>
-                  </a:txBody>
-                  <a:tcPr anchor="ctr"/>
-                </a:tc>
-                <a:extLst>
-                  <a:ext uri="{0D108BD9-81ED-4DB2-BD59-A6C34878D82A}">
-                    <a16:rowId xmlns:a16="http://schemas.microsoft.com/office/drawing/2014/main" val="84070144"/>
-                  </a:ext>
-                </a:extLst>
-              </a:tr>
-            </a:tbl>
-          </a:graphicData>
-        </a:graphic>
-      </p:graphicFrame>
+        </p:nvSpPr>
+        <p:spPr>
+          <a:xfrm>
+            <a:off x="1334812" y="748962"/>
+            <a:ext cx="5675588" cy="788916"/>
+          </a:xfrm>
+        </p:spPr>
+        <p:txBody>
+          <a:bodyPr>
+            <a:noAutofit/>
+          </a:bodyPr>
+          <a:lstStyle/>
+          <a:p>
+            <a:pPr algn="l" rtl="0"/>
+            <a:r>
+              <a:rPr lang="en-US" sz="5100" b="1" dirty="0">
+                <a:cs typeface="+mn-cs"/>
+              </a:rPr>
+              <a:t>Data Analysis (cont.):</a:t>
+            </a:r>
+          </a:p>
+        </p:txBody>
+      </p:sp>
     </p:spTree>
     <p:extLst>
       <p:ext uri="{BB962C8B-B14F-4D97-AF65-F5344CB8AC3E}">
-        <p14:creationId xmlns:p14="http://schemas.microsoft.com/office/powerpoint/2010/main" val="2889183720"/>
+        <p14:creationId xmlns:p14="http://schemas.microsoft.com/office/powerpoint/2010/main" val="1438901795"/>
       </p:ext>
     </p:extLst>
   </p:cSld>
